--- a/COMP260/01/2019-20-COMP260-01-lecture.pptx
+++ b/COMP260/01/2019-20-COMP260-01-lecture.pptx
@@ -5,14 +5,17 @@
     <p:sldMasterId id="2147483648" r:id="rId1"/>
   </p:sldMasterIdLst>
   <p:notesMasterIdLst>
-    <p:notesMasterId r:id="rId4"/>
+    <p:notesMasterId r:id="rId7"/>
   </p:notesMasterIdLst>
   <p:handoutMasterIdLst>
-    <p:handoutMasterId r:id="rId5"/>
+    <p:handoutMasterId r:id="rId8"/>
   </p:handoutMasterIdLst>
   <p:sldIdLst>
     <p:sldId id="257" r:id="rId2"/>
-    <p:sldId id="409" r:id="rId3"/>
+    <p:sldId id="416" r:id="rId3"/>
+    <p:sldId id="423" r:id="rId4"/>
+    <p:sldId id="332" r:id="rId5"/>
+    <p:sldId id="409" r:id="rId6"/>
   </p:sldIdLst>
   <p:sldSz cx="9144000" cy="6858000" type="screen4x3"/>
   <p:notesSz cx="7315200" cy="9601200"/>
@@ -951,7 +954,7 @@
             <a:fld id="{134C908B-E4CF-4B88-8994-49C91B4DAC10}" type="datetimeFigureOut">
               <a:rPr lang="en-US" smtClean="0"/>
               <a:pPr/>
-              <a:t>9/24/19</a:t>
+              <a:t>1/22/20</a:t>
             </a:fld>
             <a:endParaRPr lang="en-US"/>
           </a:p>
@@ -1113,7 +1116,7 @@
             <a:fld id="{FCD4ED34-E2A7-4A73-B53B-08CB721EE63F}" type="datetimeFigureOut">
               <a:rPr lang="en-US" smtClean="0"/>
               <a:pPr/>
-              <a:t>9/24/19</a:t>
+              <a:t>1/22/20</a:t>
             </a:fld>
             <a:endParaRPr lang="en-GB"/>
           </a:p>
@@ -1576,7 +1579,7 @@
             <a:fld id="{24C0EDFE-3590-4448-BF7B-7FB41E82085F}" type="datetimeFigureOut">
               <a:rPr lang="en-US" smtClean="0"/>
               <a:pPr/>
-              <a:t>9/24/19</a:t>
+              <a:t>1/22/20</a:t>
             </a:fld>
             <a:endParaRPr lang="en-US" dirty="0"/>
           </a:p>
@@ -1765,7 +1768,7 @@
             <a:fld id="{24C0EDFE-3590-4448-BF7B-7FB41E82085F}" type="datetimeFigureOut">
               <a:rPr lang="en-US" smtClean="0"/>
               <a:pPr/>
-              <a:t>9/24/19</a:t>
+              <a:t>1/22/20</a:t>
             </a:fld>
             <a:endParaRPr lang="en-US" dirty="0"/>
           </a:p>
@@ -1943,7 +1946,7 @@
             <a:fld id="{24C0EDFE-3590-4448-BF7B-7FB41E82085F}" type="datetimeFigureOut">
               <a:rPr lang="en-US" smtClean="0"/>
               <a:pPr/>
-              <a:t>9/24/19</a:t>
+              <a:t>1/22/20</a:t>
             </a:fld>
             <a:endParaRPr lang="en-US" dirty="0"/>
           </a:p>
@@ -2192,7 +2195,7 @@
             <a:fld id="{24C0EDFE-3590-4448-BF7B-7FB41E82085F}" type="datetimeFigureOut">
               <a:rPr lang="en-US" smtClean="0"/>
               <a:pPr/>
-              <a:t>9/24/19</a:t>
+              <a:t>1/22/20</a:t>
             </a:fld>
             <a:endParaRPr lang="en-US" dirty="0"/>
           </a:p>
@@ -2514,7 +2517,7 @@
             <a:fld id="{24C0EDFE-3590-4448-BF7B-7FB41E82085F}" type="datetimeFigureOut">
               <a:rPr lang="en-US" smtClean="0"/>
               <a:pPr/>
-              <a:t>9/24/19</a:t>
+              <a:t>1/22/20</a:t>
             </a:fld>
             <a:endParaRPr lang="en-US" dirty="0"/>
           </a:p>
@@ -2820,7 +2823,7 @@
             <a:fld id="{24C0EDFE-3590-4448-BF7B-7FB41E82085F}" type="datetimeFigureOut">
               <a:rPr lang="en-US" smtClean="0"/>
               <a:pPr/>
-              <a:t>9/24/19</a:t>
+              <a:t>1/22/20</a:t>
             </a:fld>
             <a:endParaRPr lang="en-US" dirty="0"/>
           </a:p>
@@ -3244,7 +3247,7 @@
             <a:fld id="{24C0EDFE-3590-4448-BF7B-7FB41E82085F}" type="datetimeFigureOut">
               <a:rPr lang="en-US" smtClean="0"/>
               <a:pPr/>
-              <a:t>9/24/19</a:t>
+              <a:t>1/22/20</a:t>
             </a:fld>
             <a:endParaRPr lang="en-US" dirty="0"/>
           </a:p>
@@ -3366,7 +3369,7 @@
             <a:fld id="{24C0EDFE-3590-4448-BF7B-7FB41E82085F}" type="datetimeFigureOut">
               <a:rPr lang="en-US" smtClean="0"/>
               <a:pPr/>
-              <a:t>9/24/19</a:t>
+              <a:t>1/22/20</a:t>
             </a:fld>
             <a:endParaRPr lang="en-US" dirty="0"/>
           </a:p>
@@ -3458,7 +3461,7 @@
             <a:fld id="{24C0EDFE-3590-4448-BF7B-7FB41E82085F}" type="datetimeFigureOut">
               <a:rPr lang="en-US" smtClean="0"/>
               <a:pPr/>
-              <a:t>9/24/19</a:t>
+              <a:t>1/22/20</a:t>
             </a:fld>
             <a:endParaRPr lang="en-US" dirty="0"/>
           </a:p>
@@ -3733,7 +3736,7 @@
             <a:fld id="{24C0EDFE-3590-4448-BF7B-7FB41E82085F}" type="datetimeFigureOut">
               <a:rPr lang="en-US" smtClean="0"/>
               <a:pPr/>
-              <a:t>9/24/19</a:t>
+              <a:t>1/22/20</a:t>
             </a:fld>
             <a:endParaRPr lang="en-US" dirty="0"/>
           </a:p>
@@ -3985,7 +3988,7 @@
             <a:fld id="{24C0EDFE-3590-4448-BF7B-7FB41E82085F}" type="datetimeFigureOut">
               <a:rPr lang="en-US" smtClean="0"/>
               <a:pPr/>
-              <a:t>9/24/19</a:t>
+              <a:t>1/22/20</a:t>
             </a:fld>
             <a:endParaRPr lang="en-US" dirty="0"/>
           </a:p>
@@ -4162,7 +4165,7 @@
             <a:fld id="{24C0EDFE-3590-4448-BF7B-7FB41E82085F}" type="datetimeFigureOut">
               <a:rPr lang="en-US" smtClean="0"/>
               <a:pPr/>
-              <a:t>9/24/19</a:t>
+              <a:t>1/22/20</a:t>
             </a:fld>
             <a:endParaRPr lang="en-US" dirty="0"/>
           </a:p>
@@ -4806,7 +4809,7 @@
                 <a:latin typeface="Calibri" pitchFamily="34" charset="0"/>
                 <a:cs typeface="Calibri" pitchFamily="34" charset="0"/>
               </a:rPr>
-              <a:t>Lecture X: Placeholder</a:t>
+              <a:t>Lecture 1: Module Introduction</a:t>
             </a:r>
             <a:endParaRPr kumimoji="0" lang="en-US" sz="1800" b="0" i="0" u="none" strike="noStrike" cap="none" normalizeH="0" baseline="0" dirty="0">
               <a:ln>
@@ -4831,6 +4834,2478 @@
 </file>
 
 <file path=ppt/slides/slide2.xml><?xml version="1.0" encoding="utf-8"?>
+<p:sld xmlns:a="http://schemas.openxmlformats.org/drawingml/2006/main" xmlns:r="http://schemas.openxmlformats.org/officeDocument/2006/relationships" xmlns:p="http://schemas.openxmlformats.org/presentationml/2006/main">
+  <p:cSld>
+    <p:spTree>
+      <p:nvGrpSpPr>
+        <p:cNvPr id="1" name=""/>
+        <p:cNvGrpSpPr/>
+        <p:nvPr/>
+      </p:nvGrpSpPr>
+      <p:grpSpPr>
+        <a:xfrm>
+          <a:off x="0" y="0"/>
+          <a:ext cx="0" cy="0"/>
+          <a:chOff x="0" y="0"/>
+          <a:chExt cx="0" cy="0"/>
+        </a:xfrm>
+      </p:grpSpPr>
+      <p:sp>
+        <p:nvSpPr>
+          <p:cNvPr id="3" name="Content Placeholder 2"/>
+          <p:cNvSpPr>
+            <a:spLocks noGrp="1"/>
+          </p:cNvSpPr>
+          <p:nvPr>
+            <p:ph idx="1"/>
+          </p:nvPr>
+        </p:nvSpPr>
+        <p:spPr>
+          <a:xfrm>
+            <a:off x="457200" y="548680"/>
+            <a:ext cx="8229600" cy="6192688"/>
+          </a:xfrm>
+        </p:spPr>
+        <p:txBody>
+          <a:bodyPr>
+            <a:normAutofit/>
+          </a:bodyPr>
+          <a:lstStyle/>
+          <a:p>
+            <a:r>
+              <a:rPr lang="en-GB" dirty="0"/>
+              <a:t>Introduction to the module</a:t>
+            </a:r>
+          </a:p>
+          <a:p>
+            <a:pPr lvl="1"/>
+            <a:r>
+              <a:rPr lang="en-GB" dirty="0"/>
+              <a:t>Assignment 1: Computing Artefact</a:t>
+            </a:r>
+          </a:p>
+          <a:p>
+            <a:pPr lvl="3"/>
+            <a:endParaRPr lang="en-GB" dirty="0"/>
+          </a:p>
+        </p:txBody>
+      </p:sp>
+    </p:spTree>
+    <p:extLst>
+      <p:ext uri="{BB962C8B-B14F-4D97-AF65-F5344CB8AC3E}">
+        <p14:creationId xmlns:p14="http://schemas.microsoft.com/office/powerpoint/2010/main" val="3342109219"/>
+      </p:ext>
+    </p:extLst>
+  </p:cSld>
+  <p:clrMapOvr>
+    <a:masterClrMapping/>
+  </p:clrMapOvr>
+</p:sld>
+</file>
+
+<file path=ppt/slides/slide3.xml><?xml version="1.0" encoding="utf-8"?>
+<p:sld xmlns:a="http://schemas.openxmlformats.org/drawingml/2006/main" xmlns:r="http://schemas.openxmlformats.org/officeDocument/2006/relationships" xmlns:p="http://schemas.openxmlformats.org/presentationml/2006/main">
+  <p:cSld>
+    <p:spTree>
+      <p:nvGrpSpPr>
+        <p:cNvPr id="1" name=""/>
+        <p:cNvGrpSpPr/>
+        <p:nvPr/>
+      </p:nvGrpSpPr>
+      <p:grpSpPr>
+        <a:xfrm>
+          <a:off x="0" y="0"/>
+          <a:ext cx="0" cy="0"/>
+          <a:chOff x="0" y="0"/>
+          <a:chExt cx="0" cy="0"/>
+        </a:xfrm>
+      </p:grpSpPr>
+      <p:sp>
+        <p:nvSpPr>
+          <p:cNvPr id="3" name="Content Placeholder 2"/>
+          <p:cNvSpPr>
+            <a:spLocks noGrp="1"/>
+          </p:cNvSpPr>
+          <p:nvPr>
+            <p:ph idx="1"/>
+          </p:nvPr>
+        </p:nvSpPr>
+        <p:spPr>
+          <a:xfrm>
+            <a:off x="457200" y="548680"/>
+            <a:ext cx="8229600" cy="6192688"/>
+          </a:xfrm>
+        </p:spPr>
+        <p:txBody>
+          <a:bodyPr>
+            <a:normAutofit/>
+          </a:bodyPr>
+          <a:lstStyle/>
+          <a:p>
+            <a:r>
+              <a:rPr lang="en-GB" dirty="0"/>
+              <a:t>Introduction to the module</a:t>
+            </a:r>
+          </a:p>
+          <a:p>
+            <a:pPr lvl="1"/>
+            <a:r>
+              <a:rPr lang="en-GB" dirty="0"/>
+              <a:t>Assignment 2: Technical Report</a:t>
+            </a:r>
+          </a:p>
+          <a:p>
+            <a:pPr lvl="3"/>
+            <a:endParaRPr lang="en-GB" dirty="0"/>
+          </a:p>
+        </p:txBody>
+      </p:sp>
+    </p:spTree>
+    <p:extLst>
+      <p:ext uri="{BB962C8B-B14F-4D97-AF65-F5344CB8AC3E}">
+        <p14:creationId xmlns:p14="http://schemas.microsoft.com/office/powerpoint/2010/main" val="3207409805"/>
+      </p:ext>
+    </p:extLst>
+  </p:cSld>
+  <p:clrMapOvr>
+    <a:masterClrMapping/>
+  </p:clrMapOvr>
+</p:sld>
+</file>
+
+<file path=ppt/slides/slide4.xml><?xml version="1.0" encoding="utf-8"?>
+<p:sld xmlns:a="http://schemas.openxmlformats.org/drawingml/2006/main" xmlns:r="http://schemas.openxmlformats.org/officeDocument/2006/relationships" xmlns:p="http://schemas.openxmlformats.org/presentationml/2006/main">
+  <p:cSld>
+    <p:spTree>
+      <p:nvGrpSpPr>
+        <p:cNvPr id="1" name=""/>
+        <p:cNvGrpSpPr/>
+        <p:nvPr/>
+      </p:nvGrpSpPr>
+      <p:grpSpPr>
+        <a:xfrm>
+          <a:off x="0" y="0"/>
+          <a:ext cx="0" cy="0"/>
+          <a:chOff x="0" y="0"/>
+          <a:chExt cx="0" cy="0"/>
+        </a:xfrm>
+      </p:grpSpPr>
+      <p:sp>
+        <p:nvSpPr>
+          <p:cNvPr id="3" name="Content Placeholder 2"/>
+          <p:cNvSpPr>
+            <a:spLocks noGrp="1"/>
+          </p:cNvSpPr>
+          <p:nvPr>
+            <p:ph idx="1"/>
+          </p:nvPr>
+        </p:nvSpPr>
+        <p:spPr>
+          <a:xfrm>
+            <a:off x="446856" y="548680"/>
+            <a:ext cx="8229600" cy="6120680"/>
+          </a:xfrm>
+        </p:spPr>
+        <p:txBody>
+          <a:bodyPr>
+            <a:normAutofit/>
+          </a:bodyPr>
+          <a:lstStyle/>
+          <a:p>
+            <a:r>
+              <a:rPr lang="en-GB" dirty="0"/>
+              <a:t>Introduction to the module</a:t>
+            </a:r>
+          </a:p>
+        </p:txBody>
+      </p:sp>
+      <p:sp>
+        <p:nvSpPr>
+          <p:cNvPr id="4" name="Content Placeholder 2"/>
+          <p:cNvSpPr txBox="1">
+            <a:spLocks/>
+          </p:cNvSpPr>
+          <p:nvPr/>
+        </p:nvSpPr>
+        <p:spPr>
+          <a:xfrm>
+            <a:off x="323528" y="1739949"/>
+            <a:ext cx="8229600" cy="5217443"/>
+          </a:xfrm>
+          <a:prstGeom prst="rect">
+            <a:avLst/>
+          </a:prstGeom>
+        </p:spPr>
+        <p:txBody>
+          <a:bodyPr vert="horz" lIns="91440" tIns="45720" rIns="91440" bIns="45720" rtlCol="0">
+            <a:normAutofit/>
+          </a:bodyPr>
+          <a:lstStyle/>
+          <a:p>
+            <a:pPr marL="742950" marR="0" lvl="1" indent="-285750" algn="l" defTabSz="914400" rtl="0" eaLnBrk="1" fontAlgn="auto" latinLnBrk="0" hangingPunct="1">
+              <a:lnSpc>
+                <a:spcPct val="100000"/>
+              </a:lnSpc>
+              <a:spcBef>
+                <a:spcPct val="20000"/>
+              </a:spcBef>
+              <a:spcAft>
+                <a:spcPts val="0"/>
+              </a:spcAft>
+              <a:buClrTx/>
+              <a:buSzTx/>
+              <a:buFont typeface="Arial" pitchFamily="34" charset="0"/>
+              <a:buChar char="–"/>
+              <a:tabLst/>
+              <a:defRPr/>
+            </a:pPr>
+            <a:endParaRPr kumimoji="0" lang="en-GB" sz="2800" b="0" i="0" u="none" strike="noStrike" kern="1200" cap="none" spc="0" normalizeH="0" baseline="0" noProof="0" dirty="0">
+              <a:ln>
+                <a:noFill/>
+              </a:ln>
+              <a:solidFill>
+                <a:schemeClr val="bg1"/>
+              </a:solidFill>
+              <a:effectLst/>
+              <a:uLnTx/>
+              <a:uFillTx/>
+              <a:latin typeface="+mn-lt"/>
+              <a:ea typeface="+mn-ea"/>
+              <a:cs typeface="+mn-cs"/>
+            </a:endParaRPr>
+          </a:p>
+          <a:p>
+            <a:pPr marL="742950" marR="0" lvl="1" indent="-285750" algn="l" defTabSz="914400" rtl="0" eaLnBrk="1" fontAlgn="auto" latinLnBrk="0" hangingPunct="1">
+              <a:lnSpc>
+                <a:spcPct val="100000"/>
+              </a:lnSpc>
+              <a:spcBef>
+                <a:spcPct val="20000"/>
+              </a:spcBef>
+              <a:spcAft>
+                <a:spcPts val="0"/>
+              </a:spcAft>
+              <a:buClrTx/>
+              <a:buSzTx/>
+              <a:buFont typeface="Arial" pitchFamily="34" charset="0"/>
+              <a:buChar char="–"/>
+              <a:tabLst/>
+              <a:defRPr/>
+            </a:pPr>
+            <a:endParaRPr kumimoji="0" lang="en-GB" sz="2800" b="0" i="0" u="none" strike="noStrike" kern="1200" cap="none" spc="0" normalizeH="0" baseline="0" noProof="0" dirty="0">
+              <a:ln>
+                <a:noFill/>
+              </a:ln>
+              <a:solidFill>
+                <a:schemeClr val="bg1"/>
+              </a:solidFill>
+              <a:effectLst/>
+              <a:uLnTx/>
+              <a:uFillTx/>
+              <a:latin typeface="+mn-lt"/>
+              <a:ea typeface="+mn-ea"/>
+              <a:cs typeface="+mn-cs"/>
+            </a:endParaRPr>
+          </a:p>
+          <a:p>
+            <a:pPr marL="742950" marR="0" lvl="1" indent="-285750" algn="l" defTabSz="914400" rtl="0" eaLnBrk="1" fontAlgn="auto" latinLnBrk="0" hangingPunct="1">
+              <a:lnSpc>
+                <a:spcPct val="100000"/>
+              </a:lnSpc>
+              <a:spcBef>
+                <a:spcPct val="20000"/>
+              </a:spcBef>
+              <a:spcAft>
+                <a:spcPts val="0"/>
+              </a:spcAft>
+              <a:buClrTx/>
+              <a:buSzTx/>
+              <a:buFont typeface="Arial" pitchFamily="34" charset="0"/>
+              <a:buChar char="–"/>
+              <a:tabLst/>
+              <a:defRPr/>
+            </a:pPr>
+            <a:endParaRPr kumimoji="0" lang="en-GB" sz="2800" b="0" i="0" u="none" strike="noStrike" kern="1200" cap="none" spc="0" normalizeH="0" baseline="0" noProof="0" dirty="0">
+              <a:ln>
+                <a:noFill/>
+              </a:ln>
+              <a:solidFill>
+                <a:schemeClr val="bg1"/>
+              </a:solidFill>
+              <a:effectLst/>
+              <a:uLnTx/>
+              <a:uFillTx/>
+              <a:latin typeface="+mn-lt"/>
+              <a:ea typeface="+mn-ea"/>
+              <a:cs typeface="+mn-cs"/>
+            </a:endParaRPr>
+          </a:p>
+        </p:txBody>
+      </p:sp>
+      <p:graphicFrame>
+        <p:nvGraphicFramePr>
+          <p:cNvPr id="6" name="Content Placeholder 3"/>
+          <p:cNvGraphicFramePr>
+            <a:graphicFrameLocks/>
+          </p:cNvGraphicFramePr>
+          <p:nvPr>
+            <p:extLst>
+              <p:ext uri="{D42A27DB-BD31-4B8C-83A1-F6EECF244321}">
+                <p14:modId xmlns:p14="http://schemas.microsoft.com/office/powerpoint/2010/main" val="422054622"/>
+              </p:ext>
+            </p:extLst>
+          </p:nvPr>
+        </p:nvGraphicFramePr>
+        <p:xfrm>
+          <a:off x="467544" y="1484784"/>
+          <a:ext cx="8208912" cy="2260600"/>
+        </p:xfrm>
+        <a:graphic>
+          <a:graphicData uri="http://schemas.openxmlformats.org/drawingml/2006/table">
+            <a:tbl>
+              <a:tblPr firstRow="1" bandRow="1">
+                <a:tableStyleId>{5C22544A-7EE6-4342-B048-85BDC9FD1C3A}</a:tableStyleId>
+              </a:tblPr>
+              <a:tblGrid>
+                <a:gridCol w="1368152">
+                  <a:extLst>
+                    <a:ext uri="{9D8B030D-6E8A-4147-A177-3AD203B41FA5}">
+                      <a16:colId xmlns:a16="http://schemas.microsoft.com/office/drawing/2014/main" val="20000"/>
+                    </a:ext>
+                  </a:extLst>
+                </a:gridCol>
+                <a:gridCol w="1368152">
+                  <a:extLst>
+                    <a:ext uri="{9D8B030D-6E8A-4147-A177-3AD203B41FA5}">
+                      <a16:colId xmlns:a16="http://schemas.microsoft.com/office/drawing/2014/main" val="20001"/>
+                    </a:ext>
+                  </a:extLst>
+                </a:gridCol>
+                <a:gridCol w="1368152">
+                  <a:extLst>
+                    <a:ext uri="{9D8B030D-6E8A-4147-A177-3AD203B41FA5}">
+                      <a16:colId xmlns:a16="http://schemas.microsoft.com/office/drawing/2014/main" val="20002"/>
+                    </a:ext>
+                  </a:extLst>
+                </a:gridCol>
+                <a:gridCol w="1368152">
+                  <a:extLst>
+                    <a:ext uri="{9D8B030D-6E8A-4147-A177-3AD203B41FA5}">
+                      <a16:colId xmlns:a16="http://schemas.microsoft.com/office/drawing/2014/main" val="20003"/>
+                    </a:ext>
+                  </a:extLst>
+                </a:gridCol>
+                <a:gridCol w="1368152">
+                  <a:extLst>
+                    <a:ext uri="{9D8B030D-6E8A-4147-A177-3AD203B41FA5}">
+                      <a16:colId xmlns:a16="http://schemas.microsoft.com/office/drawing/2014/main" val="20004"/>
+                    </a:ext>
+                  </a:extLst>
+                </a:gridCol>
+                <a:gridCol w="1368152">
+                  <a:extLst>
+                    <a:ext uri="{9D8B030D-6E8A-4147-A177-3AD203B41FA5}">
+                      <a16:colId xmlns:a16="http://schemas.microsoft.com/office/drawing/2014/main" val="20005"/>
+                    </a:ext>
+                  </a:extLst>
+                </a:gridCol>
+              </a:tblGrid>
+              <a:tr h="370840">
+                <a:tc>
+                  <a:txBody>
+                    <a:bodyPr/>
+                    <a:lstStyle/>
+                    <a:p>
+                      <a:pPr algn="ctr"/>
+                      <a:r>
+                        <a:rPr lang="en-GB" dirty="0"/>
+                        <a:t>Week 1</a:t>
+                      </a:r>
+                    </a:p>
+                  </a:txBody>
+                  <a:tcPr/>
+                </a:tc>
+                <a:tc>
+                  <a:txBody>
+                    <a:bodyPr/>
+                    <a:lstStyle/>
+                    <a:p>
+                      <a:pPr algn="ctr"/>
+                      <a:r>
+                        <a:rPr lang="en-GB" dirty="0"/>
+                        <a:t>Week</a:t>
+                      </a:r>
+                      <a:r>
+                        <a:rPr lang="en-GB" baseline="0" dirty="0"/>
+                        <a:t> 2</a:t>
+                      </a:r>
+                      <a:endParaRPr lang="en-GB" dirty="0"/>
+                    </a:p>
+                  </a:txBody>
+                  <a:tcPr/>
+                </a:tc>
+                <a:tc>
+                  <a:txBody>
+                    <a:bodyPr/>
+                    <a:lstStyle/>
+                    <a:p>
+                      <a:pPr algn="ctr"/>
+                      <a:r>
+                        <a:rPr lang="en-GB" dirty="0"/>
+                        <a:t>Week 3</a:t>
+                      </a:r>
+                    </a:p>
+                  </a:txBody>
+                  <a:tcPr/>
+                </a:tc>
+                <a:tc>
+                  <a:txBody>
+                    <a:bodyPr/>
+                    <a:lstStyle/>
+                    <a:p>
+                      <a:pPr algn="ctr"/>
+                      <a:r>
+                        <a:rPr lang="en-GB" dirty="0"/>
+                        <a:t>Week 4</a:t>
+                      </a:r>
+                    </a:p>
+                  </a:txBody>
+                  <a:tcPr/>
+                </a:tc>
+                <a:tc>
+                  <a:txBody>
+                    <a:bodyPr/>
+                    <a:lstStyle/>
+                    <a:p>
+                      <a:pPr algn="ctr"/>
+                      <a:r>
+                        <a:rPr lang="en-GB" dirty="0"/>
+                        <a:t>Week 5</a:t>
+                      </a:r>
+                    </a:p>
+                  </a:txBody>
+                  <a:tcPr/>
+                </a:tc>
+                <a:tc>
+                  <a:txBody>
+                    <a:bodyPr/>
+                    <a:lstStyle/>
+                    <a:p>
+                      <a:pPr algn="ctr"/>
+                      <a:r>
+                        <a:rPr lang="en-GB" dirty="0"/>
+                        <a:t>Reading Week</a:t>
+                      </a:r>
+                    </a:p>
+                  </a:txBody>
+                  <a:tcPr/>
+                </a:tc>
+                <a:extLst>
+                  <a:ext uri="{0D108BD9-81ED-4DB2-BD59-A6C34878D82A}">
+                    <a16:rowId xmlns:a16="http://schemas.microsoft.com/office/drawing/2014/main" val="10000"/>
+                  </a:ext>
+                </a:extLst>
+              </a:tr>
+              <a:tr h="370840">
+                <a:tc>
+                  <a:txBody>
+                    <a:bodyPr/>
+                    <a:lstStyle/>
+                    <a:p>
+                      <a:pPr marL="0" marR="0" indent="0" algn="ctr" defTabSz="914400" rtl="0" eaLnBrk="1" fontAlgn="auto" latinLnBrk="0" hangingPunct="1">
+                        <a:lnSpc>
+                          <a:spcPct val="100000"/>
+                        </a:lnSpc>
+                        <a:spcBef>
+                          <a:spcPts val="0"/>
+                        </a:spcBef>
+                        <a:spcAft>
+                          <a:spcPts val="0"/>
+                        </a:spcAft>
+                        <a:buClrTx/>
+                        <a:buSzTx/>
+                        <a:buFontTx/>
+                        <a:buNone/>
+                        <a:tabLst/>
+                        <a:defRPr/>
+                      </a:pPr>
+                      <a:r>
+                        <a:rPr lang="en-GB" sz="1400" dirty="0"/>
+                        <a:t>Introduction</a:t>
+                      </a:r>
+                    </a:p>
+                  </a:txBody>
+                  <a:tcPr anchor="ctr">
+                    <a:solidFill>
+                      <a:schemeClr val="accent2"/>
+                    </a:solidFill>
+                  </a:tcPr>
+                </a:tc>
+                <a:tc>
+                  <a:txBody>
+                    <a:bodyPr/>
+                    <a:lstStyle/>
+                    <a:p>
+                      <a:pPr algn="ctr"/>
+                      <a:r>
+                        <a:rPr lang="en-GB" sz="1400" dirty="0"/>
+                        <a:t>IP &amp; Socket Programming</a:t>
+                      </a:r>
+                    </a:p>
+                  </a:txBody>
+                  <a:tcPr anchor="ctr">
+                    <a:solidFill>
+                      <a:schemeClr val="accent2"/>
+                    </a:solidFill>
+                  </a:tcPr>
+                </a:tc>
+                <a:tc>
+                  <a:txBody>
+                    <a:bodyPr/>
+                    <a:lstStyle/>
+                    <a:p>
+                      <a:pPr marL="0" marR="0" lvl="0" indent="0" algn="ctr" defTabSz="914400" rtl="0" eaLnBrk="1" fontAlgn="auto" latinLnBrk="0" hangingPunct="1">
+                        <a:lnSpc>
+                          <a:spcPct val="100000"/>
+                        </a:lnSpc>
+                        <a:spcBef>
+                          <a:spcPts val="0"/>
+                        </a:spcBef>
+                        <a:spcAft>
+                          <a:spcPts val="0"/>
+                        </a:spcAft>
+                        <a:buClrTx/>
+                        <a:buSzTx/>
+                        <a:buFontTx/>
+                        <a:buNone/>
+                        <a:tabLst/>
+                        <a:defRPr/>
+                      </a:pPr>
+                      <a:r>
+                        <a:rPr lang="en-GB" sz="1400" dirty="0"/>
+                        <a:t>Networking &amp; Concurrency</a:t>
+                      </a:r>
+                    </a:p>
+                  </a:txBody>
+                  <a:tcPr anchor="ctr">
+                    <a:solidFill>
+                      <a:schemeClr val="accent2"/>
+                    </a:solidFill>
+                  </a:tcPr>
+                </a:tc>
+                <a:tc>
+                  <a:txBody>
+                    <a:bodyPr/>
+                    <a:lstStyle/>
+                    <a:p>
+                      <a:pPr marL="0" marR="0" lvl="0" indent="0" algn="ctr" defTabSz="914400" rtl="0" eaLnBrk="1" fontAlgn="auto" latinLnBrk="0" hangingPunct="1">
+                        <a:lnSpc>
+                          <a:spcPct val="100000"/>
+                        </a:lnSpc>
+                        <a:spcBef>
+                          <a:spcPts val="0"/>
+                        </a:spcBef>
+                        <a:spcAft>
+                          <a:spcPts val="0"/>
+                        </a:spcAft>
+                        <a:buClrTx/>
+                        <a:buSzTx/>
+                        <a:buFontTx/>
+                        <a:buNone/>
+                        <a:tabLst/>
+                        <a:defRPr/>
+                      </a:pPr>
+                      <a:r>
+                        <a:rPr lang="en-GB" sz="1400" dirty="0"/>
+                        <a:t>Concurrency in Clients (chat service)</a:t>
+                      </a:r>
+                    </a:p>
+                  </a:txBody>
+                  <a:tcPr anchor="ctr">
+                    <a:solidFill>
+                      <a:schemeClr val="accent2"/>
+                    </a:solidFill>
+                  </a:tcPr>
+                </a:tc>
+                <a:tc>
+                  <a:txBody>
+                    <a:bodyPr/>
+                    <a:lstStyle/>
+                    <a:p>
+                      <a:pPr marL="0" marR="0" lvl="0" indent="0" algn="ctr" defTabSz="914400" rtl="0" eaLnBrk="1" fontAlgn="auto" latinLnBrk="0" hangingPunct="1">
+                        <a:lnSpc>
+                          <a:spcPct val="100000"/>
+                        </a:lnSpc>
+                        <a:spcBef>
+                          <a:spcPts val="0"/>
+                        </a:spcBef>
+                        <a:spcAft>
+                          <a:spcPts val="0"/>
+                        </a:spcAft>
+                        <a:buClrTx/>
+                        <a:buSzTx/>
+                        <a:buFontTx/>
+                        <a:buNone/>
+                        <a:tabLst/>
+                        <a:defRPr/>
+                      </a:pPr>
+                      <a:r>
+                        <a:rPr lang="en-GB" sz="1400" dirty="0"/>
+                        <a:t>Games-As-A-Service</a:t>
+                      </a:r>
+                    </a:p>
+                    <a:p>
+                      <a:pPr marL="0" marR="0" lvl="0" indent="0" algn="ctr" defTabSz="914400" rtl="0" eaLnBrk="1" fontAlgn="auto" latinLnBrk="0" hangingPunct="1">
+                        <a:lnSpc>
+                          <a:spcPct val="100000"/>
+                        </a:lnSpc>
+                        <a:spcBef>
+                          <a:spcPts val="0"/>
+                        </a:spcBef>
+                        <a:spcAft>
+                          <a:spcPts val="0"/>
+                        </a:spcAft>
+                        <a:buClrTx/>
+                        <a:buSzTx/>
+                        <a:buFontTx/>
+                        <a:buNone/>
+                        <a:tabLst/>
+                        <a:defRPr/>
+                      </a:pPr>
+                      <a:r>
+                        <a:rPr lang="en-GB" sz="1400" dirty="0"/>
+                        <a:t>(hosting)</a:t>
+                      </a:r>
+                    </a:p>
+                  </a:txBody>
+                  <a:tcPr anchor="ctr">
+                    <a:solidFill>
+                      <a:schemeClr val="accent2"/>
+                    </a:solidFill>
+                  </a:tcPr>
+                </a:tc>
+                <a:tc>
+                  <a:txBody>
+                    <a:bodyPr/>
+                    <a:lstStyle/>
+                    <a:p>
+                      <a:pPr algn="ctr"/>
+                      <a:endParaRPr lang="en-GB" sz="1400" dirty="0"/>
+                    </a:p>
+                  </a:txBody>
+                  <a:tcPr anchor="ctr">
+                    <a:solidFill>
+                      <a:schemeClr val="accent2"/>
+                    </a:solidFill>
+                  </a:tcPr>
+                </a:tc>
+                <a:extLst>
+                  <a:ext uri="{0D108BD9-81ED-4DB2-BD59-A6C34878D82A}">
+                    <a16:rowId xmlns:a16="http://schemas.microsoft.com/office/drawing/2014/main" val="10001"/>
+                  </a:ext>
+                </a:extLst>
+              </a:tr>
+              <a:tr h="370840">
+                <a:tc>
+                  <a:txBody>
+                    <a:bodyPr/>
+                    <a:lstStyle/>
+                    <a:p>
+                      <a:pPr marL="0" marR="0" indent="0" algn="ctr" defTabSz="914400" rtl="0" eaLnBrk="1" fontAlgn="auto" latinLnBrk="0" hangingPunct="1">
+                        <a:lnSpc>
+                          <a:spcPct val="100000"/>
+                        </a:lnSpc>
+                        <a:spcBef>
+                          <a:spcPts val="0"/>
+                        </a:spcBef>
+                        <a:spcAft>
+                          <a:spcPts val="0"/>
+                        </a:spcAft>
+                        <a:buClrTx/>
+                        <a:buSzTx/>
+                        <a:buFontTx/>
+                        <a:buNone/>
+                        <a:tabLst/>
+                        <a:defRPr/>
+                      </a:pPr>
+                      <a:endParaRPr lang="en-GB" sz="1400" dirty="0"/>
+                    </a:p>
+                  </a:txBody>
+                  <a:tcPr anchor="ctr">
+                    <a:solidFill>
+                      <a:schemeClr val="accent3"/>
+                    </a:solidFill>
+                  </a:tcPr>
+                </a:tc>
+                <a:tc>
+                  <a:txBody>
+                    <a:bodyPr/>
+                    <a:lstStyle/>
+                    <a:p>
+                      <a:pPr marL="0" marR="0" lvl="0" indent="0" algn="ctr" defTabSz="914400" rtl="0" eaLnBrk="1" fontAlgn="auto" latinLnBrk="0" hangingPunct="1">
+                        <a:lnSpc>
+                          <a:spcPct val="100000"/>
+                        </a:lnSpc>
+                        <a:spcBef>
+                          <a:spcPts val="0"/>
+                        </a:spcBef>
+                        <a:spcAft>
+                          <a:spcPts val="0"/>
+                        </a:spcAft>
+                        <a:buClrTx/>
+                        <a:buSzTx/>
+                        <a:buFontTx/>
+                        <a:buNone/>
+                        <a:tabLst/>
+                        <a:defRPr/>
+                      </a:pPr>
+                      <a:r>
+                        <a:rPr kumimoji="0" lang="en-GB" sz="1400" b="0" i="0" u="none" strike="noStrike" kern="1200" cap="none" spc="0" normalizeH="0" baseline="0" noProof="0" dirty="0">
+                          <a:ln>
+                            <a:noFill/>
+                          </a:ln>
+                          <a:solidFill>
+                            <a:prstClr val="black"/>
+                          </a:solidFill>
+                          <a:effectLst/>
+                          <a:uLnTx/>
+                          <a:uFillTx/>
+                          <a:latin typeface="Calibri"/>
+                          <a:ea typeface="+mn-ea"/>
+                          <a:cs typeface="+mn-cs"/>
+                        </a:rPr>
+                        <a:t>Proposal Review</a:t>
+                      </a:r>
+                    </a:p>
+                  </a:txBody>
+                  <a:tcPr anchor="ctr">
+                    <a:solidFill>
+                      <a:schemeClr val="accent3"/>
+                    </a:solidFill>
+                  </a:tcPr>
+                </a:tc>
+                <a:tc>
+                  <a:txBody>
+                    <a:bodyPr/>
+                    <a:lstStyle/>
+                    <a:p>
+                      <a:pPr marL="0" marR="0" lvl="0" indent="0" algn="ctr" defTabSz="914400" rtl="0" eaLnBrk="1" fontAlgn="auto" latinLnBrk="0" hangingPunct="1">
+                        <a:lnSpc>
+                          <a:spcPct val="100000"/>
+                        </a:lnSpc>
+                        <a:spcBef>
+                          <a:spcPts val="0"/>
+                        </a:spcBef>
+                        <a:spcAft>
+                          <a:spcPts val="0"/>
+                        </a:spcAft>
+                        <a:buClrTx/>
+                        <a:buSzTx/>
+                        <a:buFontTx/>
+                        <a:buNone/>
+                        <a:tabLst/>
+                        <a:defRPr/>
+                      </a:pPr>
+                      <a:endParaRPr kumimoji="0" lang="en-GB" sz="1400" b="0" i="0" u="none" strike="noStrike" kern="1200" cap="none" spc="0" normalizeH="0" baseline="0" noProof="0" dirty="0">
+                        <a:ln>
+                          <a:noFill/>
+                        </a:ln>
+                        <a:solidFill>
+                          <a:prstClr val="black"/>
+                        </a:solidFill>
+                        <a:effectLst/>
+                        <a:uLnTx/>
+                        <a:uFillTx/>
+                        <a:latin typeface="+mn-lt"/>
+                        <a:ea typeface="+mn-ea"/>
+                        <a:cs typeface="+mn-cs"/>
+                      </a:endParaRPr>
+                    </a:p>
+                  </a:txBody>
+                  <a:tcPr anchor="ctr">
+                    <a:solidFill>
+                      <a:schemeClr val="accent3"/>
+                    </a:solidFill>
+                  </a:tcPr>
+                </a:tc>
+                <a:tc>
+                  <a:txBody>
+                    <a:bodyPr/>
+                    <a:lstStyle/>
+                    <a:p>
+                      <a:pPr marL="0" marR="0" lvl="0" indent="0" algn="ctr" defTabSz="914400" rtl="0" eaLnBrk="1" fontAlgn="auto" latinLnBrk="0" hangingPunct="1">
+                        <a:lnSpc>
+                          <a:spcPct val="100000"/>
+                        </a:lnSpc>
+                        <a:spcBef>
+                          <a:spcPts val="0"/>
+                        </a:spcBef>
+                        <a:spcAft>
+                          <a:spcPts val="0"/>
+                        </a:spcAft>
+                        <a:buClrTx/>
+                        <a:buSzTx/>
+                        <a:buFontTx/>
+                        <a:buNone/>
+                        <a:tabLst/>
+                        <a:defRPr/>
+                      </a:pPr>
+                      <a:r>
+                        <a:rPr kumimoji="0" lang="en-GB" sz="1400" b="0" i="0" u="none" strike="noStrike" kern="1200" cap="none" spc="0" normalizeH="0" baseline="0" noProof="0" dirty="0">
+                          <a:ln>
+                            <a:noFill/>
+                          </a:ln>
+                          <a:solidFill>
+                            <a:prstClr val="black"/>
+                          </a:solidFill>
+                          <a:effectLst/>
+                          <a:uLnTx/>
+                          <a:uFillTx/>
+                          <a:latin typeface="+mn-lt"/>
+                          <a:ea typeface="+mn-ea"/>
+                          <a:cs typeface="+mn-cs"/>
+                        </a:rPr>
+                        <a:t>Tutorial</a:t>
+                      </a:r>
+                    </a:p>
+                  </a:txBody>
+                  <a:tcPr anchor="ctr">
+                    <a:solidFill>
+                      <a:schemeClr val="accent3"/>
+                    </a:solidFill>
+                  </a:tcPr>
+                </a:tc>
+                <a:tc>
+                  <a:txBody>
+                    <a:bodyPr/>
+                    <a:lstStyle/>
+                    <a:p>
+                      <a:pPr marL="0" marR="0" lvl="0" indent="0" algn="ctr" defTabSz="914400" rtl="0" eaLnBrk="1" fontAlgn="auto" latinLnBrk="0" hangingPunct="1">
+                        <a:lnSpc>
+                          <a:spcPct val="100000"/>
+                        </a:lnSpc>
+                        <a:spcBef>
+                          <a:spcPts val="0"/>
+                        </a:spcBef>
+                        <a:spcAft>
+                          <a:spcPts val="0"/>
+                        </a:spcAft>
+                        <a:buClrTx/>
+                        <a:buSzTx/>
+                        <a:buFontTx/>
+                        <a:buNone/>
+                        <a:tabLst/>
+                        <a:defRPr/>
+                      </a:pPr>
+                      <a:endParaRPr kumimoji="0" lang="en-GB" sz="1400" b="0" i="0" u="none" strike="noStrike" kern="1200" cap="none" spc="0" normalizeH="0" baseline="0" noProof="0" dirty="0">
+                        <a:ln>
+                          <a:noFill/>
+                        </a:ln>
+                        <a:solidFill>
+                          <a:prstClr val="black"/>
+                        </a:solidFill>
+                        <a:effectLst/>
+                        <a:uLnTx/>
+                        <a:uFillTx/>
+                        <a:latin typeface="+mn-lt"/>
+                        <a:ea typeface="+mn-ea"/>
+                        <a:cs typeface="+mn-cs"/>
+                      </a:endParaRPr>
+                    </a:p>
+                  </a:txBody>
+                  <a:tcPr anchor="ctr">
+                    <a:solidFill>
+                      <a:schemeClr val="accent3"/>
+                    </a:solidFill>
+                  </a:tcPr>
+                </a:tc>
+                <a:tc>
+                  <a:txBody>
+                    <a:bodyPr/>
+                    <a:lstStyle/>
+                    <a:p>
+                      <a:pPr marL="0" marR="0" lvl="0" indent="0" algn="ctr" defTabSz="914400" rtl="0" eaLnBrk="1" fontAlgn="auto" latinLnBrk="0" hangingPunct="1">
+                        <a:lnSpc>
+                          <a:spcPct val="100000"/>
+                        </a:lnSpc>
+                        <a:spcBef>
+                          <a:spcPts val="0"/>
+                        </a:spcBef>
+                        <a:spcAft>
+                          <a:spcPts val="0"/>
+                        </a:spcAft>
+                        <a:buClrTx/>
+                        <a:buSzTx/>
+                        <a:buFontTx/>
+                        <a:buNone/>
+                        <a:tabLst/>
+                        <a:defRPr/>
+                      </a:pPr>
+                      <a:r>
+                        <a:rPr kumimoji="0" lang="en-GB" sz="1400" b="0" i="0" u="none" strike="noStrike" kern="1200" cap="none" spc="0" normalizeH="0" baseline="0" noProof="0" dirty="0">
+                          <a:ln>
+                            <a:noFill/>
+                          </a:ln>
+                          <a:solidFill>
+                            <a:prstClr val="black"/>
+                          </a:solidFill>
+                          <a:effectLst/>
+                          <a:uLnTx/>
+                          <a:uFillTx/>
+                          <a:latin typeface="+mn-lt"/>
+                          <a:ea typeface="+mn-ea"/>
+                          <a:cs typeface="+mn-cs"/>
+                        </a:rPr>
+                        <a:t>Tutorial</a:t>
+                      </a:r>
+                    </a:p>
+                  </a:txBody>
+                  <a:tcPr anchor="ctr">
+                    <a:solidFill>
+                      <a:schemeClr val="accent3"/>
+                    </a:solidFill>
+                  </a:tcPr>
+                </a:tc>
+                <a:extLst>
+                  <a:ext uri="{0D108BD9-81ED-4DB2-BD59-A6C34878D82A}">
+                    <a16:rowId xmlns:a16="http://schemas.microsoft.com/office/drawing/2014/main" val="871745063"/>
+                  </a:ext>
+                </a:extLst>
+              </a:tr>
+              <a:tr h="370840">
+                <a:tc>
+                  <a:txBody>
+                    <a:bodyPr/>
+                    <a:lstStyle/>
+                    <a:p>
+                      <a:pPr marL="0" marR="0" indent="0" algn="ctr" defTabSz="914400" rtl="0" eaLnBrk="1" fontAlgn="auto" latinLnBrk="0" hangingPunct="1">
+                        <a:lnSpc>
+                          <a:spcPct val="100000"/>
+                        </a:lnSpc>
+                        <a:spcBef>
+                          <a:spcPts val="0"/>
+                        </a:spcBef>
+                        <a:spcAft>
+                          <a:spcPts val="0"/>
+                        </a:spcAft>
+                        <a:buClrTx/>
+                        <a:buSzTx/>
+                        <a:buFontTx/>
+                        <a:buNone/>
+                        <a:tabLst/>
+                        <a:defRPr/>
+                      </a:pPr>
+                      <a:endParaRPr lang="en-GB" sz="1400" dirty="0"/>
+                    </a:p>
+                  </a:txBody>
+                  <a:tcPr anchor="ctr">
+                    <a:solidFill>
+                      <a:schemeClr val="accent4">
+                        <a:lumMod val="20000"/>
+                        <a:lumOff val="80000"/>
+                      </a:schemeClr>
+                    </a:solidFill>
+                  </a:tcPr>
+                </a:tc>
+                <a:tc>
+                  <a:txBody>
+                    <a:bodyPr/>
+                    <a:lstStyle/>
+                    <a:p>
+                      <a:pPr marL="0" marR="0" lvl="0" indent="0" algn="ctr" defTabSz="914400" rtl="0" eaLnBrk="1" fontAlgn="auto" latinLnBrk="0" hangingPunct="1">
+                        <a:lnSpc>
+                          <a:spcPct val="100000"/>
+                        </a:lnSpc>
+                        <a:spcBef>
+                          <a:spcPts val="0"/>
+                        </a:spcBef>
+                        <a:spcAft>
+                          <a:spcPts val="0"/>
+                        </a:spcAft>
+                        <a:buClrTx/>
+                        <a:buSzTx/>
+                        <a:buFontTx/>
+                        <a:buNone/>
+                        <a:tabLst/>
+                        <a:defRPr/>
+                      </a:pPr>
+                      <a:r>
+                        <a:rPr kumimoji="0" lang="en-GB" sz="1400" b="0" i="0" u="none" strike="noStrike" kern="1200" cap="none" spc="0" normalizeH="0" baseline="0" noProof="0" dirty="0">
+                          <a:ln>
+                            <a:noFill/>
+                          </a:ln>
+                          <a:solidFill>
+                            <a:prstClr val="black"/>
+                          </a:solidFill>
+                          <a:effectLst/>
+                          <a:uLnTx/>
+                          <a:uFillTx/>
+                          <a:latin typeface="+mn-lt"/>
+                          <a:ea typeface="+mn-ea"/>
+                          <a:cs typeface="+mn-cs"/>
+                        </a:rPr>
+                        <a:t>Portfolio Dev</a:t>
+                      </a:r>
+                    </a:p>
+                  </a:txBody>
+                  <a:tcPr anchor="ctr">
+                    <a:solidFill>
+                      <a:schemeClr val="accent4">
+                        <a:lumMod val="20000"/>
+                        <a:lumOff val="80000"/>
+                      </a:schemeClr>
+                    </a:solidFill>
+                  </a:tcPr>
+                </a:tc>
+                <a:tc>
+                  <a:txBody>
+                    <a:bodyPr/>
+                    <a:lstStyle/>
+                    <a:p>
+                      <a:pPr marL="0" marR="0" lvl="0" indent="0" algn="ctr" defTabSz="914400" rtl="0" eaLnBrk="1" fontAlgn="auto" latinLnBrk="0" hangingPunct="1">
+                        <a:lnSpc>
+                          <a:spcPct val="100000"/>
+                        </a:lnSpc>
+                        <a:spcBef>
+                          <a:spcPts val="0"/>
+                        </a:spcBef>
+                        <a:spcAft>
+                          <a:spcPts val="0"/>
+                        </a:spcAft>
+                        <a:buClrTx/>
+                        <a:buSzTx/>
+                        <a:buFontTx/>
+                        <a:buNone/>
+                        <a:tabLst/>
+                        <a:defRPr/>
+                      </a:pPr>
+                      <a:r>
+                        <a:rPr kumimoji="0" lang="en-GB" sz="1400" b="0" i="0" u="none" strike="noStrike" kern="1200" cap="none" spc="0" normalizeH="0" baseline="0" noProof="0">
+                          <a:ln>
+                            <a:noFill/>
+                          </a:ln>
+                          <a:solidFill>
+                            <a:prstClr val="black"/>
+                          </a:solidFill>
+                          <a:effectLst/>
+                          <a:uLnTx/>
+                          <a:uFillTx/>
+                          <a:latin typeface="Calibri"/>
+                          <a:ea typeface="+mn-ea"/>
+                          <a:cs typeface="+mn-cs"/>
+                        </a:rPr>
+                        <a:t>Portfolio Dev</a:t>
+                      </a:r>
+                      <a:endParaRPr kumimoji="0" lang="en-GB" sz="1400" b="0" i="0" u="none" strike="noStrike" kern="1200" cap="none" spc="0" normalizeH="0" baseline="0" noProof="0" dirty="0">
+                        <a:ln>
+                          <a:noFill/>
+                        </a:ln>
+                        <a:solidFill>
+                          <a:prstClr val="black"/>
+                        </a:solidFill>
+                        <a:effectLst/>
+                        <a:uLnTx/>
+                        <a:uFillTx/>
+                        <a:latin typeface="Calibri"/>
+                        <a:ea typeface="+mn-ea"/>
+                        <a:cs typeface="+mn-cs"/>
+                      </a:endParaRPr>
+                    </a:p>
+                  </a:txBody>
+                  <a:tcPr anchor="ctr">
+                    <a:solidFill>
+                      <a:schemeClr val="accent4">
+                        <a:lumMod val="20000"/>
+                        <a:lumOff val="80000"/>
+                      </a:schemeClr>
+                    </a:solidFill>
+                  </a:tcPr>
+                </a:tc>
+                <a:tc>
+                  <a:txBody>
+                    <a:bodyPr/>
+                    <a:lstStyle/>
+                    <a:p>
+                      <a:pPr marL="0" marR="0" lvl="0" indent="0" algn="ctr" defTabSz="914400" rtl="0" eaLnBrk="1" fontAlgn="auto" latinLnBrk="0" hangingPunct="1">
+                        <a:lnSpc>
+                          <a:spcPct val="100000"/>
+                        </a:lnSpc>
+                        <a:spcBef>
+                          <a:spcPts val="0"/>
+                        </a:spcBef>
+                        <a:spcAft>
+                          <a:spcPts val="0"/>
+                        </a:spcAft>
+                        <a:buClrTx/>
+                        <a:buSzTx/>
+                        <a:buFontTx/>
+                        <a:buNone/>
+                        <a:tabLst/>
+                        <a:defRPr/>
+                      </a:pPr>
+                      <a:r>
+                        <a:rPr kumimoji="0" lang="en-GB" sz="1400" b="0" i="0" u="none" strike="noStrike" kern="1200" cap="none" spc="0" normalizeH="0" baseline="0" noProof="0">
+                          <a:ln>
+                            <a:noFill/>
+                          </a:ln>
+                          <a:solidFill>
+                            <a:prstClr val="black"/>
+                          </a:solidFill>
+                          <a:effectLst/>
+                          <a:uLnTx/>
+                          <a:uFillTx/>
+                          <a:latin typeface="Calibri"/>
+                          <a:ea typeface="+mn-ea"/>
+                          <a:cs typeface="+mn-cs"/>
+                        </a:rPr>
+                        <a:t>Portfolio Dev</a:t>
+                      </a:r>
+                      <a:endParaRPr kumimoji="0" lang="en-GB" sz="1400" b="0" i="0" u="none" strike="noStrike" kern="1200" cap="none" spc="0" normalizeH="0" baseline="0" noProof="0" dirty="0">
+                        <a:ln>
+                          <a:noFill/>
+                        </a:ln>
+                        <a:solidFill>
+                          <a:prstClr val="black"/>
+                        </a:solidFill>
+                        <a:effectLst/>
+                        <a:uLnTx/>
+                        <a:uFillTx/>
+                        <a:latin typeface="Calibri"/>
+                        <a:ea typeface="+mn-ea"/>
+                        <a:cs typeface="+mn-cs"/>
+                      </a:endParaRPr>
+                    </a:p>
+                  </a:txBody>
+                  <a:tcPr anchor="ctr">
+                    <a:solidFill>
+                      <a:schemeClr val="accent4">
+                        <a:lumMod val="20000"/>
+                        <a:lumOff val="80000"/>
+                      </a:schemeClr>
+                    </a:solidFill>
+                  </a:tcPr>
+                </a:tc>
+                <a:tc>
+                  <a:txBody>
+                    <a:bodyPr/>
+                    <a:lstStyle/>
+                    <a:p>
+                      <a:pPr marL="0" marR="0" lvl="0" indent="0" algn="ctr" defTabSz="914400" rtl="0" eaLnBrk="1" fontAlgn="auto" latinLnBrk="0" hangingPunct="1">
+                        <a:lnSpc>
+                          <a:spcPct val="100000"/>
+                        </a:lnSpc>
+                        <a:spcBef>
+                          <a:spcPts val="0"/>
+                        </a:spcBef>
+                        <a:spcAft>
+                          <a:spcPts val="0"/>
+                        </a:spcAft>
+                        <a:buClrTx/>
+                        <a:buSzTx/>
+                        <a:buFontTx/>
+                        <a:buNone/>
+                        <a:tabLst/>
+                        <a:defRPr/>
+                      </a:pPr>
+                      <a:r>
+                        <a:rPr kumimoji="0" lang="en-GB" sz="1400" b="0" i="0" u="none" strike="noStrike" kern="1200" cap="none" spc="0" normalizeH="0" baseline="0" noProof="0" dirty="0">
+                          <a:ln>
+                            <a:noFill/>
+                          </a:ln>
+                          <a:solidFill>
+                            <a:prstClr val="black"/>
+                          </a:solidFill>
+                          <a:effectLst/>
+                          <a:uLnTx/>
+                          <a:uFillTx/>
+                          <a:latin typeface="Calibri"/>
+                          <a:ea typeface="+mn-ea"/>
+                          <a:cs typeface="+mn-cs"/>
+                        </a:rPr>
+                        <a:t>Portfolio Dev</a:t>
+                      </a:r>
+                    </a:p>
+                  </a:txBody>
+                  <a:tcPr anchor="ctr">
+                    <a:solidFill>
+                      <a:schemeClr val="accent4">
+                        <a:lumMod val="20000"/>
+                        <a:lumOff val="80000"/>
+                      </a:schemeClr>
+                    </a:solidFill>
+                  </a:tcPr>
+                </a:tc>
+                <a:tc>
+                  <a:txBody>
+                    <a:bodyPr/>
+                    <a:lstStyle/>
+                    <a:p>
+                      <a:pPr marL="0" marR="0" indent="0" algn="ctr" defTabSz="914400" rtl="0" eaLnBrk="1" fontAlgn="auto" latinLnBrk="0" hangingPunct="1">
+                        <a:lnSpc>
+                          <a:spcPct val="100000"/>
+                        </a:lnSpc>
+                        <a:spcBef>
+                          <a:spcPts val="0"/>
+                        </a:spcBef>
+                        <a:spcAft>
+                          <a:spcPts val="0"/>
+                        </a:spcAft>
+                        <a:buClrTx/>
+                        <a:buSzTx/>
+                        <a:buFontTx/>
+                        <a:buNone/>
+                        <a:tabLst/>
+                        <a:defRPr/>
+                      </a:pPr>
+                      <a:endParaRPr lang="en-GB" sz="1400" dirty="0"/>
+                    </a:p>
+                  </a:txBody>
+                  <a:tcPr anchor="ctr">
+                    <a:solidFill>
+                      <a:schemeClr val="accent4">
+                        <a:lumMod val="20000"/>
+                        <a:lumOff val="80000"/>
+                      </a:schemeClr>
+                    </a:solidFill>
+                  </a:tcPr>
+                </a:tc>
+                <a:extLst>
+                  <a:ext uri="{0D108BD9-81ED-4DB2-BD59-A6C34878D82A}">
+                    <a16:rowId xmlns:a16="http://schemas.microsoft.com/office/drawing/2014/main" val="1023947442"/>
+                  </a:ext>
+                </a:extLst>
+              </a:tr>
+            </a:tbl>
+          </a:graphicData>
+        </a:graphic>
+      </p:graphicFrame>
+      <p:graphicFrame>
+        <p:nvGraphicFramePr>
+          <p:cNvPr id="10" name="Content Placeholder 3"/>
+          <p:cNvGraphicFramePr>
+            <a:graphicFrameLocks/>
+          </p:cNvGraphicFramePr>
+          <p:nvPr>
+            <p:extLst>
+              <p:ext uri="{D42A27DB-BD31-4B8C-83A1-F6EECF244321}">
+                <p14:modId xmlns:p14="http://schemas.microsoft.com/office/powerpoint/2010/main" val="1550441028"/>
+              </p:ext>
+            </p:extLst>
+          </p:nvPr>
+        </p:nvGraphicFramePr>
+        <p:xfrm>
+          <a:off x="467544" y="3861048"/>
+          <a:ext cx="8208912" cy="1844040"/>
+        </p:xfrm>
+        <a:graphic>
+          <a:graphicData uri="http://schemas.openxmlformats.org/drawingml/2006/table">
+            <a:tbl>
+              <a:tblPr firstRow="1" bandRow="1">
+                <a:tableStyleId>{5C22544A-7EE6-4342-B048-85BDC9FD1C3A}</a:tableStyleId>
+              </a:tblPr>
+              <a:tblGrid>
+                <a:gridCol w="1368152">
+                  <a:extLst>
+                    <a:ext uri="{9D8B030D-6E8A-4147-A177-3AD203B41FA5}">
+                      <a16:colId xmlns:a16="http://schemas.microsoft.com/office/drawing/2014/main" val="20000"/>
+                    </a:ext>
+                  </a:extLst>
+                </a:gridCol>
+                <a:gridCol w="1368152">
+                  <a:extLst>
+                    <a:ext uri="{9D8B030D-6E8A-4147-A177-3AD203B41FA5}">
+                      <a16:colId xmlns:a16="http://schemas.microsoft.com/office/drawing/2014/main" val="20001"/>
+                    </a:ext>
+                  </a:extLst>
+                </a:gridCol>
+                <a:gridCol w="1440160">
+                  <a:extLst>
+                    <a:ext uri="{9D8B030D-6E8A-4147-A177-3AD203B41FA5}">
+                      <a16:colId xmlns:a16="http://schemas.microsoft.com/office/drawing/2014/main" val="20002"/>
+                    </a:ext>
+                  </a:extLst>
+                </a:gridCol>
+                <a:gridCol w="1296144">
+                  <a:extLst>
+                    <a:ext uri="{9D8B030D-6E8A-4147-A177-3AD203B41FA5}">
+                      <a16:colId xmlns:a16="http://schemas.microsoft.com/office/drawing/2014/main" val="20003"/>
+                    </a:ext>
+                  </a:extLst>
+                </a:gridCol>
+                <a:gridCol w="1368152">
+                  <a:extLst>
+                    <a:ext uri="{9D8B030D-6E8A-4147-A177-3AD203B41FA5}">
+                      <a16:colId xmlns:a16="http://schemas.microsoft.com/office/drawing/2014/main" val="20004"/>
+                    </a:ext>
+                  </a:extLst>
+                </a:gridCol>
+                <a:gridCol w="1368152">
+                  <a:extLst>
+                    <a:ext uri="{9D8B030D-6E8A-4147-A177-3AD203B41FA5}">
+                      <a16:colId xmlns:a16="http://schemas.microsoft.com/office/drawing/2014/main" val="20005"/>
+                    </a:ext>
+                  </a:extLst>
+                </a:gridCol>
+              </a:tblGrid>
+              <a:tr h="370840">
+                <a:tc>
+                  <a:txBody>
+                    <a:bodyPr/>
+                    <a:lstStyle/>
+                    <a:p>
+                      <a:pPr algn="ctr"/>
+                      <a:r>
+                        <a:rPr lang="en-GB" dirty="0"/>
+                        <a:t>Week 7</a:t>
+                      </a:r>
+                    </a:p>
+                  </a:txBody>
+                  <a:tcPr/>
+                </a:tc>
+                <a:tc>
+                  <a:txBody>
+                    <a:bodyPr/>
+                    <a:lstStyle/>
+                    <a:p>
+                      <a:pPr algn="ctr"/>
+                      <a:r>
+                        <a:rPr lang="en-GB" dirty="0"/>
+                        <a:t>Week</a:t>
+                      </a:r>
+                      <a:r>
+                        <a:rPr lang="en-GB" baseline="0" dirty="0"/>
+                        <a:t> 8</a:t>
+                      </a:r>
+                      <a:endParaRPr lang="en-GB" dirty="0"/>
+                    </a:p>
+                  </a:txBody>
+                  <a:tcPr/>
+                </a:tc>
+                <a:tc>
+                  <a:txBody>
+                    <a:bodyPr/>
+                    <a:lstStyle/>
+                    <a:p>
+                      <a:pPr algn="ctr"/>
+                      <a:r>
+                        <a:rPr lang="en-GB" dirty="0"/>
+                        <a:t>Week 9</a:t>
+                      </a:r>
+                    </a:p>
+                  </a:txBody>
+                  <a:tcPr/>
+                </a:tc>
+                <a:tc>
+                  <a:txBody>
+                    <a:bodyPr/>
+                    <a:lstStyle/>
+                    <a:p>
+                      <a:pPr algn="ctr"/>
+                      <a:r>
+                        <a:rPr lang="en-GB" dirty="0"/>
+                        <a:t>Week 10</a:t>
+                      </a:r>
+                    </a:p>
+                  </a:txBody>
+                  <a:tcPr/>
+                </a:tc>
+                <a:tc>
+                  <a:txBody>
+                    <a:bodyPr/>
+                    <a:lstStyle/>
+                    <a:p>
+                      <a:pPr algn="ctr"/>
+                      <a:r>
+                        <a:rPr lang="en-GB" dirty="0"/>
+                        <a:t>Week 11</a:t>
+                      </a:r>
+                    </a:p>
+                  </a:txBody>
+                  <a:tcPr/>
+                </a:tc>
+                <a:tc>
+                  <a:txBody>
+                    <a:bodyPr/>
+                    <a:lstStyle/>
+                    <a:p>
+                      <a:pPr algn="ctr"/>
+                      <a:r>
+                        <a:rPr lang="en-GB" dirty="0"/>
+                        <a:t>Week 12</a:t>
+                      </a:r>
+                    </a:p>
+                  </a:txBody>
+                  <a:tcPr/>
+                </a:tc>
+                <a:extLst>
+                  <a:ext uri="{0D108BD9-81ED-4DB2-BD59-A6C34878D82A}">
+                    <a16:rowId xmlns:a16="http://schemas.microsoft.com/office/drawing/2014/main" val="10000"/>
+                  </a:ext>
+                </a:extLst>
+              </a:tr>
+              <a:tr h="370840">
+                <a:tc>
+                  <a:txBody>
+                    <a:bodyPr/>
+                    <a:lstStyle/>
+                    <a:p>
+                      <a:pPr marL="0" marR="0" lvl="0" indent="0" algn="ctr" defTabSz="914400" rtl="0" eaLnBrk="1" fontAlgn="auto" latinLnBrk="0" hangingPunct="1">
+                        <a:lnSpc>
+                          <a:spcPct val="100000"/>
+                        </a:lnSpc>
+                        <a:spcBef>
+                          <a:spcPts val="0"/>
+                        </a:spcBef>
+                        <a:spcAft>
+                          <a:spcPts val="0"/>
+                        </a:spcAft>
+                        <a:buClrTx/>
+                        <a:buSzTx/>
+                        <a:buFontTx/>
+                        <a:buNone/>
+                        <a:tabLst/>
+                        <a:defRPr/>
+                      </a:pPr>
+                      <a:r>
+                        <a:rPr lang="en-GB" sz="1400" baseline="0" dirty="0" err="1"/>
+                        <a:t>GaaS</a:t>
+                      </a:r>
+                      <a:r>
+                        <a:rPr lang="en-GB" sz="1400" baseline="0" dirty="0"/>
+                        <a:t>: Users</a:t>
+                      </a:r>
+                    </a:p>
+                  </a:txBody>
+                  <a:tcPr anchor="ctr">
+                    <a:solidFill>
+                      <a:schemeClr val="accent2"/>
+                    </a:solidFill>
+                  </a:tcPr>
+                </a:tc>
+                <a:tc>
+                  <a:txBody>
+                    <a:bodyPr/>
+                    <a:lstStyle/>
+                    <a:p>
+                      <a:pPr marL="0" marR="0" lvl="0" indent="0" algn="ctr" defTabSz="914400" rtl="0" eaLnBrk="1" fontAlgn="auto" latinLnBrk="0" hangingPunct="1">
+                        <a:lnSpc>
+                          <a:spcPct val="100000"/>
+                        </a:lnSpc>
+                        <a:spcBef>
+                          <a:spcPts val="0"/>
+                        </a:spcBef>
+                        <a:spcAft>
+                          <a:spcPts val="0"/>
+                        </a:spcAft>
+                        <a:buClrTx/>
+                        <a:buSzTx/>
+                        <a:buFontTx/>
+                        <a:buNone/>
+                        <a:tabLst/>
+                        <a:defRPr/>
+                      </a:pPr>
+                      <a:r>
+                        <a:rPr lang="en-GB" sz="1400" dirty="0" err="1"/>
+                        <a:t>GaaS</a:t>
+                      </a:r>
+                      <a:r>
+                        <a:rPr lang="en-GB" sz="1400" dirty="0"/>
+                        <a:t>: Instancing services</a:t>
+                      </a:r>
+                    </a:p>
+                  </a:txBody>
+                  <a:tcPr anchor="ctr">
+                    <a:solidFill>
+                      <a:schemeClr val="accent2"/>
+                    </a:solidFill>
+                  </a:tcPr>
+                </a:tc>
+                <a:tc>
+                  <a:txBody>
+                    <a:bodyPr/>
+                    <a:lstStyle/>
+                    <a:p>
+                      <a:pPr marL="0" marR="0" lvl="0" indent="0" algn="ctr" defTabSz="914400" rtl="0" eaLnBrk="1" fontAlgn="auto" latinLnBrk="0" hangingPunct="1">
+                        <a:lnSpc>
+                          <a:spcPct val="100000"/>
+                        </a:lnSpc>
+                        <a:spcBef>
+                          <a:spcPts val="0"/>
+                        </a:spcBef>
+                        <a:spcAft>
+                          <a:spcPts val="0"/>
+                        </a:spcAft>
+                        <a:buClrTx/>
+                        <a:buSzTx/>
+                        <a:buFontTx/>
+                        <a:buNone/>
+                        <a:tabLst/>
+                        <a:defRPr/>
+                      </a:pPr>
+                      <a:r>
+                        <a:rPr lang="en-GB" sz="1400" dirty="0" err="1"/>
+                        <a:t>GaaS</a:t>
+                      </a:r>
+                      <a:r>
+                        <a:rPr lang="en-GB" sz="1400" dirty="0"/>
+                        <a:t>: Security</a:t>
+                      </a:r>
+                    </a:p>
+                  </a:txBody>
+                  <a:tcPr anchor="ctr">
+                    <a:solidFill>
+                      <a:schemeClr val="accent2"/>
+                    </a:solidFill>
+                  </a:tcPr>
+                </a:tc>
+                <a:tc>
+                  <a:txBody>
+                    <a:bodyPr/>
+                    <a:lstStyle/>
+                    <a:p>
+                      <a:pPr marL="0" marR="0" lvl="0" indent="0" algn="ctr" defTabSz="914400" rtl="0" eaLnBrk="1" fontAlgn="auto" latinLnBrk="0" hangingPunct="1">
+                        <a:lnSpc>
+                          <a:spcPct val="100000"/>
+                        </a:lnSpc>
+                        <a:spcBef>
+                          <a:spcPts val="0"/>
+                        </a:spcBef>
+                        <a:spcAft>
+                          <a:spcPts val="0"/>
+                        </a:spcAft>
+                        <a:buClrTx/>
+                        <a:buSzTx/>
+                        <a:buFontTx/>
+                        <a:buNone/>
+                        <a:tabLst/>
+                        <a:defRPr/>
+                      </a:pPr>
+                      <a:r>
+                        <a:rPr lang="en-GB" sz="1400" baseline="0" dirty="0" err="1"/>
+                        <a:t>GaaS</a:t>
+                      </a:r>
+                      <a:r>
+                        <a:rPr lang="en-GB" sz="1400" baseline="0" dirty="0"/>
+                        <a:t>: Analytics and Data Science</a:t>
+                      </a:r>
+                    </a:p>
+                  </a:txBody>
+                  <a:tcPr anchor="ctr">
+                    <a:solidFill>
+                      <a:schemeClr val="accent2"/>
+                    </a:solidFill>
+                  </a:tcPr>
+                </a:tc>
+                <a:tc>
+                  <a:txBody>
+                    <a:bodyPr/>
+                    <a:lstStyle/>
+                    <a:p>
+                      <a:pPr marL="0" marR="0" lvl="0" indent="0" algn="ctr" defTabSz="914400" rtl="0" eaLnBrk="1" fontAlgn="auto" latinLnBrk="0" hangingPunct="1">
+                        <a:lnSpc>
+                          <a:spcPct val="100000"/>
+                        </a:lnSpc>
+                        <a:spcBef>
+                          <a:spcPts val="0"/>
+                        </a:spcBef>
+                        <a:spcAft>
+                          <a:spcPts val="0"/>
+                        </a:spcAft>
+                        <a:buClrTx/>
+                        <a:buSzTx/>
+                        <a:buFontTx/>
+                        <a:buNone/>
+                        <a:tabLst/>
+                        <a:defRPr/>
+                      </a:pPr>
+                      <a:r>
+                        <a:rPr lang="en-GB" sz="1400"/>
+                        <a:t>Unity Networking</a:t>
+                      </a:r>
+                      <a:endParaRPr lang="en-GB" sz="1400" dirty="0"/>
+                    </a:p>
+                  </a:txBody>
+                  <a:tcPr anchor="ctr">
+                    <a:solidFill>
+                      <a:schemeClr val="accent2"/>
+                    </a:solidFill>
+                  </a:tcPr>
+                </a:tc>
+                <a:tc>
+                  <a:txBody>
+                    <a:bodyPr/>
+                    <a:lstStyle/>
+                    <a:p>
+                      <a:pPr marL="0" marR="0" lvl="0" indent="0" algn="ctr" defTabSz="914400" rtl="0" eaLnBrk="1" fontAlgn="auto" latinLnBrk="0" hangingPunct="1">
+                        <a:lnSpc>
+                          <a:spcPct val="100000"/>
+                        </a:lnSpc>
+                        <a:spcBef>
+                          <a:spcPts val="0"/>
+                        </a:spcBef>
+                        <a:spcAft>
+                          <a:spcPts val="0"/>
+                        </a:spcAft>
+                        <a:buClrTx/>
+                        <a:buSzTx/>
+                        <a:buFontTx/>
+                        <a:buNone/>
+                        <a:tabLst/>
+                        <a:defRPr/>
+                      </a:pPr>
+                      <a:r>
+                        <a:rPr lang="en-GB" sz="1400" dirty="0"/>
+                        <a:t>Peer Review</a:t>
+                      </a:r>
+                    </a:p>
+                    <a:p>
+                      <a:pPr marL="0" marR="0" lvl="0" indent="0" algn="ctr" defTabSz="914400" rtl="0" eaLnBrk="1" fontAlgn="auto" latinLnBrk="0" hangingPunct="1">
+                        <a:lnSpc>
+                          <a:spcPct val="100000"/>
+                        </a:lnSpc>
+                        <a:spcBef>
+                          <a:spcPts val="0"/>
+                        </a:spcBef>
+                        <a:spcAft>
+                          <a:spcPts val="0"/>
+                        </a:spcAft>
+                        <a:buClrTx/>
+                        <a:buSzTx/>
+                        <a:buFontTx/>
+                        <a:buNone/>
+                        <a:tabLst/>
+                        <a:defRPr/>
+                      </a:pPr>
+                      <a:r>
+                        <a:rPr lang="en-GB" sz="1400" dirty="0"/>
+                        <a:t>Prep</a:t>
+                      </a:r>
+                    </a:p>
+                  </a:txBody>
+                  <a:tcPr anchor="ctr">
+                    <a:solidFill>
+                      <a:schemeClr val="accent2"/>
+                    </a:solidFill>
+                  </a:tcPr>
+                </a:tc>
+                <a:extLst>
+                  <a:ext uri="{0D108BD9-81ED-4DB2-BD59-A6C34878D82A}">
+                    <a16:rowId xmlns:a16="http://schemas.microsoft.com/office/drawing/2014/main" val="10001"/>
+                  </a:ext>
+                </a:extLst>
+              </a:tr>
+              <a:tr h="370840">
+                <a:tc>
+                  <a:txBody>
+                    <a:bodyPr/>
+                    <a:lstStyle/>
+                    <a:p>
+                      <a:pPr marL="0" marR="0" lvl="0" indent="0" algn="ctr" defTabSz="914400" rtl="0" eaLnBrk="1" fontAlgn="auto" latinLnBrk="0" hangingPunct="1">
+                        <a:lnSpc>
+                          <a:spcPct val="100000"/>
+                        </a:lnSpc>
+                        <a:spcBef>
+                          <a:spcPts val="0"/>
+                        </a:spcBef>
+                        <a:spcAft>
+                          <a:spcPts val="0"/>
+                        </a:spcAft>
+                        <a:buClrTx/>
+                        <a:buSzTx/>
+                        <a:buFontTx/>
+                        <a:buNone/>
+                        <a:tabLst/>
+                        <a:defRPr/>
+                      </a:pPr>
+                      <a:endParaRPr kumimoji="0" lang="en-GB" sz="1400" b="0" i="0" u="none" strike="noStrike" kern="1200" cap="none" spc="0" normalizeH="0" baseline="0" noProof="0" dirty="0">
+                        <a:ln>
+                          <a:noFill/>
+                        </a:ln>
+                        <a:solidFill>
+                          <a:prstClr val="black"/>
+                        </a:solidFill>
+                        <a:effectLst/>
+                        <a:uLnTx/>
+                        <a:uFillTx/>
+                        <a:latin typeface="Calibri"/>
+                        <a:ea typeface="+mn-ea"/>
+                        <a:cs typeface="+mn-cs"/>
+                      </a:endParaRPr>
+                    </a:p>
+                  </a:txBody>
+                  <a:tcPr anchor="ctr">
+                    <a:solidFill>
+                      <a:schemeClr val="accent3"/>
+                    </a:solidFill>
+                  </a:tcPr>
+                </a:tc>
+                <a:tc>
+                  <a:txBody>
+                    <a:bodyPr/>
+                    <a:lstStyle/>
+                    <a:p>
+                      <a:pPr marL="0" marR="0" lvl="0" indent="0" algn="ctr" defTabSz="914400" rtl="0" eaLnBrk="1" fontAlgn="auto" latinLnBrk="0" hangingPunct="1">
+                        <a:lnSpc>
+                          <a:spcPct val="100000"/>
+                        </a:lnSpc>
+                        <a:spcBef>
+                          <a:spcPts val="0"/>
+                        </a:spcBef>
+                        <a:spcAft>
+                          <a:spcPts val="0"/>
+                        </a:spcAft>
+                        <a:buClrTx/>
+                        <a:buSzTx/>
+                        <a:buFontTx/>
+                        <a:buNone/>
+                        <a:tabLst/>
+                        <a:defRPr/>
+                      </a:pPr>
+                      <a:r>
+                        <a:rPr kumimoji="0" lang="en-GB" sz="1400" b="0" i="0" u="none" strike="noStrike" kern="1200" cap="none" spc="0" normalizeH="0" baseline="0" noProof="0" dirty="0">
+                          <a:ln>
+                            <a:noFill/>
+                          </a:ln>
+                          <a:solidFill>
+                            <a:prstClr val="black"/>
+                          </a:solidFill>
+                          <a:effectLst/>
+                          <a:uLnTx/>
+                          <a:uFillTx/>
+                          <a:latin typeface="+mn-lt"/>
+                          <a:ea typeface="+mn-ea"/>
+                          <a:cs typeface="+mn-cs"/>
+                        </a:rPr>
+                        <a:t>Tutorial</a:t>
+                      </a:r>
+                      <a:endParaRPr kumimoji="0" lang="en-GB" sz="1400" b="0" i="0" u="none" strike="noStrike" kern="1200" cap="none" spc="0" normalizeH="0" baseline="0" noProof="0" dirty="0">
+                        <a:ln>
+                          <a:noFill/>
+                        </a:ln>
+                        <a:solidFill>
+                          <a:prstClr val="black"/>
+                        </a:solidFill>
+                        <a:effectLst/>
+                        <a:uLnTx/>
+                        <a:uFillTx/>
+                        <a:latin typeface="Calibri"/>
+                        <a:ea typeface="+mn-ea"/>
+                        <a:cs typeface="+mn-cs"/>
+                      </a:endParaRPr>
+                    </a:p>
+                  </a:txBody>
+                  <a:tcPr anchor="ctr">
+                    <a:solidFill>
+                      <a:schemeClr val="accent3"/>
+                    </a:solidFill>
+                  </a:tcPr>
+                </a:tc>
+                <a:tc>
+                  <a:txBody>
+                    <a:bodyPr/>
+                    <a:lstStyle/>
+                    <a:p>
+                      <a:pPr marL="0" marR="0" lvl="0" indent="0" algn="ctr" defTabSz="914400" rtl="0" eaLnBrk="1" fontAlgn="auto" latinLnBrk="0" hangingPunct="1">
+                        <a:lnSpc>
+                          <a:spcPct val="100000"/>
+                        </a:lnSpc>
+                        <a:spcBef>
+                          <a:spcPts val="0"/>
+                        </a:spcBef>
+                        <a:spcAft>
+                          <a:spcPts val="0"/>
+                        </a:spcAft>
+                        <a:buClrTx/>
+                        <a:buSzTx/>
+                        <a:buFontTx/>
+                        <a:buNone/>
+                        <a:tabLst/>
+                        <a:defRPr/>
+                      </a:pPr>
+                      <a:endParaRPr kumimoji="0" lang="en-GB" sz="1400" b="0" i="0" u="none" strike="noStrike" kern="1200" cap="none" spc="0" normalizeH="0" baseline="0" noProof="0" dirty="0">
+                        <a:ln>
+                          <a:noFill/>
+                        </a:ln>
+                        <a:solidFill>
+                          <a:prstClr val="black"/>
+                        </a:solidFill>
+                        <a:effectLst/>
+                        <a:uLnTx/>
+                        <a:uFillTx/>
+                        <a:latin typeface="Calibri"/>
+                        <a:ea typeface="+mn-ea"/>
+                        <a:cs typeface="+mn-cs"/>
+                      </a:endParaRPr>
+                    </a:p>
+                  </a:txBody>
+                  <a:tcPr anchor="ctr">
+                    <a:solidFill>
+                      <a:schemeClr val="accent3"/>
+                    </a:solidFill>
+                  </a:tcPr>
+                </a:tc>
+                <a:tc>
+                  <a:txBody>
+                    <a:bodyPr/>
+                    <a:lstStyle/>
+                    <a:p>
+                      <a:pPr marL="0" marR="0" lvl="0" indent="0" algn="ctr" defTabSz="914400" rtl="0" eaLnBrk="1" fontAlgn="auto" latinLnBrk="0" hangingPunct="1">
+                        <a:lnSpc>
+                          <a:spcPct val="100000"/>
+                        </a:lnSpc>
+                        <a:spcBef>
+                          <a:spcPts val="0"/>
+                        </a:spcBef>
+                        <a:spcAft>
+                          <a:spcPts val="0"/>
+                        </a:spcAft>
+                        <a:buClrTx/>
+                        <a:buSzTx/>
+                        <a:buFontTx/>
+                        <a:buNone/>
+                        <a:tabLst/>
+                        <a:defRPr/>
+                      </a:pPr>
+                      <a:r>
+                        <a:rPr kumimoji="0" lang="en-GB" sz="1400" b="0" i="0" u="none" strike="noStrike" kern="1200" cap="none" spc="0" normalizeH="0" baseline="0" noProof="0" dirty="0">
+                          <a:ln>
+                            <a:noFill/>
+                          </a:ln>
+                          <a:solidFill>
+                            <a:prstClr val="black"/>
+                          </a:solidFill>
+                          <a:effectLst/>
+                          <a:uLnTx/>
+                          <a:uFillTx/>
+                          <a:latin typeface="+mn-lt"/>
+                          <a:ea typeface="+mn-ea"/>
+                          <a:cs typeface="+mn-cs"/>
+                        </a:rPr>
+                        <a:t>Tutorial</a:t>
+                      </a:r>
+                      <a:endParaRPr kumimoji="0" lang="en-GB" sz="1400" b="0" i="0" u="none" strike="noStrike" kern="1200" cap="none" spc="0" normalizeH="0" baseline="0" noProof="0" dirty="0">
+                        <a:ln>
+                          <a:noFill/>
+                        </a:ln>
+                        <a:solidFill>
+                          <a:prstClr val="black"/>
+                        </a:solidFill>
+                        <a:effectLst/>
+                        <a:uLnTx/>
+                        <a:uFillTx/>
+                        <a:latin typeface="Calibri"/>
+                        <a:ea typeface="+mn-ea"/>
+                        <a:cs typeface="+mn-cs"/>
+                      </a:endParaRPr>
+                    </a:p>
+                  </a:txBody>
+                  <a:tcPr anchor="ctr">
+                    <a:solidFill>
+                      <a:schemeClr val="accent3"/>
+                    </a:solidFill>
+                  </a:tcPr>
+                </a:tc>
+                <a:tc>
+                  <a:txBody>
+                    <a:bodyPr/>
+                    <a:lstStyle/>
+                    <a:p>
+                      <a:pPr marL="0" marR="0" lvl="0" indent="0" algn="ctr" defTabSz="914400" rtl="0" eaLnBrk="1" fontAlgn="auto" latinLnBrk="0" hangingPunct="1">
+                        <a:lnSpc>
+                          <a:spcPct val="100000"/>
+                        </a:lnSpc>
+                        <a:spcBef>
+                          <a:spcPts val="0"/>
+                        </a:spcBef>
+                        <a:spcAft>
+                          <a:spcPts val="0"/>
+                        </a:spcAft>
+                        <a:buClrTx/>
+                        <a:buSzTx/>
+                        <a:buFontTx/>
+                        <a:buNone/>
+                        <a:tabLst/>
+                        <a:defRPr/>
+                      </a:pPr>
+                      <a:r>
+                        <a:rPr kumimoji="0" lang="en-GB" sz="1400" b="0" i="0" u="none" strike="noStrike" kern="1200" cap="none" spc="0" normalizeH="0" baseline="0" noProof="0" dirty="0">
+                          <a:ln>
+                            <a:noFill/>
+                          </a:ln>
+                          <a:solidFill>
+                            <a:prstClr val="black"/>
+                          </a:solidFill>
+                          <a:effectLst/>
+                          <a:uLnTx/>
+                          <a:uFillTx/>
+                          <a:latin typeface="+mn-lt"/>
+                          <a:ea typeface="+mn-ea"/>
+                          <a:cs typeface="+mn-cs"/>
+                        </a:rPr>
+                        <a:t>Tutorial</a:t>
+                      </a:r>
+                      <a:endParaRPr kumimoji="0" lang="en-GB" sz="1400" b="0" i="0" u="none" strike="noStrike" kern="1200" cap="none" spc="0" normalizeH="0" baseline="0" noProof="0" dirty="0">
+                        <a:ln>
+                          <a:noFill/>
+                        </a:ln>
+                        <a:solidFill>
+                          <a:prstClr val="black"/>
+                        </a:solidFill>
+                        <a:effectLst/>
+                        <a:uLnTx/>
+                        <a:uFillTx/>
+                        <a:latin typeface="Calibri"/>
+                        <a:ea typeface="+mn-ea"/>
+                        <a:cs typeface="+mn-cs"/>
+                      </a:endParaRPr>
+                    </a:p>
+                  </a:txBody>
+                  <a:tcPr anchor="ctr">
+                    <a:solidFill>
+                      <a:schemeClr val="accent3"/>
+                    </a:solidFill>
+                  </a:tcPr>
+                </a:tc>
+                <a:tc>
+                  <a:txBody>
+                    <a:bodyPr/>
+                    <a:lstStyle/>
+                    <a:p>
+                      <a:pPr marL="0" marR="0" lvl="0" indent="0" algn="ctr" defTabSz="914400" rtl="0" eaLnBrk="1" fontAlgn="auto" latinLnBrk="0" hangingPunct="1">
+                        <a:lnSpc>
+                          <a:spcPct val="100000"/>
+                        </a:lnSpc>
+                        <a:spcBef>
+                          <a:spcPts val="0"/>
+                        </a:spcBef>
+                        <a:spcAft>
+                          <a:spcPts val="0"/>
+                        </a:spcAft>
+                        <a:buClrTx/>
+                        <a:buSzTx/>
+                        <a:buFontTx/>
+                        <a:buNone/>
+                        <a:tabLst/>
+                        <a:defRPr/>
+                      </a:pPr>
+                      <a:r>
+                        <a:rPr kumimoji="0" lang="en-GB" sz="1400" b="0" i="0" u="none" strike="noStrike" kern="1200" cap="none" spc="0" normalizeH="0" baseline="0" noProof="0" dirty="0">
+                          <a:ln>
+                            <a:noFill/>
+                          </a:ln>
+                          <a:solidFill>
+                            <a:prstClr val="black"/>
+                          </a:solidFill>
+                          <a:effectLst/>
+                          <a:uLnTx/>
+                          <a:uFillTx/>
+                          <a:latin typeface="Calibri"/>
+                          <a:ea typeface="+mn-ea"/>
+                          <a:cs typeface="+mn-cs"/>
+                        </a:rPr>
+                        <a:t>Peer Review</a:t>
+                      </a:r>
+                    </a:p>
+                  </a:txBody>
+                  <a:tcPr anchor="ctr">
+                    <a:solidFill>
+                      <a:schemeClr val="accent3"/>
+                    </a:solidFill>
+                  </a:tcPr>
+                </a:tc>
+                <a:extLst>
+                  <a:ext uri="{0D108BD9-81ED-4DB2-BD59-A6C34878D82A}">
+                    <a16:rowId xmlns:a16="http://schemas.microsoft.com/office/drawing/2014/main" val="3897389130"/>
+                  </a:ext>
+                </a:extLst>
+              </a:tr>
+              <a:tr h="370840">
+                <a:tc>
+                  <a:txBody>
+                    <a:bodyPr/>
+                    <a:lstStyle/>
+                    <a:p>
+                      <a:pPr marL="0" marR="0" lvl="0" indent="0" algn="ctr" defTabSz="914400" rtl="0" eaLnBrk="1" fontAlgn="auto" latinLnBrk="0" hangingPunct="1">
+                        <a:lnSpc>
+                          <a:spcPct val="100000"/>
+                        </a:lnSpc>
+                        <a:spcBef>
+                          <a:spcPts val="0"/>
+                        </a:spcBef>
+                        <a:spcAft>
+                          <a:spcPts val="0"/>
+                        </a:spcAft>
+                        <a:buClrTx/>
+                        <a:buSzTx/>
+                        <a:buFontTx/>
+                        <a:buNone/>
+                        <a:tabLst/>
+                        <a:defRPr/>
+                      </a:pPr>
+                      <a:r>
+                        <a:rPr kumimoji="0" lang="en-GB" sz="1400" b="0" i="0" u="none" strike="noStrike" kern="1200" cap="none" spc="0" normalizeH="0" baseline="0" noProof="0">
+                          <a:ln>
+                            <a:noFill/>
+                          </a:ln>
+                          <a:solidFill>
+                            <a:prstClr val="black"/>
+                          </a:solidFill>
+                          <a:effectLst/>
+                          <a:uLnTx/>
+                          <a:uFillTx/>
+                          <a:latin typeface="Calibri"/>
+                          <a:ea typeface="+mn-ea"/>
+                          <a:cs typeface="+mn-cs"/>
+                        </a:rPr>
+                        <a:t>Portfolio Dev</a:t>
+                      </a:r>
+                      <a:endParaRPr kumimoji="0" lang="en-GB" sz="1400" b="0" i="0" u="none" strike="noStrike" kern="1200" cap="none" spc="0" normalizeH="0" baseline="0" noProof="0" dirty="0">
+                        <a:ln>
+                          <a:noFill/>
+                        </a:ln>
+                        <a:solidFill>
+                          <a:prstClr val="black"/>
+                        </a:solidFill>
+                        <a:effectLst/>
+                        <a:uLnTx/>
+                        <a:uFillTx/>
+                        <a:latin typeface="Calibri"/>
+                        <a:ea typeface="+mn-ea"/>
+                        <a:cs typeface="+mn-cs"/>
+                      </a:endParaRPr>
+                    </a:p>
+                  </a:txBody>
+                  <a:tcPr anchor="ctr">
+                    <a:solidFill>
+                      <a:schemeClr val="accent4">
+                        <a:lumMod val="20000"/>
+                        <a:lumOff val="80000"/>
+                      </a:schemeClr>
+                    </a:solidFill>
+                  </a:tcPr>
+                </a:tc>
+                <a:tc>
+                  <a:txBody>
+                    <a:bodyPr/>
+                    <a:lstStyle/>
+                    <a:p>
+                      <a:pPr marL="0" marR="0" lvl="0" indent="0" algn="ctr" defTabSz="914400" rtl="0" eaLnBrk="1" fontAlgn="auto" latinLnBrk="0" hangingPunct="1">
+                        <a:lnSpc>
+                          <a:spcPct val="100000"/>
+                        </a:lnSpc>
+                        <a:spcBef>
+                          <a:spcPts val="0"/>
+                        </a:spcBef>
+                        <a:spcAft>
+                          <a:spcPts val="0"/>
+                        </a:spcAft>
+                        <a:buClrTx/>
+                        <a:buSzTx/>
+                        <a:buFontTx/>
+                        <a:buNone/>
+                        <a:tabLst/>
+                        <a:defRPr/>
+                      </a:pPr>
+                      <a:r>
+                        <a:rPr kumimoji="0" lang="en-GB" sz="1400" b="0" i="0" u="none" strike="noStrike" kern="1200" cap="none" spc="0" normalizeH="0" baseline="0" noProof="0">
+                          <a:ln>
+                            <a:noFill/>
+                          </a:ln>
+                          <a:solidFill>
+                            <a:prstClr val="black"/>
+                          </a:solidFill>
+                          <a:effectLst/>
+                          <a:uLnTx/>
+                          <a:uFillTx/>
+                          <a:latin typeface="Calibri"/>
+                          <a:ea typeface="+mn-ea"/>
+                          <a:cs typeface="+mn-cs"/>
+                        </a:rPr>
+                        <a:t>Portfolio Dev</a:t>
+                      </a:r>
+                      <a:endParaRPr kumimoji="0" lang="en-GB" sz="1400" b="0" i="0" u="none" strike="noStrike" kern="1200" cap="none" spc="0" normalizeH="0" baseline="0" noProof="0" dirty="0">
+                        <a:ln>
+                          <a:noFill/>
+                        </a:ln>
+                        <a:solidFill>
+                          <a:prstClr val="black"/>
+                        </a:solidFill>
+                        <a:effectLst/>
+                        <a:uLnTx/>
+                        <a:uFillTx/>
+                        <a:latin typeface="Calibri"/>
+                        <a:ea typeface="+mn-ea"/>
+                        <a:cs typeface="+mn-cs"/>
+                      </a:endParaRPr>
+                    </a:p>
+                  </a:txBody>
+                  <a:tcPr anchor="ctr">
+                    <a:solidFill>
+                      <a:schemeClr val="accent4">
+                        <a:lumMod val="20000"/>
+                        <a:lumOff val="80000"/>
+                      </a:schemeClr>
+                    </a:solidFill>
+                  </a:tcPr>
+                </a:tc>
+                <a:tc>
+                  <a:txBody>
+                    <a:bodyPr/>
+                    <a:lstStyle/>
+                    <a:p>
+                      <a:pPr marL="0" marR="0" lvl="0" indent="0" algn="ctr" defTabSz="914400" rtl="0" eaLnBrk="1" fontAlgn="auto" latinLnBrk="0" hangingPunct="1">
+                        <a:lnSpc>
+                          <a:spcPct val="100000"/>
+                        </a:lnSpc>
+                        <a:spcBef>
+                          <a:spcPts val="0"/>
+                        </a:spcBef>
+                        <a:spcAft>
+                          <a:spcPts val="0"/>
+                        </a:spcAft>
+                        <a:buClrTx/>
+                        <a:buSzTx/>
+                        <a:buFontTx/>
+                        <a:buNone/>
+                        <a:tabLst/>
+                        <a:defRPr/>
+                      </a:pPr>
+                      <a:r>
+                        <a:rPr kumimoji="0" lang="en-GB" sz="1400" b="0" i="0" u="none" strike="noStrike" kern="1200" cap="none" spc="0" normalizeH="0" baseline="0" noProof="0">
+                          <a:ln>
+                            <a:noFill/>
+                          </a:ln>
+                          <a:solidFill>
+                            <a:prstClr val="black"/>
+                          </a:solidFill>
+                          <a:effectLst/>
+                          <a:uLnTx/>
+                          <a:uFillTx/>
+                          <a:latin typeface="Calibri"/>
+                          <a:ea typeface="+mn-ea"/>
+                          <a:cs typeface="+mn-cs"/>
+                        </a:rPr>
+                        <a:t>Portfolio Dev</a:t>
+                      </a:r>
+                      <a:endParaRPr kumimoji="0" lang="en-GB" sz="1400" b="0" i="0" u="none" strike="noStrike" kern="1200" cap="none" spc="0" normalizeH="0" baseline="0" noProof="0" dirty="0">
+                        <a:ln>
+                          <a:noFill/>
+                        </a:ln>
+                        <a:solidFill>
+                          <a:prstClr val="black"/>
+                        </a:solidFill>
+                        <a:effectLst/>
+                        <a:uLnTx/>
+                        <a:uFillTx/>
+                        <a:latin typeface="Calibri"/>
+                        <a:ea typeface="+mn-ea"/>
+                        <a:cs typeface="+mn-cs"/>
+                      </a:endParaRPr>
+                    </a:p>
+                  </a:txBody>
+                  <a:tcPr anchor="ctr">
+                    <a:solidFill>
+                      <a:schemeClr val="accent4">
+                        <a:lumMod val="20000"/>
+                        <a:lumOff val="80000"/>
+                      </a:schemeClr>
+                    </a:solidFill>
+                  </a:tcPr>
+                </a:tc>
+                <a:tc>
+                  <a:txBody>
+                    <a:bodyPr/>
+                    <a:lstStyle/>
+                    <a:p>
+                      <a:pPr marL="0" marR="0" lvl="0" indent="0" algn="ctr" defTabSz="914400" rtl="0" eaLnBrk="1" fontAlgn="auto" latinLnBrk="0" hangingPunct="1">
+                        <a:lnSpc>
+                          <a:spcPct val="100000"/>
+                        </a:lnSpc>
+                        <a:spcBef>
+                          <a:spcPts val="0"/>
+                        </a:spcBef>
+                        <a:spcAft>
+                          <a:spcPts val="0"/>
+                        </a:spcAft>
+                        <a:buClrTx/>
+                        <a:buSzTx/>
+                        <a:buFontTx/>
+                        <a:buNone/>
+                        <a:tabLst/>
+                        <a:defRPr/>
+                      </a:pPr>
+                      <a:r>
+                        <a:rPr kumimoji="0" lang="en-GB" sz="1400" b="0" i="0" u="none" strike="noStrike" kern="1200" cap="none" spc="0" normalizeH="0" baseline="0" noProof="0">
+                          <a:ln>
+                            <a:noFill/>
+                          </a:ln>
+                          <a:solidFill>
+                            <a:prstClr val="black"/>
+                          </a:solidFill>
+                          <a:effectLst/>
+                          <a:uLnTx/>
+                          <a:uFillTx/>
+                          <a:latin typeface="Calibri"/>
+                          <a:ea typeface="+mn-ea"/>
+                          <a:cs typeface="+mn-cs"/>
+                        </a:rPr>
+                        <a:t>Portfolio Dev</a:t>
+                      </a:r>
+                      <a:endParaRPr kumimoji="0" lang="en-GB" sz="1400" b="0" i="0" u="none" strike="noStrike" kern="1200" cap="none" spc="0" normalizeH="0" baseline="0" noProof="0" dirty="0">
+                        <a:ln>
+                          <a:noFill/>
+                        </a:ln>
+                        <a:solidFill>
+                          <a:prstClr val="black"/>
+                        </a:solidFill>
+                        <a:effectLst/>
+                        <a:uLnTx/>
+                        <a:uFillTx/>
+                        <a:latin typeface="Calibri"/>
+                        <a:ea typeface="+mn-ea"/>
+                        <a:cs typeface="+mn-cs"/>
+                      </a:endParaRPr>
+                    </a:p>
+                  </a:txBody>
+                  <a:tcPr anchor="ctr">
+                    <a:solidFill>
+                      <a:schemeClr val="accent4">
+                        <a:lumMod val="20000"/>
+                        <a:lumOff val="80000"/>
+                      </a:schemeClr>
+                    </a:solidFill>
+                  </a:tcPr>
+                </a:tc>
+                <a:tc>
+                  <a:txBody>
+                    <a:bodyPr/>
+                    <a:lstStyle/>
+                    <a:p>
+                      <a:pPr marL="0" marR="0" lvl="0" indent="0" algn="ctr" defTabSz="914400" rtl="0" eaLnBrk="1" fontAlgn="auto" latinLnBrk="0" hangingPunct="1">
+                        <a:lnSpc>
+                          <a:spcPct val="100000"/>
+                        </a:lnSpc>
+                        <a:spcBef>
+                          <a:spcPts val="0"/>
+                        </a:spcBef>
+                        <a:spcAft>
+                          <a:spcPts val="0"/>
+                        </a:spcAft>
+                        <a:buClrTx/>
+                        <a:buSzTx/>
+                        <a:buFontTx/>
+                        <a:buNone/>
+                        <a:tabLst/>
+                        <a:defRPr/>
+                      </a:pPr>
+                      <a:r>
+                        <a:rPr kumimoji="0" lang="en-GB" sz="1400" b="0" i="0" u="none" strike="noStrike" kern="1200" cap="none" spc="0" normalizeH="0" baseline="0" noProof="0">
+                          <a:ln>
+                            <a:noFill/>
+                          </a:ln>
+                          <a:solidFill>
+                            <a:prstClr val="black"/>
+                          </a:solidFill>
+                          <a:effectLst/>
+                          <a:uLnTx/>
+                          <a:uFillTx/>
+                          <a:latin typeface="Calibri"/>
+                          <a:ea typeface="+mn-ea"/>
+                          <a:cs typeface="+mn-cs"/>
+                        </a:rPr>
+                        <a:t>Portfolio Dev</a:t>
+                      </a:r>
+                      <a:endParaRPr kumimoji="0" lang="en-GB" sz="1400" b="0" i="0" u="none" strike="noStrike" kern="1200" cap="none" spc="0" normalizeH="0" baseline="0" noProof="0" dirty="0">
+                        <a:ln>
+                          <a:noFill/>
+                        </a:ln>
+                        <a:solidFill>
+                          <a:prstClr val="black"/>
+                        </a:solidFill>
+                        <a:effectLst/>
+                        <a:uLnTx/>
+                        <a:uFillTx/>
+                        <a:latin typeface="Calibri"/>
+                        <a:ea typeface="+mn-ea"/>
+                        <a:cs typeface="+mn-cs"/>
+                      </a:endParaRPr>
+                    </a:p>
+                  </a:txBody>
+                  <a:tcPr anchor="ctr">
+                    <a:solidFill>
+                      <a:schemeClr val="accent4">
+                        <a:lumMod val="20000"/>
+                        <a:lumOff val="80000"/>
+                      </a:schemeClr>
+                    </a:solidFill>
+                  </a:tcPr>
+                </a:tc>
+                <a:tc>
+                  <a:txBody>
+                    <a:bodyPr/>
+                    <a:lstStyle/>
+                    <a:p>
+                      <a:pPr marL="0" marR="0" lvl="0" indent="0" algn="ctr" defTabSz="914400" rtl="0" eaLnBrk="1" fontAlgn="auto" latinLnBrk="0" hangingPunct="1">
+                        <a:lnSpc>
+                          <a:spcPct val="100000"/>
+                        </a:lnSpc>
+                        <a:spcBef>
+                          <a:spcPts val="0"/>
+                        </a:spcBef>
+                        <a:spcAft>
+                          <a:spcPts val="0"/>
+                        </a:spcAft>
+                        <a:buClrTx/>
+                        <a:buSzTx/>
+                        <a:buFontTx/>
+                        <a:buNone/>
+                        <a:tabLst/>
+                        <a:defRPr/>
+                      </a:pPr>
+                      <a:r>
+                        <a:rPr kumimoji="0" lang="en-GB" sz="1400" b="0" i="0" u="none" strike="noStrike" kern="1200" cap="none" spc="0" normalizeH="0" baseline="0" noProof="0" dirty="0">
+                          <a:ln>
+                            <a:noFill/>
+                          </a:ln>
+                          <a:solidFill>
+                            <a:prstClr val="black"/>
+                          </a:solidFill>
+                          <a:effectLst/>
+                          <a:uLnTx/>
+                          <a:uFillTx/>
+                          <a:latin typeface="Calibri"/>
+                          <a:ea typeface="+mn-ea"/>
+                          <a:cs typeface="+mn-cs"/>
+                        </a:rPr>
+                        <a:t>Portfolio Dev</a:t>
+                      </a:r>
+                    </a:p>
+                  </a:txBody>
+                  <a:tcPr anchor="ctr">
+                    <a:solidFill>
+                      <a:schemeClr val="accent4">
+                        <a:lumMod val="20000"/>
+                        <a:lumOff val="80000"/>
+                      </a:schemeClr>
+                    </a:solidFill>
+                  </a:tcPr>
+                </a:tc>
+                <a:extLst>
+                  <a:ext uri="{0D108BD9-81ED-4DB2-BD59-A6C34878D82A}">
+                    <a16:rowId xmlns:a16="http://schemas.microsoft.com/office/drawing/2014/main" val="1806343555"/>
+                  </a:ext>
+                </a:extLst>
+              </a:tr>
+            </a:tbl>
+          </a:graphicData>
+        </a:graphic>
+      </p:graphicFrame>
+      <p:graphicFrame>
+        <p:nvGraphicFramePr>
+          <p:cNvPr id="7" name="Content Placeholder 3">
+            <a:extLst>
+              <a:ext uri="{FF2B5EF4-FFF2-40B4-BE49-F238E27FC236}">
+                <a16:creationId xmlns:a16="http://schemas.microsoft.com/office/drawing/2014/main" id="{1FDBB499-B236-453B-BFE1-0247D66A5A2D}"/>
+              </a:ext>
+            </a:extLst>
+          </p:cNvPr>
+          <p:cNvGraphicFramePr>
+            <a:graphicFrameLocks/>
+          </p:cNvGraphicFramePr>
+          <p:nvPr>
+            <p:extLst>
+              <p:ext uri="{D42A27DB-BD31-4B8C-83A1-F6EECF244321}">
+                <p14:modId xmlns:p14="http://schemas.microsoft.com/office/powerpoint/2010/main" val="3819865634"/>
+              </p:ext>
+            </p:extLst>
+          </p:nvPr>
+        </p:nvGraphicFramePr>
+        <p:xfrm>
+          <a:off x="467544" y="5999688"/>
+          <a:ext cx="1368152" cy="741680"/>
+        </p:xfrm>
+        <a:graphic>
+          <a:graphicData uri="http://schemas.openxmlformats.org/drawingml/2006/table">
+            <a:tbl>
+              <a:tblPr firstRow="1" bandRow="1">
+                <a:tableStyleId>{5C22544A-7EE6-4342-B048-85BDC9FD1C3A}</a:tableStyleId>
+              </a:tblPr>
+              <a:tblGrid>
+                <a:gridCol w="1368152">
+                  <a:extLst>
+                    <a:ext uri="{9D8B030D-6E8A-4147-A177-3AD203B41FA5}">
+                      <a16:colId xmlns:a16="http://schemas.microsoft.com/office/drawing/2014/main" val="20000"/>
+                    </a:ext>
+                  </a:extLst>
+                </a:gridCol>
+              </a:tblGrid>
+              <a:tr h="370840">
+                <a:tc>
+                  <a:txBody>
+                    <a:bodyPr/>
+                    <a:lstStyle/>
+                    <a:p>
+                      <a:pPr algn="ctr"/>
+                      <a:r>
+                        <a:rPr lang="en-GB" dirty="0"/>
+                        <a:t>Week 13</a:t>
+                      </a:r>
+                    </a:p>
+                  </a:txBody>
+                  <a:tcPr/>
+                </a:tc>
+                <a:extLst>
+                  <a:ext uri="{0D108BD9-81ED-4DB2-BD59-A6C34878D82A}">
+                    <a16:rowId xmlns:a16="http://schemas.microsoft.com/office/drawing/2014/main" val="10000"/>
+                  </a:ext>
+                </a:extLst>
+              </a:tr>
+              <a:tr h="370840">
+                <a:tc>
+                  <a:txBody>
+                    <a:bodyPr/>
+                    <a:lstStyle/>
+                    <a:p>
+                      <a:pPr algn="ctr"/>
+                      <a:r>
+                        <a:rPr lang="en-GB" sz="1400" baseline="0" dirty="0"/>
+                        <a:t>VIVA OF DOOM</a:t>
+                      </a:r>
+                    </a:p>
+                  </a:txBody>
+                  <a:tcPr anchor="ctr">
+                    <a:solidFill>
+                      <a:schemeClr val="accent6">
+                        <a:lumMod val="40000"/>
+                        <a:lumOff val="60000"/>
+                      </a:schemeClr>
+                    </a:solidFill>
+                  </a:tcPr>
+                </a:tc>
+                <a:extLst>
+                  <a:ext uri="{0D108BD9-81ED-4DB2-BD59-A6C34878D82A}">
+                    <a16:rowId xmlns:a16="http://schemas.microsoft.com/office/drawing/2014/main" val="10001"/>
+                  </a:ext>
+                </a:extLst>
+              </a:tr>
+            </a:tbl>
+          </a:graphicData>
+        </a:graphic>
+      </p:graphicFrame>
+    </p:spTree>
+    <p:extLst>
+      <p:ext uri="{BB962C8B-B14F-4D97-AF65-F5344CB8AC3E}">
+        <p14:creationId xmlns:p14="http://schemas.microsoft.com/office/powerpoint/2010/main" val="2876348077"/>
+      </p:ext>
+    </p:extLst>
+  </p:cSld>
+  <p:clrMapOvr>
+    <a:masterClrMapping/>
+  </p:clrMapOvr>
+</p:sld>
+</file>
+
+<file path=ppt/slides/slide5.xml><?xml version="1.0" encoding="utf-8"?>
 <p:sld xmlns:a="http://schemas.openxmlformats.org/drawingml/2006/main" xmlns:r="http://schemas.openxmlformats.org/officeDocument/2006/relationships" xmlns:p="http://schemas.openxmlformats.org/presentationml/2006/main">
   <p:cSld>
     <p:spTree>

--- a/COMP260/01/2019-20-COMP260-01-lecture.pptx
+++ b/COMP260/01/2019-20-COMP260-01-lecture.pptx
@@ -198,13 +198,13 @@
         <pc:chgData name="Lewis, Gareth" userId="0ca0577c-2ada-4abb-9a17-e7a804bbaaa5" providerId="ADAL" clId="{8D276DEB-9ECF-474F-8641-C8D9886C5626}" dt="2019-01-27T11:03:21.100" v="3731" actId="20577"/>
         <pc:sldMkLst>
           <pc:docMk/>
-          <pc:sldMk cId="0" sldId="332"/>
+          <pc:sldMk cId="2876348077" sldId="332"/>
         </pc:sldMkLst>
         <pc:graphicFrameChg chg="modGraphic">
           <ac:chgData name="Lewis, Gareth" userId="0ca0577c-2ada-4abb-9a17-e7a804bbaaa5" providerId="ADAL" clId="{8D276DEB-9ECF-474F-8641-C8D9886C5626}" dt="2019-01-27T11:03:21.100" v="3731" actId="20577"/>
           <ac:graphicFrameMkLst>
             <pc:docMk/>
-            <pc:sldMk cId="0" sldId="332"/>
+            <pc:sldMk cId="2876348077" sldId="332"/>
             <ac:graphicFrameMk id="6" creationId="{00000000-0000-0000-0000-000000000000}"/>
           </ac:graphicFrameMkLst>
         </pc:graphicFrameChg>
@@ -212,7 +212,7 @@
           <ac:chgData name="Lewis, Gareth" userId="0ca0577c-2ada-4abb-9a17-e7a804bbaaa5" providerId="ADAL" clId="{8D276DEB-9ECF-474F-8641-C8D9886C5626}" dt="2019-01-12T14:27:52.855" v="223" actId="20577"/>
           <ac:graphicFrameMkLst>
             <pc:docMk/>
-            <pc:sldMk cId="0" sldId="332"/>
+            <pc:sldMk cId="2876348077" sldId="332"/>
             <ac:graphicFrameMk id="7" creationId="{1FDBB499-B236-453B-BFE1-0247D66A5A2D}"/>
           </ac:graphicFrameMkLst>
         </pc:graphicFrameChg>
@@ -220,7 +220,7 @@
           <ac:chgData name="Lewis, Gareth" userId="0ca0577c-2ada-4abb-9a17-e7a804bbaaa5" providerId="ADAL" clId="{8D276DEB-9ECF-474F-8641-C8D9886C5626}" dt="2019-01-12T14:29:24.436" v="303" actId="207"/>
           <ac:graphicFrameMkLst>
             <pc:docMk/>
-            <pc:sldMk cId="0" sldId="332"/>
+            <pc:sldMk cId="2876348077" sldId="332"/>
             <ac:graphicFrameMk id="10" creationId="{00000000-0000-0000-0000-000000000000}"/>
           </ac:graphicFrameMkLst>
         </pc:graphicFrameChg>
@@ -954,7 +954,7 @@
             <a:fld id="{134C908B-E4CF-4B88-8994-49C91B4DAC10}" type="datetimeFigureOut">
               <a:rPr lang="en-US" smtClean="0"/>
               <a:pPr/>
-              <a:t>1/22/20</a:t>
+              <a:t>1/24/20</a:t>
             </a:fld>
             <a:endParaRPr lang="en-US"/>
           </a:p>
@@ -1116,7 +1116,7 @@
             <a:fld id="{FCD4ED34-E2A7-4A73-B53B-08CB721EE63F}" type="datetimeFigureOut">
               <a:rPr lang="en-US" smtClean="0"/>
               <a:pPr/>
-              <a:t>1/22/20</a:t>
+              <a:t>1/24/20</a:t>
             </a:fld>
             <a:endParaRPr lang="en-GB"/>
           </a:p>
@@ -1579,7 +1579,7 @@
             <a:fld id="{24C0EDFE-3590-4448-BF7B-7FB41E82085F}" type="datetimeFigureOut">
               <a:rPr lang="en-US" smtClean="0"/>
               <a:pPr/>
-              <a:t>1/22/20</a:t>
+              <a:t>1/24/20</a:t>
             </a:fld>
             <a:endParaRPr lang="en-US" dirty="0"/>
           </a:p>
@@ -1768,7 +1768,7 @@
             <a:fld id="{24C0EDFE-3590-4448-BF7B-7FB41E82085F}" type="datetimeFigureOut">
               <a:rPr lang="en-US" smtClean="0"/>
               <a:pPr/>
-              <a:t>1/22/20</a:t>
+              <a:t>1/24/20</a:t>
             </a:fld>
             <a:endParaRPr lang="en-US" dirty="0"/>
           </a:p>
@@ -1946,7 +1946,7 @@
             <a:fld id="{24C0EDFE-3590-4448-BF7B-7FB41E82085F}" type="datetimeFigureOut">
               <a:rPr lang="en-US" smtClean="0"/>
               <a:pPr/>
-              <a:t>1/22/20</a:t>
+              <a:t>1/24/20</a:t>
             </a:fld>
             <a:endParaRPr lang="en-US" dirty="0"/>
           </a:p>
@@ -2195,7 +2195,7 @@
             <a:fld id="{24C0EDFE-3590-4448-BF7B-7FB41E82085F}" type="datetimeFigureOut">
               <a:rPr lang="en-US" smtClean="0"/>
               <a:pPr/>
-              <a:t>1/22/20</a:t>
+              <a:t>1/24/20</a:t>
             </a:fld>
             <a:endParaRPr lang="en-US" dirty="0"/>
           </a:p>
@@ -2517,7 +2517,7 @@
             <a:fld id="{24C0EDFE-3590-4448-BF7B-7FB41E82085F}" type="datetimeFigureOut">
               <a:rPr lang="en-US" smtClean="0"/>
               <a:pPr/>
-              <a:t>1/22/20</a:t>
+              <a:t>1/24/20</a:t>
             </a:fld>
             <a:endParaRPr lang="en-US" dirty="0"/>
           </a:p>
@@ -2823,7 +2823,7 @@
             <a:fld id="{24C0EDFE-3590-4448-BF7B-7FB41E82085F}" type="datetimeFigureOut">
               <a:rPr lang="en-US" smtClean="0"/>
               <a:pPr/>
-              <a:t>1/22/20</a:t>
+              <a:t>1/24/20</a:t>
             </a:fld>
             <a:endParaRPr lang="en-US" dirty="0"/>
           </a:p>
@@ -3247,7 +3247,7 @@
             <a:fld id="{24C0EDFE-3590-4448-BF7B-7FB41E82085F}" type="datetimeFigureOut">
               <a:rPr lang="en-US" smtClean="0"/>
               <a:pPr/>
-              <a:t>1/22/20</a:t>
+              <a:t>1/24/20</a:t>
             </a:fld>
             <a:endParaRPr lang="en-US" dirty="0"/>
           </a:p>
@@ -3369,7 +3369,7 @@
             <a:fld id="{24C0EDFE-3590-4448-BF7B-7FB41E82085F}" type="datetimeFigureOut">
               <a:rPr lang="en-US" smtClean="0"/>
               <a:pPr/>
-              <a:t>1/22/20</a:t>
+              <a:t>1/24/20</a:t>
             </a:fld>
             <a:endParaRPr lang="en-US" dirty="0"/>
           </a:p>
@@ -3461,7 +3461,7 @@
             <a:fld id="{24C0EDFE-3590-4448-BF7B-7FB41E82085F}" type="datetimeFigureOut">
               <a:rPr lang="en-US" smtClean="0"/>
               <a:pPr/>
-              <a:t>1/22/20</a:t>
+              <a:t>1/24/20</a:t>
             </a:fld>
             <a:endParaRPr lang="en-US" dirty="0"/>
           </a:p>
@@ -3736,7 +3736,7 @@
             <a:fld id="{24C0EDFE-3590-4448-BF7B-7FB41E82085F}" type="datetimeFigureOut">
               <a:rPr lang="en-US" smtClean="0"/>
               <a:pPr/>
-              <a:t>1/22/20</a:t>
+              <a:t>1/24/20</a:t>
             </a:fld>
             <a:endParaRPr lang="en-US" dirty="0"/>
           </a:p>
@@ -3988,7 +3988,7 @@
             <a:fld id="{24C0EDFE-3590-4448-BF7B-7FB41E82085F}" type="datetimeFigureOut">
               <a:rPr lang="en-US" smtClean="0"/>
               <a:pPr/>
-              <a:t>1/22/20</a:t>
+              <a:t>1/24/20</a:t>
             </a:fld>
             <a:endParaRPr lang="en-US" dirty="0"/>
           </a:p>
@@ -4165,7 +4165,7 @@
             <a:fld id="{24C0EDFE-3590-4448-BF7B-7FB41E82085F}" type="datetimeFigureOut">
               <a:rPr lang="en-US" smtClean="0"/>
               <a:pPr/>
-              <a:t>1/22/20</a:t>
+              <a:t>1/24/20</a:t>
             </a:fld>
             <a:endParaRPr lang="en-US" dirty="0"/>
           </a:p>
@@ -5151,14 +5151,14 @@
           <p:nvPr>
             <p:extLst>
               <p:ext uri="{D42A27DB-BD31-4B8C-83A1-F6EECF244321}">
-                <p14:modId xmlns:p14="http://schemas.microsoft.com/office/powerpoint/2010/main" val="422054622"/>
+                <p14:modId xmlns:p14="http://schemas.microsoft.com/office/powerpoint/2010/main" val="3620183285"/>
               </p:ext>
             </p:extLst>
           </p:nvPr>
         </p:nvGraphicFramePr>
         <p:xfrm>
-          <a:off x="467544" y="1484784"/>
-          <a:ext cx="8208912" cy="2260600"/>
+          <a:off x="467544" y="1138808"/>
+          <a:ext cx="8208912" cy="2362200"/>
         </p:xfrm>
         <a:graphic>
           <a:graphicData uri="http://schemas.openxmlformats.org/drawingml/2006/table">
@@ -5293,7 +5293,7 @@
                     <a:p>
                       <a:pPr algn="ctr"/>
                       <a:r>
-                        <a:rPr lang="en-GB" dirty="0"/>
+                        <a:rPr lang="en-GB" sz="1400" dirty="0"/>
                         <a:t>Reading Week</a:t>
                       </a:r>
                     </a:p>
@@ -5303,6 +5303,179 @@
                 <a:extLst>
                   <a:ext uri="{0D108BD9-81ED-4DB2-BD59-A6C34878D82A}">
                     <a16:rowId xmlns:a16="http://schemas.microsoft.com/office/drawing/2014/main" val="10000"/>
+                  </a:ext>
+                </a:extLst>
+              </a:tr>
+              <a:tr h="370840">
+                <a:tc>
+                  <a:txBody>
+                    <a:bodyPr/>
+                    <a:lstStyle/>
+                    <a:p>
+                      <a:pPr marL="0" marR="0" indent="0" algn="ctr" defTabSz="914400" rtl="0" eaLnBrk="1" fontAlgn="auto" latinLnBrk="0" hangingPunct="1">
+                        <a:lnSpc>
+                          <a:spcPct val="100000"/>
+                        </a:lnSpc>
+                        <a:spcBef>
+                          <a:spcPts val="0"/>
+                        </a:spcBef>
+                        <a:spcAft>
+                          <a:spcPts val="0"/>
+                        </a:spcAft>
+                        <a:buClrTx/>
+                        <a:buSzTx/>
+                        <a:buFontTx/>
+                        <a:buNone/>
+                        <a:tabLst/>
+                        <a:defRPr/>
+                      </a:pPr>
+                      <a:endParaRPr lang="en-GB" sz="1400" dirty="0"/>
+                    </a:p>
+                  </a:txBody>
+                  <a:tcPr anchor="ctr">
+                    <a:solidFill>
+                      <a:schemeClr val="accent6">
+                        <a:lumMod val="40000"/>
+                        <a:lumOff val="60000"/>
+                      </a:schemeClr>
+                    </a:solidFill>
+                  </a:tcPr>
+                </a:tc>
+                <a:tc gridSpan="4">
+                  <a:txBody>
+                    <a:bodyPr/>
+                    <a:lstStyle/>
+                    <a:p>
+                      <a:pPr algn="ctr"/>
+                      <a:r>
+                        <a:rPr lang="en-GB" sz="1400" dirty="0"/>
+                        <a:t>Turn-based Service Provision</a:t>
+                      </a:r>
+                    </a:p>
+                  </a:txBody>
+                  <a:tcPr anchor="ctr">
+                    <a:solidFill>
+                      <a:schemeClr val="accent6">
+                        <a:lumMod val="40000"/>
+                        <a:lumOff val="60000"/>
+                      </a:schemeClr>
+                    </a:solidFill>
+                  </a:tcPr>
+                </a:tc>
+                <a:tc hMerge="1">
+                  <a:txBody>
+                    <a:bodyPr/>
+                    <a:lstStyle/>
+                    <a:p>
+                      <a:pPr marL="0" marR="0" lvl="0" indent="0" algn="ctr" defTabSz="914400" rtl="0" eaLnBrk="1" fontAlgn="auto" latinLnBrk="0" hangingPunct="1">
+                        <a:lnSpc>
+                          <a:spcPct val="100000"/>
+                        </a:lnSpc>
+                        <a:spcBef>
+                          <a:spcPts val="0"/>
+                        </a:spcBef>
+                        <a:spcAft>
+                          <a:spcPts val="0"/>
+                        </a:spcAft>
+                        <a:buClrTx/>
+                        <a:buSzTx/>
+                        <a:buFontTx/>
+                        <a:buNone/>
+                        <a:tabLst/>
+                        <a:defRPr/>
+                      </a:pPr>
+                      <a:endParaRPr lang="en-GB" sz="1400" dirty="0"/>
+                    </a:p>
+                  </a:txBody>
+                  <a:tcPr anchor="ctr">
+                    <a:solidFill>
+                      <a:schemeClr val="accent2"/>
+                    </a:solidFill>
+                  </a:tcPr>
+                </a:tc>
+                <a:tc hMerge="1">
+                  <a:txBody>
+                    <a:bodyPr/>
+                    <a:lstStyle/>
+                    <a:p>
+                      <a:pPr marL="0" marR="0" lvl="0" indent="0" algn="ctr" defTabSz="914400" rtl="0" eaLnBrk="1" fontAlgn="auto" latinLnBrk="0" hangingPunct="1">
+                        <a:lnSpc>
+                          <a:spcPct val="100000"/>
+                        </a:lnSpc>
+                        <a:spcBef>
+                          <a:spcPts val="0"/>
+                        </a:spcBef>
+                        <a:spcAft>
+                          <a:spcPts val="0"/>
+                        </a:spcAft>
+                        <a:buClrTx/>
+                        <a:buSzTx/>
+                        <a:buFontTx/>
+                        <a:buNone/>
+                        <a:tabLst/>
+                        <a:defRPr/>
+                      </a:pPr>
+                      <a:endParaRPr lang="en-GB" sz="1400" dirty="0"/>
+                    </a:p>
+                  </a:txBody>
+                  <a:tcPr anchor="ctr">
+                    <a:solidFill>
+                      <a:schemeClr val="accent2"/>
+                    </a:solidFill>
+                  </a:tcPr>
+                </a:tc>
+                <a:tc hMerge="1">
+                  <a:txBody>
+                    <a:bodyPr/>
+                    <a:lstStyle/>
+                    <a:p>
+                      <a:pPr marL="0" marR="0" lvl="0" indent="0" algn="ctr" defTabSz="914400" rtl="0" eaLnBrk="1" fontAlgn="auto" latinLnBrk="0" hangingPunct="1">
+                        <a:lnSpc>
+                          <a:spcPct val="100000"/>
+                        </a:lnSpc>
+                        <a:spcBef>
+                          <a:spcPts val="0"/>
+                        </a:spcBef>
+                        <a:spcAft>
+                          <a:spcPts val="0"/>
+                        </a:spcAft>
+                        <a:buClrTx/>
+                        <a:buSzTx/>
+                        <a:buFontTx/>
+                        <a:buNone/>
+                        <a:tabLst/>
+                        <a:defRPr/>
+                      </a:pPr>
+                      <a:endParaRPr lang="en-GB" sz="1400" dirty="0"/>
+                    </a:p>
+                  </a:txBody>
+                  <a:tcPr anchor="ctr">
+                    <a:solidFill>
+                      <a:schemeClr val="accent2"/>
+                    </a:solidFill>
+                  </a:tcPr>
+                </a:tc>
+                <a:tc>
+                  <a:txBody>
+                    <a:bodyPr/>
+                    <a:lstStyle/>
+                    <a:p>
+                      <a:pPr algn="ctr"/>
+                      <a:endParaRPr lang="en-GB" sz="1400" dirty="0"/>
+                    </a:p>
+                  </a:txBody>
+                  <a:tcPr anchor="ctr">
+                    <a:solidFill>
+                      <a:schemeClr val="accent6">
+                        <a:lumMod val="40000"/>
+                        <a:lumOff val="60000"/>
+                      </a:schemeClr>
+                    </a:solidFill>
+                  </a:tcPr>
+                </a:tc>
+                <a:extLst>
+                  <a:ext uri="{0D108BD9-81ED-4DB2-BD59-A6C34878D82A}">
+                    <a16:rowId xmlns:a16="http://schemas.microsoft.com/office/drawing/2014/main" val="3587857655"/>
                   </a:ext>
                 </a:extLst>
               </a:tr>
@@ -5880,7 +6053,7 @@
                         <a:defRPr/>
                       </a:pPr>
                       <a:r>
-                        <a:rPr kumimoji="0" lang="en-GB" sz="1400" b="0" i="0" u="none" strike="noStrike" kern="1200" cap="none" spc="0" normalizeH="0" baseline="0" noProof="0">
+                        <a:rPr kumimoji="0" lang="en-GB" sz="1400" b="0" i="0" u="none" strike="noStrike" kern="1200" cap="none" spc="0" normalizeH="0" baseline="0" noProof="0" dirty="0">
                           <a:ln>
                             <a:noFill/>
                           </a:ln>
@@ -5896,20 +6069,6 @@
                         </a:rPr>
                         <a:t>Portfolio Dev</a:t>
                       </a:r>
-                      <a:endParaRPr kumimoji="0" lang="en-GB" sz="1400" b="0" i="0" u="none" strike="noStrike" kern="1200" cap="none" spc="0" normalizeH="0" baseline="0" noProof="0" dirty="0">
-                        <a:ln>
-                          <a:noFill/>
-                        </a:ln>
-                        <a:solidFill>
-                          <a:prstClr val="black"/>
-                        </a:solidFill>
-                        <a:effectLst/>
-                        <a:uLnTx/>
-                        <a:uFillTx/>
-                        <a:latin typeface="Calibri"/>
-                        <a:ea typeface="+mn-ea"/>
-                        <a:cs typeface="+mn-cs"/>
-                      </a:endParaRPr>
                     </a:p>
                   </a:txBody>
                   <a:tcPr anchor="ctr">
@@ -5944,7 +6103,7 @@
                         <a:defRPr/>
                       </a:pPr>
                       <a:r>
-                        <a:rPr kumimoji="0" lang="en-GB" sz="1400" b="0" i="0" u="none" strike="noStrike" kern="1200" cap="none" spc="0" normalizeH="0" baseline="0" noProof="0">
+                        <a:rPr kumimoji="0" lang="en-GB" sz="1400" b="0" i="0" u="none" strike="noStrike" kern="1200" cap="none" spc="0" normalizeH="0" baseline="0" noProof="0" dirty="0">
                           <a:ln>
                             <a:noFill/>
                           </a:ln>
@@ -5960,20 +6119,6 @@
                         </a:rPr>
                         <a:t>Portfolio Dev</a:t>
                       </a:r>
-                      <a:endParaRPr kumimoji="0" lang="en-GB" sz="1400" b="0" i="0" u="none" strike="noStrike" kern="1200" cap="none" spc="0" normalizeH="0" baseline="0" noProof="0" dirty="0">
-                        <a:ln>
-                          <a:noFill/>
-                        </a:ln>
-                        <a:solidFill>
-                          <a:prstClr val="black"/>
-                        </a:solidFill>
-                        <a:effectLst/>
-                        <a:uLnTx/>
-                        <a:uFillTx/>
-                        <a:latin typeface="Calibri"/>
-                        <a:ea typeface="+mn-ea"/>
-                        <a:cs typeface="+mn-cs"/>
-                      </a:endParaRPr>
                     </a:p>
                   </a:txBody>
                   <a:tcPr anchor="ctr">
@@ -6088,14 +6233,14 @@
           <p:nvPr>
             <p:extLst>
               <p:ext uri="{D42A27DB-BD31-4B8C-83A1-F6EECF244321}">
-                <p14:modId xmlns:p14="http://schemas.microsoft.com/office/powerpoint/2010/main" val="1550441028"/>
+                <p14:modId xmlns:p14="http://schemas.microsoft.com/office/powerpoint/2010/main" val="905884994"/>
               </p:ext>
             </p:extLst>
           </p:nvPr>
         </p:nvGraphicFramePr>
         <p:xfrm>
           <a:off x="467544" y="3861048"/>
-          <a:ext cx="8208912" cy="1844040"/>
+          <a:ext cx="8253744" cy="2001520"/>
         </p:xfrm>
         <a:graphic>
           <a:graphicData uri="http://schemas.openxmlformats.org/drawingml/2006/table">
@@ -6118,7 +6263,7 @@
                     </a:ext>
                   </a:extLst>
                 </a:gridCol>
-                <a:gridCol w="1440160">
+                <a:gridCol w="1484992">
                   <a:extLst>
                     <a:ext uri="{9D8B030D-6E8A-4147-A177-3AD203B41FA5}">
                       <a16:colId xmlns:a16="http://schemas.microsoft.com/office/drawing/2014/main" val="20002"/>
@@ -6244,6 +6389,208 @@
                 </a:extLst>
               </a:tr>
               <a:tr h="370840">
+                <a:tc gridSpan="4">
+                  <a:txBody>
+                    <a:bodyPr/>
+                    <a:lstStyle/>
+                    <a:p>
+                      <a:pPr marL="0" marR="0" lvl="0" indent="0" algn="ctr" defTabSz="914400" rtl="0" eaLnBrk="1" fontAlgn="auto" latinLnBrk="0" hangingPunct="1">
+                        <a:lnSpc>
+                          <a:spcPct val="100000"/>
+                        </a:lnSpc>
+                        <a:spcBef>
+                          <a:spcPts val="0"/>
+                        </a:spcBef>
+                        <a:spcAft>
+                          <a:spcPts val="0"/>
+                        </a:spcAft>
+                        <a:buClrTx/>
+                        <a:buSzTx/>
+                        <a:buFontTx/>
+                        <a:buNone/>
+                        <a:tabLst/>
+                        <a:defRPr/>
+                      </a:pPr>
+                      <a:r>
+                        <a:rPr lang="en-GB" sz="1400" baseline="0" dirty="0"/>
+                        <a:t>Real-time Gaming Provision</a:t>
+                      </a:r>
+                    </a:p>
+                  </a:txBody>
+                  <a:tcPr anchor="ctr">
+                    <a:solidFill>
+                      <a:schemeClr val="accent6">
+                        <a:lumMod val="40000"/>
+                        <a:lumOff val="60000"/>
+                      </a:schemeClr>
+                    </a:solidFill>
+                  </a:tcPr>
+                </a:tc>
+                <a:tc hMerge="1">
+                  <a:txBody>
+                    <a:bodyPr/>
+                    <a:lstStyle/>
+                    <a:p>
+                      <a:pPr marL="0" marR="0" lvl="0" indent="0" algn="ctr" defTabSz="914400" rtl="0" eaLnBrk="1" fontAlgn="auto" latinLnBrk="0" hangingPunct="1">
+                        <a:lnSpc>
+                          <a:spcPct val="100000"/>
+                        </a:lnSpc>
+                        <a:spcBef>
+                          <a:spcPts val="0"/>
+                        </a:spcBef>
+                        <a:spcAft>
+                          <a:spcPts val="0"/>
+                        </a:spcAft>
+                        <a:buClrTx/>
+                        <a:buSzTx/>
+                        <a:buFontTx/>
+                        <a:buNone/>
+                        <a:tabLst/>
+                        <a:defRPr/>
+                      </a:pPr>
+                      <a:endParaRPr lang="en-GB" sz="1400" dirty="0"/>
+                    </a:p>
+                  </a:txBody>
+                  <a:tcPr anchor="ctr">
+                    <a:solidFill>
+                      <a:schemeClr val="accent2"/>
+                    </a:solidFill>
+                  </a:tcPr>
+                </a:tc>
+                <a:tc hMerge="1">
+                  <a:txBody>
+                    <a:bodyPr/>
+                    <a:lstStyle/>
+                    <a:p>
+                      <a:pPr marL="0" marR="0" lvl="0" indent="0" algn="ctr" defTabSz="914400" rtl="0" eaLnBrk="1" fontAlgn="auto" latinLnBrk="0" hangingPunct="1">
+                        <a:lnSpc>
+                          <a:spcPct val="100000"/>
+                        </a:lnSpc>
+                        <a:spcBef>
+                          <a:spcPts val="0"/>
+                        </a:spcBef>
+                        <a:spcAft>
+                          <a:spcPts val="0"/>
+                        </a:spcAft>
+                        <a:buClrTx/>
+                        <a:buSzTx/>
+                        <a:buFontTx/>
+                        <a:buNone/>
+                        <a:tabLst/>
+                        <a:defRPr/>
+                      </a:pPr>
+                      <a:endParaRPr lang="en-GB" sz="1400" dirty="0"/>
+                    </a:p>
+                  </a:txBody>
+                  <a:tcPr anchor="ctr">
+                    <a:solidFill>
+                      <a:schemeClr val="accent2"/>
+                    </a:solidFill>
+                  </a:tcPr>
+                </a:tc>
+                <a:tc hMerge="1">
+                  <a:txBody>
+                    <a:bodyPr/>
+                    <a:lstStyle/>
+                    <a:p>
+                      <a:pPr marL="0" marR="0" lvl="0" indent="0" algn="ctr" defTabSz="914400" rtl="0" eaLnBrk="1" fontAlgn="auto" latinLnBrk="0" hangingPunct="1">
+                        <a:lnSpc>
+                          <a:spcPct val="100000"/>
+                        </a:lnSpc>
+                        <a:spcBef>
+                          <a:spcPts val="0"/>
+                        </a:spcBef>
+                        <a:spcAft>
+                          <a:spcPts val="0"/>
+                        </a:spcAft>
+                        <a:buClrTx/>
+                        <a:buSzTx/>
+                        <a:buFontTx/>
+                        <a:buNone/>
+                        <a:tabLst/>
+                        <a:defRPr/>
+                      </a:pPr>
+                      <a:endParaRPr lang="en-GB" sz="1400" baseline="0" dirty="0"/>
+                    </a:p>
+                  </a:txBody>
+                  <a:tcPr anchor="ctr">
+                    <a:solidFill>
+                      <a:schemeClr val="accent2"/>
+                    </a:solidFill>
+                  </a:tcPr>
+                </a:tc>
+                <a:tc gridSpan="2">
+                  <a:txBody>
+                    <a:bodyPr/>
+                    <a:lstStyle/>
+                    <a:p>
+                      <a:pPr marL="0" marR="0" lvl="0" indent="0" algn="ctr" defTabSz="914400" rtl="0" eaLnBrk="1" fontAlgn="auto" latinLnBrk="0" hangingPunct="1">
+                        <a:lnSpc>
+                          <a:spcPct val="100000"/>
+                        </a:lnSpc>
+                        <a:spcBef>
+                          <a:spcPts val="0"/>
+                        </a:spcBef>
+                        <a:spcAft>
+                          <a:spcPts val="0"/>
+                        </a:spcAft>
+                        <a:buClrTx/>
+                        <a:buSzTx/>
+                        <a:buFontTx/>
+                        <a:buNone/>
+                        <a:tabLst/>
+                        <a:defRPr/>
+                      </a:pPr>
+                      <a:endParaRPr lang="en-GB" sz="1400" dirty="0"/>
+                    </a:p>
+                  </a:txBody>
+                  <a:tcPr anchor="ctr">
+                    <a:solidFill>
+                      <a:schemeClr val="accent6">
+                        <a:lumMod val="40000"/>
+                        <a:lumOff val="60000"/>
+                      </a:schemeClr>
+                    </a:solidFill>
+                  </a:tcPr>
+                </a:tc>
+                <a:tc hMerge="1">
+                  <a:txBody>
+                    <a:bodyPr/>
+                    <a:lstStyle/>
+                    <a:p>
+                      <a:pPr marL="0" marR="0" lvl="0" indent="0" algn="ctr" defTabSz="914400" rtl="0" eaLnBrk="1" fontAlgn="auto" latinLnBrk="0" hangingPunct="1">
+                        <a:lnSpc>
+                          <a:spcPct val="100000"/>
+                        </a:lnSpc>
+                        <a:spcBef>
+                          <a:spcPts val="0"/>
+                        </a:spcBef>
+                        <a:spcAft>
+                          <a:spcPts val="0"/>
+                        </a:spcAft>
+                        <a:buClrTx/>
+                        <a:buSzTx/>
+                        <a:buFontTx/>
+                        <a:buNone/>
+                        <a:tabLst/>
+                        <a:defRPr/>
+                      </a:pPr>
+                      <a:endParaRPr lang="en-GB" sz="1400" dirty="0"/>
+                    </a:p>
+                  </a:txBody>
+                  <a:tcPr anchor="ctr">
+                    <a:solidFill>
+                      <a:schemeClr val="accent2"/>
+                    </a:solidFill>
+                  </a:tcPr>
+                </a:tc>
+                <a:extLst>
+                  <a:ext uri="{0D108BD9-81ED-4DB2-BD59-A6C34878D82A}">
+                    <a16:rowId xmlns:a16="http://schemas.microsoft.com/office/drawing/2014/main" val="1168620253"/>
+                  </a:ext>
+                </a:extLst>
+              </a:tr>
+              <a:tr h="370840">
                 <a:tc>
                   <a:txBody>
                     <a:bodyPr/>
@@ -6267,12 +6614,8 @@
                         <a:defRPr/>
                       </a:pPr>
                       <a:r>
-                        <a:rPr lang="en-GB" sz="1400" baseline="0" dirty="0" err="1"/>
-                        <a:t>GaaS</a:t>
-                      </a:r>
-                      <a:r>
                         <a:rPr lang="en-GB" sz="1400" baseline="0" dirty="0"/>
-                        <a:t>: Users</a:t>
+                        <a:t>Real-time Networking 1</a:t>
                       </a:r>
                     </a:p>
                   </a:txBody>
@@ -6305,12 +6648,8 @@
                         <a:defRPr/>
                       </a:pPr>
                       <a:r>
-                        <a:rPr lang="en-GB" sz="1400" dirty="0" err="1"/>
-                        <a:t>GaaS</a:t>
-                      </a:r>
-                      <a:r>
-                        <a:rPr lang="en-GB" sz="1400" dirty="0"/>
-                        <a:t>: Instancing services</a:t>
+                        <a:rPr lang="en-GB" sz="1400" baseline="0" dirty="0"/>
+                        <a:t>Real-time Networking 2</a:t>
                       </a:r>
                     </a:p>
                   </a:txBody>
@@ -6343,12 +6682,8 @@
                         <a:defRPr/>
                       </a:pPr>
                       <a:r>
-                        <a:rPr lang="en-GB" sz="1400" dirty="0" err="1"/>
-                        <a:t>GaaS</a:t>
-                      </a:r>
-                      <a:r>
-                        <a:rPr lang="en-GB" sz="1400" dirty="0"/>
-                        <a:t>: Security</a:t>
+                        <a:rPr lang="en-GB" sz="1400" baseline="0" dirty="0"/>
+                        <a:t>Real-time Networking 3</a:t>
                       </a:r>
                     </a:p>
                   </a:txBody>
@@ -6381,13 +6716,14 @@
                         <a:defRPr/>
                       </a:pPr>
                       <a:r>
-                        <a:rPr lang="en-GB" sz="1400" baseline="0" dirty="0" err="1"/>
-                        <a:t>GaaS</a:t>
+                        <a:rPr lang="en-GB" sz="1400" baseline="0" dirty="0"/>
+                        <a:t>Real-time </a:t>
                       </a:r>
                       <a:r>
-                        <a:rPr lang="en-GB" sz="1400" baseline="0" dirty="0"/>
-                        <a:t>: Analytics and Data Science</a:t>
+                        <a:rPr lang="en-GB" sz="1400" baseline="0"/>
+                        <a:t>Networking 4</a:t>
                       </a:r>
+                      <a:endParaRPr lang="en-GB" sz="1400" baseline="0" dirty="0"/>
                     </a:p>
                   </a:txBody>
                   <a:tcPr anchor="ctr">
@@ -6418,10 +6754,6 @@
                         <a:tabLst/>
                         <a:defRPr/>
                       </a:pPr>
-                      <a:r>
-                        <a:rPr lang="en-GB" sz="1400"/>
-                        <a:t>Unity Networking</a:t>
-                      </a:r>
                       <a:endParaRPr lang="en-GB" sz="1400" dirty="0"/>
                     </a:p>
                   </a:txBody>
@@ -6453,33 +6785,7 @@
                         <a:tabLst/>
                         <a:defRPr/>
                       </a:pPr>
-                      <a:r>
-                        <a:rPr lang="en-GB" sz="1400" dirty="0"/>
-                        <a:t>Peer Review</a:t>
-                      </a:r>
-                    </a:p>
-                    <a:p>
-                      <a:pPr marL="0" marR="0" lvl="0" indent="0" algn="ctr" defTabSz="914400" rtl="0" eaLnBrk="1" fontAlgn="auto" latinLnBrk="0" hangingPunct="1">
-                        <a:lnSpc>
-                          <a:spcPct val="100000"/>
-                        </a:lnSpc>
-                        <a:spcBef>
-                          <a:spcPts val="0"/>
-                        </a:spcBef>
-                        <a:spcAft>
-                          <a:spcPts val="0"/>
-                        </a:spcAft>
-                        <a:buClrTx/>
-                        <a:buSzTx/>
-                        <a:buFontTx/>
-                        <a:buNone/>
-                        <a:tabLst/>
-                        <a:defRPr/>
-                      </a:pPr>
-                      <a:r>
-                        <a:rPr lang="en-GB" sz="1400" dirty="0"/>
-                        <a:t>Prep</a:t>
-                      </a:r>
+                      <a:endParaRPr lang="en-GB" sz="1400" dirty="0"/>
                     </a:p>
                   </a:txBody>
                   <a:tcPr anchor="ctr">
@@ -6666,23 +6972,6 @@
                         <a:tabLst/>
                         <a:defRPr/>
                       </a:pPr>
-                      <a:r>
-                        <a:rPr kumimoji="0" lang="en-GB" sz="1400" b="0" i="0" u="none" strike="noStrike" kern="1200" cap="none" spc="0" normalizeH="0" baseline="0" noProof="0" dirty="0">
-                          <a:ln>
-                            <a:noFill/>
-                          </a:ln>
-                          <a:solidFill>
-                            <a:prstClr val="black"/>
-                          </a:solidFill>
-                          <a:effectLst/>
-                          <a:uLnTx/>
-                          <a:uFillTx/>
-                          <a:latin typeface="+mn-lt"/>
-                          <a:ea typeface="+mn-ea"/>
-                          <a:cs typeface="+mn-cs"/>
-                        </a:rPr>
-                        <a:t>Tutorial</a:t>
-                      </a:r>
                       <a:endParaRPr kumimoji="0" lang="en-GB" sz="1400" b="0" i="0" u="none" strike="noStrike" kern="1200" cap="none" spc="0" normalizeH="0" baseline="0" noProof="0" dirty="0">
                         <a:ln>
                           <a:noFill/>
@@ -6727,23 +7016,6 @@
                         <a:tabLst/>
                         <a:defRPr/>
                       </a:pPr>
-                      <a:r>
-                        <a:rPr kumimoji="0" lang="en-GB" sz="1400" b="0" i="0" u="none" strike="noStrike" kern="1200" cap="none" spc="0" normalizeH="0" baseline="0" noProof="0" dirty="0">
-                          <a:ln>
-                            <a:noFill/>
-                          </a:ln>
-                          <a:solidFill>
-                            <a:prstClr val="black"/>
-                          </a:solidFill>
-                          <a:effectLst/>
-                          <a:uLnTx/>
-                          <a:uFillTx/>
-                          <a:latin typeface="+mn-lt"/>
-                          <a:ea typeface="+mn-ea"/>
-                          <a:cs typeface="+mn-cs"/>
-                        </a:rPr>
-                        <a:t>Tutorial</a:t>
-                      </a:r>
                       <a:endParaRPr kumimoji="0" lang="en-GB" sz="1400" b="0" i="0" u="none" strike="noStrike" kern="1200" cap="none" spc="0" normalizeH="0" baseline="0" noProof="0" dirty="0">
                         <a:ln>
                           <a:noFill/>
@@ -6788,23 +7060,20 @@
                         <a:tabLst/>
                         <a:defRPr/>
                       </a:pPr>
-                      <a:r>
-                        <a:rPr kumimoji="0" lang="en-GB" sz="1400" b="0" i="0" u="none" strike="noStrike" kern="1200" cap="none" spc="0" normalizeH="0" baseline="0" noProof="0" dirty="0">
-                          <a:ln>
-                            <a:noFill/>
-                          </a:ln>
-                          <a:solidFill>
-                            <a:prstClr val="black"/>
-                          </a:solidFill>
-                          <a:effectLst/>
-                          <a:uLnTx/>
-                          <a:uFillTx/>
-                          <a:latin typeface="Calibri"/>
-                          <a:ea typeface="+mn-ea"/>
-                          <a:cs typeface="+mn-cs"/>
-                        </a:rPr>
-                        <a:t>Peer Review</a:t>
-                      </a:r>
+                      <a:endParaRPr kumimoji="0" lang="en-GB" sz="1400" b="0" i="0" u="none" strike="noStrike" kern="1200" cap="none" spc="0" normalizeH="0" baseline="0" noProof="0" dirty="0">
+                        <a:ln>
+                          <a:noFill/>
+                        </a:ln>
+                        <a:solidFill>
+                          <a:prstClr val="black"/>
+                        </a:solidFill>
+                        <a:effectLst/>
+                        <a:uLnTx/>
+                        <a:uFillTx/>
+                        <a:latin typeface="Calibri"/>
+                        <a:ea typeface="+mn-ea"/>
+                        <a:cs typeface="+mn-cs"/>
+                      </a:endParaRPr>
                     </a:p>
                   </a:txBody>
                   <a:tcPr anchor="ctr">
@@ -7035,7 +7304,7 @@
                         <a:defRPr/>
                       </a:pPr>
                       <a:r>
-                        <a:rPr kumimoji="0" lang="en-GB" sz="1400" b="0" i="0" u="none" strike="noStrike" kern="1200" cap="none" spc="0" normalizeH="0" baseline="0" noProof="0">
+                        <a:rPr kumimoji="0" lang="en-GB" sz="1400" b="0" i="0" u="none" strike="noStrike" kern="1200" cap="none" spc="0" normalizeH="0" baseline="0" noProof="0" dirty="0">
                           <a:ln>
                             <a:noFill/>
                           </a:ln>
@@ -7045,11 +7314,11 @@
                           <a:effectLst/>
                           <a:uLnTx/>
                           <a:uFillTx/>
-                          <a:latin typeface="Calibri"/>
+                          <a:latin typeface="+mn-lt"/>
                           <a:ea typeface="+mn-ea"/>
                           <a:cs typeface="+mn-cs"/>
                         </a:rPr>
-                        <a:t>Portfolio Dev</a:t>
+                        <a:t>Peer Review</a:t>
                       </a:r>
                       <a:endParaRPr kumimoji="0" lang="en-GB" sz="1400" b="0" i="0" u="none" strike="noStrike" kern="1200" cap="none" spc="0" normalizeH="0" baseline="0" noProof="0" dirty="0">
                         <a:ln>
@@ -7099,7 +7368,7 @@
                         <a:defRPr/>
                       </a:pPr>
                       <a:r>
-                        <a:rPr kumimoji="0" lang="en-GB" sz="1400" b="0" i="0" u="none" strike="noStrike" kern="1200" cap="none" spc="0" normalizeH="0" baseline="0" noProof="0">
+                        <a:rPr kumimoji="0" lang="en-GB" sz="1400" b="0" i="0" u="none" strike="noStrike" kern="1200" cap="none" spc="0" normalizeH="0" baseline="0" noProof="0" dirty="0">
                           <a:ln>
                             <a:noFill/>
                           </a:ln>
@@ -7115,20 +7384,6 @@
                         </a:rPr>
                         <a:t>Portfolio Dev</a:t>
                       </a:r>
-                      <a:endParaRPr kumimoji="0" lang="en-GB" sz="1400" b="0" i="0" u="none" strike="noStrike" kern="1200" cap="none" spc="0" normalizeH="0" baseline="0" noProof="0" dirty="0">
-                        <a:ln>
-                          <a:noFill/>
-                        </a:ln>
-                        <a:solidFill>
-                          <a:prstClr val="black"/>
-                        </a:solidFill>
-                        <a:effectLst/>
-                        <a:uLnTx/>
-                        <a:uFillTx/>
-                        <a:latin typeface="Calibri"/>
-                        <a:ea typeface="+mn-ea"/>
-                        <a:cs typeface="+mn-cs"/>
-                      </a:endParaRPr>
                     </a:p>
                   </a:txBody>
                   <a:tcPr anchor="ctr">

--- a/COMP260/01/2019-20-COMP260-01-lecture.pptx
+++ b/COMP260/01/2019-20-COMP260-01-lecture.pptx
@@ -5,17 +5,33 @@
     <p:sldMasterId id="2147483648" r:id="rId1"/>
   </p:sldMasterIdLst>
   <p:notesMasterIdLst>
-    <p:notesMasterId r:id="rId7"/>
+    <p:notesMasterId r:id="rId23"/>
   </p:notesMasterIdLst>
   <p:handoutMasterIdLst>
-    <p:handoutMasterId r:id="rId8"/>
+    <p:handoutMasterId r:id="rId24"/>
   </p:handoutMasterIdLst>
   <p:sldIdLst>
     <p:sldId id="257" r:id="rId2"/>
-    <p:sldId id="416" r:id="rId3"/>
-    <p:sldId id="423" r:id="rId4"/>
-    <p:sldId id="332" r:id="rId5"/>
-    <p:sldId id="409" r:id="rId6"/>
+    <p:sldId id="258" r:id="rId3"/>
+    <p:sldId id="333" r:id="rId4"/>
+    <p:sldId id="334" r:id="rId5"/>
+    <p:sldId id="332" r:id="rId6"/>
+    <p:sldId id="416" r:id="rId7"/>
+    <p:sldId id="417" r:id="rId8"/>
+    <p:sldId id="418" r:id="rId9"/>
+    <p:sldId id="419" r:id="rId10"/>
+    <p:sldId id="420" r:id="rId11"/>
+    <p:sldId id="421" r:id="rId12"/>
+    <p:sldId id="422" r:id="rId13"/>
+    <p:sldId id="423" r:id="rId14"/>
+    <p:sldId id="424" r:id="rId15"/>
+    <p:sldId id="425" r:id="rId16"/>
+    <p:sldId id="639" r:id="rId17"/>
+    <p:sldId id="641" r:id="rId18"/>
+    <p:sldId id="642" r:id="rId19"/>
+    <p:sldId id="643" r:id="rId20"/>
+    <p:sldId id="409" r:id="rId21"/>
+    <p:sldId id="644" r:id="rId22"/>
   </p:sldIdLst>
   <p:sldSz cx="9144000" cy="6858000" type="screen4x3"/>
   <p:notesSz cx="7315200" cy="9601200"/>
@@ -954,7 +970,7 @@
             <a:fld id="{134C908B-E4CF-4B88-8994-49C91B4DAC10}" type="datetimeFigureOut">
               <a:rPr lang="en-US" smtClean="0"/>
               <a:pPr/>
-              <a:t>1/24/20</a:t>
+              <a:t>1/25/20</a:t>
             </a:fld>
             <a:endParaRPr lang="en-US"/>
           </a:p>
@@ -1116,7 +1132,7 @@
             <a:fld id="{FCD4ED34-E2A7-4A73-B53B-08CB721EE63F}" type="datetimeFigureOut">
               <a:rPr lang="en-US" smtClean="0"/>
               <a:pPr/>
-              <a:t>1/24/20</a:t>
+              <a:t>1/25/20</a:t>
             </a:fld>
             <a:endParaRPr lang="en-GB"/>
           </a:p>
@@ -1579,7 +1595,7 @@
             <a:fld id="{24C0EDFE-3590-4448-BF7B-7FB41E82085F}" type="datetimeFigureOut">
               <a:rPr lang="en-US" smtClean="0"/>
               <a:pPr/>
-              <a:t>1/24/20</a:t>
+              <a:t>1/25/20</a:t>
             </a:fld>
             <a:endParaRPr lang="en-US" dirty="0"/>
           </a:p>
@@ -1768,7 +1784,7 @@
             <a:fld id="{24C0EDFE-3590-4448-BF7B-7FB41E82085F}" type="datetimeFigureOut">
               <a:rPr lang="en-US" smtClean="0"/>
               <a:pPr/>
-              <a:t>1/24/20</a:t>
+              <a:t>1/25/20</a:t>
             </a:fld>
             <a:endParaRPr lang="en-US" dirty="0"/>
           </a:p>
@@ -1946,7 +1962,7 @@
             <a:fld id="{24C0EDFE-3590-4448-BF7B-7FB41E82085F}" type="datetimeFigureOut">
               <a:rPr lang="en-US" smtClean="0"/>
               <a:pPr/>
-              <a:t>1/24/20</a:t>
+              <a:t>1/25/20</a:t>
             </a:fld>
             <a:endParaRPr lang="en-US" dirty="0"/>
           </a:p>
@@ -1996,6 +2012,154 @@
         </p:txBody>
       </p:sp>
     </p:spTree>
+  </p:cSld>
+  <p:clrMapOvr>
+    <a:masterClrMapping/>
+  </p:clrMapOvr>
+</p:sldLayout>
+</file>
+
+<file path=ppt/slideLayouts/slideLayout12.xml><?xml version="1.0" encoding="utf-8"?>
+<p:sldLayout xmlns:a="http://schemas.openxmlformats.org/drawingml/2006/main" xmlns:r="http://schemas.openxmlformats.org/officeDocument/2006/relationships" xmlns:p="http://schemas.openxmlformats.org/presentationml/2006/main" userDrawn="1">
+  <p:cSld name="14_Title and Content">
+    <p:spTree>
+      <p:nvGrpSpPr>
+        <p:cNvPr id="1" name=""/>
+        <p:cNvGrpSpPr/>
+        <p:nvPr/>
+      </p:nvGrpSpPr>
+      <p:grpSpPr>
+        <a:xfrm>
+          <a:off x="0" y="0"/>
+          <a:ext cx="0" cy="0"/>
+          <a:chOff x="0" y="0"/>
+          <a:chExt cx="0" cy="0"/>
+        </a:xfrm>
+      </p:grpSpPr>
+      <p:sp>
+        <p:nvSpPr>
+          <p:cNvPr id="3" name="Content Placeholder 2"/>
+          <p:cNvSpPr>
+            <a:spLocks noGrp="1"/>
+          </p:cNvSpPr>
+          <p:nvPr>
+            <p:ph idx="1"/>
+          </p:nvPr>
+        </p:nvSpPr>
+        <p:spPr/>
+        <p:txBody>
+          <a:bodyPr/>
+          <a:lstStyle/>
+          <a:p>
+            <a:pPr lvl="0"/>
+            <a:r>
+              <a:rPr lang="en-US" dirty="0"/>
+              <a:t>Click to edit Master text styles</a:t>
+            </a:r>
+          </a:p>
+          <a:p>
+            <a:pPr lvl="1"/>
+            <a:r>
+              <a:rPr lang="en-US" dirty="0"/>
+              <a:t>Second level</a:t>
+            </a:r>
+          </a:p>
+          <a:p>
+            <a:pPr lvl="2"/>
+            <a:r>
+              <a:rPr lang="en-US" dirty="0"/>
+              <a:t>Third level</a:t>
+            </a:r>
+          </a:p>
+          <a:p>
+            <a:pPr lvl="3"/>
+            <a:r>
+              <a:rPr lang="en-US" dirty="0"/>
+              <a:t>Fourth level</a:t>
+            </a:r>
+          </a:p>
+          <a:p>
+            <a:pPr lvl="4"/>
+            <a:r>
+              <a:rPr lang="en-US" dirty="0"/>
+              <a:t>Fifth level</a:t>
+            </a:r>
+          </a:p>
+        </p:txBody>
+      </p:sp>
+      <p:sp>
+        <p:nvSpPr>
+          <p:cNvPr id="4" name="Date Placeholder 3"/>
+          <p:cNvSpPr>
+            <a:spLocks noGrp="1"/>
+          </p:cNvSpPr>
+          <p:nvPr>
+            <p:ph type="dt" sz="half" idx="10"/>
+          </p:nvPr>
+        </p:nvSpPr>
+        <p:spPr/>
+        <p:txBody>
+          <a:bodyPr/>
+          <a:lstStyle/>
+          <a:p>
+            <a:fld id="{24C0EDFE-3590-4448-BF7B-7FB41E82085F}" type="datetimeFigureOut">
+              <a:rPr lang="en-US" smtClean="0"/>
+              <a:pPr/>
+              <a:t>1/25/20</a:t>
+            </a:fld>
+            <a:endParaRPr lang="en-US" dirty="0"/>
+          </a:p>
+        </p:txBody>
+      </p:sp>
+      <p:sp>
+        <p:nvSpPr>
+          <p:cNvPr id="5" name="Footer Placeholder 4"/>
+          <p:cNvSpPr>
+            <a:spLocks noGrp="1"/>
+          </p:cNvSpPr>
+          <p:nvPr>
+            <p:ph type="ftr" sz="quarter" idx="11"/>
+          </p:nvPr>
+        </p:nvSpPr>
+        <p:spPr/>
+        <p:txBody>
+          <a:bodyPr/>
+          <a:lstStyle/>
+          <a:p>
+            <a:endParaRPr lang="en-US" dirty="0"/>
+          </a:p>
+        </p:txBody>
+      </p:sp>
+      <p:sp>
+        <p:nvSpPr>
+          <p:cNvPr id="6" name="Slide Number Placeholder 5"/>
+          <p:cNvSpPr>
+            <a:spLocks noGrp="1"/>
+          </p:cNvSpPr>
+          <p:nvPr>
+            <p:ph type="sldNum" sz="quarter" idx="12"/>
+          </p:nvPr>
+        </p:nvSpPr>
+        <p:spPr/>
+        <p:txBody>
+          <a:bodyPr/>
+          <a:lstStyle/>
+          <a:p>
+            <a:fld id="{FE1D0B7D-7BE0-4891-9E11-545C87EA395C}" type="slidenum">
+              <a:rPr lang="en-US" smtClean="0"/>
+              <a:pPr/>
+              <a:t>‹#›</a:t>
+            </a:fld>
+            <a:endParaRPr lang="en-US" dirty="0"/>
+          </a:p>
+        </p:txBody>
+      </p:sp>
+    </p:spTree>
+    <p:extLst>
+      <p:ext uri="{BB962C8B-B14F-4D97-AF65-F5344CB8AC3E}">
+        <p14:creationId xmlns:p14="http://schemas.microsoft.com/office/powerpoint/2010/main" val="4250502983"/>
+      </p:ext>
+    </p:extLst>
   </p:cSld>
   <p:clrMapOvr>
     <a:masterClrMapping/>
@@ -2195,7 +2359,7 @@
             <a:fld id="{24C0EDFE-3590-4448-BF7B-7FB41E82085F}" type="datetimeFigureOut">
               <a:rPr lang="en-US" smtClean="0"/>
               <a:pPr/>
-              <a:t>1/24/20</a:t>
+              <a:t>1/25/20</a:t>
             </a:fld>
             <a:endParaRPr lang="en-US" dirty="0"/>
           </a:p>
@@ -2517,7 +2681,7 @@
             <a:fld id="{24C0EDFE-3590-4448-BF7B-7FB41E82085F}" type="datetimeFigureOut">
               <a:rPr lang="en-US" smtClean="0"/>
               <a:pPr/>
-              <a:t>1/24/20</a:t>
+              <a:t>1/25/20</a:t>
             </a:fld>
             <a:endParaRPr lang="en-US" dirty="0"/>
           </a:p>
@@ -2823,7 +2987,7 @@
             <a:fld id="{24C0EDFE-3590-4448-BF7B-7FB41E82085F}" type="datetimeFigureOut">
               <a:rPr lang="en-US" smtClean="0"/>
               <a:pPr/>
-              <a:t>1/24/20</a:t>
+              <a:t>1/25/20</a:t>
             </a:fld>
             <a:endParaRPr lang="en-US" dirty="0"/>
           </a:p>
@@ -3247,7 +3411,7 @@
             <a:fld id="{24C0EDFE-3590-4448-BF7B-7FB41E82085F}" type="datetimeFigureOut">
               <a:rPr lang="en-US" smtClean="0"/>
               <a:pPr/>
-              <a:t>1/24/20</a:t>
+              <a:t>1/25/20</a:t>
             </a:fld>
             <a:endParaRPr lang="en-US" dirty="0"/>
           </a:p>
@@ -3369,7 +3533,7 @@
             <a:fld id="{24C0EDFE-3590-4448-BF7B-7FB41E82085F}" type="datetimeFigureOut">
               <a:rPr lang="en-US" smtClean="0"/>
               <a:pPr/>
-              <a:t>1/24/20</a:t>
+              <a:t>1/25/20</a:t>
             </a:fld>
             <a:endParaRPr lang="en-US" dirty="0"/>
           </a:p>
@@ -3461,7 +3625,7 @@
             <a:fld id="{24C0EDFE-3590-4448-BF7B-7FB41E82085F}" type="datetimeFigureOut">
               <a:rPr lang="en-US" smtClean="0"/>
               <a:pPr/>
-              <a:t>1/24/20</a:t>
+              <a:t>1/25/20</a:t>
             </a:fld>
             <a:endParaRPr lang="en-US" dirty="0"/>
           </a:p>
@@ -3736,7 +3900,7 @@
             <a:fld id="{24C0EDFE-3590-4448-BF7B-7FB41E82085F}" type="datetimeFigureOut">
               <a:rPr lang="en-US" smtClean="0"/>
               <a:pPr/>
-              <a:t>1/24/20</a:t>
+              <a:t>1/25/20</a:t>
             </a:fld>
             <a:endParaRPr lang="en-US" dirty="0"/>
           </a:p>
@@ -3988,7 +4152,7 @@
             <a:fld id="{24C0EDFE-3590-4448-BF7B-7FB41E82085F}" type="datetimeFigureOut">
               <a:rPr lang="en-US" smtClean="0"/>
               <a:pPr/>
-              <a:t>1/24/20</a:t>
+              <a:t>1/25/20</a:t>
             </a:fld>
             <a:endParaRPr lang="en-US" dirty="0"/>
           </a:p>
@@ -4165,7 +4329,7 @@
             <a:fld id="{24C0EDFE-3590-4448-BF7B-7FB41E82085F}" type="datetimeFigureOut">
               <a:rPr lang="en-US" smtClean="0"/>
               <a:pPr/>
-              <a:t>1/24/20</a:t>
+              <a:t>1/25/20</a:t>
             </a:fld>
             <a:endParaRPr lang="en-US" dirty="0"/>
           </a:p>
@@ -4269,7 +4433,7 @@
             <p:nvPr userDrawn="1"/>
           </p:nvPicPr>
           <p:blipFill>
-            <a:blip r:embed="rId13" cstate="print"/>
+            <a:blip r:embed="rId14" cstate="print"/>
             <a:srcRect/>
             <a:stretch>
               <a:fillRect/>
@@ -4295,7 +4459,7 @@
             <p:nvPr userDrawn="1"/>
           </p:nvPicPr>
           <p:blipFill>
-            <a:blip r:embed="rId14" cstate="print"/>
+            <a:blip r:embed="rId15" cstate="print"/>
             <a:srcRect/>
             <a:stretch>
               <a:fillRect/>
@@ -4328,6 +4492,7 @@
     <p:sldLayoutId id="2147483657" r:id="rId9"/>
     <p:sldLayoutId id="2147483658" r:id="rId10"/>
     <p:sldLayoutId id="2147483659" r:id="rId11"/>
+    <p:sldLayoutId id="2147483660" r:id="rId12"/>
   </p:sldLayoutIdLst>
   <p:txStyles>
     <p:titleStyle>
@@ -4833,7 +4998,7 @@
 </p:sld>
 </file>
 
-<file path=ppt/slides/slide2.xml><?xml version="1.0" encoding="utf-8"?>
+<file path=ppt/slides/slide10.xml><?xml version="1.0" encoding="utf-8"?>
 <p:sld xmlns:a="http://schemas.openxmlformats.org/drawingml/2006/main" xmlns:r="http://schemas.openxmlformats.org/officeDocument/2006/relationships" xmlns:p="http://schemas.openxmlformats.org/presentationml/2006/main">
   <p:cSld>
     <p:spTree>
@@ -4874,15 +5039,62 @@
           <a:p>
             <a:r>
               <a:rPr lang="en-GB" dirty="0"/>
-              <a:t>Introduction to the module</a:t>
-            </a:r>
+              <a:t>Introduction to socket-based programming</a:t>
+            </a:r>
+          </a:p>
+          <a:p>
+            <a:endParaRPr lang="en-GB" dirty="0"/>
           </a:p>
           <a:p>
             <a:pPr lvl="1"/>
             <a:r>
               <a:rPr lang="en-GB" dirty="0"/>
-              <a:t>Assignment 1: Computing Artefact</a:t>
-            </a:r>
+              <a:t>In COMP280, we looked at HTTP as a network protocol</a:t>
+            </a:r>
+          </a:p>
+          <a:p>
+            <a:pPr lvl="2"/>
+            <a:r>
+              <a:rPr lang="en-GB" dirty="0"/>
+              <a:t>HTTP is part of the internetworking protocol (IP) stack</a:t>
+            </a:r>
+          </a:p>
+          <a:p>
+            <a:pPr lvl="3"/>
+            <a:r>
+              <a:rPr lang="en-GB" dirty="0"/>
+              <a:t>Along with all the other ‘TP’ services we use (FTP, SMTP etc)</a:t>
+            </a:r>
+          </a:p>
+          <a:p>
+            <a:pPr lvl="2"/>
+            <a:endParaRPr lang="en-GB" dirty="0"/>
+          </a:p>
+          <a:p>
+            <a:pPr lvl="2"/>
+            <a:r>
+              <a:rPr lang="en-GB" dirty="0"/>
+              <a:t>The underlying networking stack for IP defines end-to-end communications over connected networks (inter networking)</a:t>
+            </a:r>
+          </a:p>
+          <a:p>
+            <a:pPr lvl="3"/>
+            <a:r>
+              <a:rPr lang="en-GB" dirty="0"/>
+              <a:t>This comes from the US Dept. of Defence cold-war research for nuclear-proof networking</a:t>
+            </a:r>
+          </a:p>
+          <a:p>
+            <a:endParaRPr lang="en-GB" dirty="0"/>
+          </a:p>
+          <a:p>
+            <a:endParaRPr lang="en-GB" dirty="0"/>
+          </a:p>
+          <a:p>
+            <a:endParaRPr lang="en-GB" dirty="0"/>
+          </a:p>
+          <a:p>
+            <a:endParaRPr lang="en-GB" dirty="0"/>
           </a:p>
           <a:p>
             <a:pPr lvl="3"/>
@@ -4893,7 +5105,3202 @@
     </p:spTree>
     <p:extLst>
       <p:ext uri="{BB962C8B-B14F-4D97-AF65-F5344CB8AC3E}">
-        <p14:creationId xmlns:p14="http://schemas.microsoft.com/office/powerpoint/2010/main" val="3342109219"/>
+        <p14:creationId xmlns:p14="http://schemas.microsoft.com/office/powerpoint/2010/main" val="488656844"/>
+      </p:ext>
+    </p:extLst>
+  </p:cSld>
+  <p:clrMapOvr>
+    <a:masterClrMapping/>
+  </p:clrMapOvr>
+</p:sld>
+</file>
+
+<file path=ppt/slides/slide11.xml><?xml version="1.0" encoding="utf-8"?>
+<p:sld xmlns:a="http://schemas.openxmlformats.org/drawingml/2006/main" xmlns:r="http://schemas.openxmlformats.org/officeDocument/2006/relationships" xmlns:p="http://schemas.openxmlformats.org/presentationml/2006/main">
+  <p:cSld>
+    <p:spTree>
+      <p:nvGrpSpPr>
+        <p:cNvPr id="1" name=""/>
+        <p:cNvGrpSpPr/>
+        <p:nvPr/>
+      </p:nvGrpSpPr>
+      <p:grpSpPr>
+        <a:xfrm>
+          <a:off x="0" y="0"/>
+          <a:ext cx="0" cy="0"/>
+          <a:chOff x="0" y="0"/>
+          <a:chExt cx="0" cy="0"/>
+        </a:xfrm>
+      </p:grpSpPr>
+      <p:sp>
+        <p:nvSpPr>
+          <p:cNvPr id="3" name="Content Placeholder 2"/>
+          <p:cNvSpPr>
+            <a:spLocks noGrp="1"/>
+          </p:cNvSpPr>
+          <p:nvPr>
+            <p:ph idx="1"/>
+          </p:nvPr>
+        </p:nvSpPr>
+        <p:spPr>
+          <a:xfrm>
+            <a:off x="457200" y="548680"/>
+            <a:ext cx="8229600" cy="6192688"/>
+          </a:xfrm>
+        </p:spPr>
+        <p:txBody>
+          <a:bodyPr>
+            <a:normAutofit/>
+          </a:bodyPr>
+          <a:lstStyle/>
+          <a:p>
+            <a:r>
+              <a:rPr lang="en-GB" dirty="0"/>
+              <a:t>Introduction to socket-based programming</a:t>
+            </a:r>
+          </a:p>
+          <a:p>
+            <a:pPr lvl="1"/>
+            <a:r>
+              <a:rPr lang="en-GB" dirty="0"/>
+              <a:t>IP Stack</a:t>
+            </a:r>
+          </a:p>
+          <a:p>
+            <a:endParaRPr lang="en-GB" dirty="0"/>
+          </a:p>
+          <a:p>
+            <a:endParaRPr lang="en-GB" dirty="0"/>
+          </a:p>
+          <a:p>
+            <a:endParaRPr lang="en-GB" dirty="0"/>
+          </a:p>
+          <a:p>
+            <a:endParaRPr lang="en-GB" dirty="0"/>
+          </a:p>
+          <a:p>
+            <a:pPr lvl="3"/>
+            <a:endParaRPr lang="en-GB" dirty="0"/>
+          </a:p>
+        </p:txBody>
+      </p:sp>
+      <p:grpSp>
+        <p:nvGrpSpPr>
+          <p:cNvPr id="4" name="Group 3">
+            <a:extLst>
+              <a:ext uri="{FF2B5EF4-FFF2-40B4-BE49-F238E27FC236}">
+                <a16:creationId xmlns:a16="http://schemas.microsoft.com/office/drawing/2014/main" id="{22363C65-4AEC-7A42-A04A-A61942105E18}"/>
+              </a:ext>
+            </a:extLst>
+          </p:cNvPr>
+          <p:cNvGrpSpPr/>
+          <p:nvPr/>
+        </p:nvGrpSpPr>
+        <p:grpSpPr>
+          <a:xfrm>
+            <a:off x="395536" y="1844824"/>
+            <a:ext cx="8280920" cy="3381375"/>
+            <a:chOff x="323528" y="1772816"/>
+            <a:chExt cx="8280920" cy="3381375"/>
+          </a:xfrm>
+        </p:grpSpPr>
+        <p:pic>
+          <p:nvPicPr>
+            <p:cNvPr id="5" name="Picture 4">
+              <a:extLst>
+                <a:ext uri="{FF2B5EF4-FFF2-40B4-BE49-F238E27FC236}">
+                  <a16:creationId xmlns:a16="http://schemas.microsoft.com/office/drawing/2014/main" id="{069D4064-338E-3644-8376-A14DC5B9BE8A}"/>
+                </a:ext>
+              </a:extLst>
+            </p:cNvPr>
+            <p:cNvPicPr/>
+            <p:nvPr/>
+          </p:nvPicPr>
+          <p:blipFill>
+            <a:blip r:embed="rId2" cstate="print"/>
+            <a:srcRect/>
+            <a:stretch>
+              <a:fillRect/>
+            </a:stretch>
+          </p:blipFill>
+          <p:spPr bwMode="auto">
+            <a:xfrm>
+              <a:off x="323528" y="1772816"/>
+              <a:ext cx="4666615" cy="3381375"/>
+            </a:xfrm>
+            <a:prstGeom prst="rect">
+              <a:avLst/>
+            </a:prstGeom>
+            <a:noFill/>
+            <a:ln w="9525">
+              <a:noFill/>
+              <a:miter lim="800000"/>
+              <a:headEnd/>
+              <a:tailEnd/>
+            </a:ln>
+          </p:spPr>
+        </p:pic>
+        <p:sp>
+          <p:nvSpPr>
+            <p:cNvPr id="6" name="TextBox 5">
+              <a:extLst>
+                <a:ext uri="{FF2B5EF4-FFF2-40B4-BE49-F238E27FC236}">
+                  <a16:creationId xmlns:a16="http://schemas.microsoft.com/office/drawing/2014/main" id="{798611BE-A4E7-3041-8F1D-966660FBEE4B}"/>
+                </a:ext>
+              </a:extLst>
+            </p:cNvPr>
+            <p:cNvSpPr txBox="1"/>
+            <p:nvPr/>
+          </p:nvSpPr>
+          <p:spPr>
+            <a:xfrm>
+              <a:off x="5292080" y="1772816"/>
+              <a:ext cx="3312368" cy="1754326"/>
+            </a:xfrm>
+            <a:prstGeom prst="rect">
+              <a:avLst/>
+            </a:prstGeom>
+            <a:noFill/>
+            <a:ln>
+              <a:solidFill>
+                <a:schemeClr val="bg1"/>
+              </a:solidFill>
+            </a:ln>
+          </p:spPr>
+          <p:txBody>
+            <a:bodyPr wrap="square" rtlCol="0">
+              <a:spAutoFit/>
+            </a:bodyPr>
+            <a:lstStyle/>
+            <a:p>
+              <a:r>
+                <a:rPr lang="en-GB" dirty="0">
+                  <a:solidFill>
+                    <a:schemeClr val="bg1"/>
+                  </a:solidFill>
+                </a:rPr>
+                <a:t>From a software developer’s perspective, an application using the IP to communicate works across platforms (they don’t have to think about the underlying stack)</a:t>
+              </a:r>
+            </a:p>
+          </p:txBody>
+        </p:sp>
+      </p:grpSp>
+    </p:spTree>
+    <p:extLst>
+      <p:ext uri="{BB962C8B-B14F-4D97-AF65-F5344CB8AC3E}">
+        <p14:creationId xmlns:p14="http://schemas.microsoft.com/office/powerpoint/2010/main" val="1159600402"/>
+      </p:ext>
+    </p:extLst>
+  </p:cSld>
+  <p:clrMapOvr>
+    <a:masterClrMapping/>
+  </p:clrMapOvr>
+</p:sld>
+</file>
+
+<file path=ppt/slides/slide12.xml><?xml version="1.0" encoding="utf-8"?>
+<p:sld xmlns:a="http://schemas.openxmlformats.org/drawingml/2006/main" xmlns:r="http://schemas.openxmlformats.org/officeDocument/2006/relationships" xmlns:p="http://schemas.openxmlformats.org/presentationml/2006/main">
+  <p:cSld>
+    <p:spTree>
+      <p:nvGrpSpPr>
+        <p:cNvPr id="1" name=""/>
+        <p:cNvGrpSpPr/>
+        <p:nvPr/>
+      </p:nvGrpSpPr>
+      <p:grpSpPr>
+        <a:xfrm>
+          <a:off x="0" y="0"/>
+          <a:ext cx="0" cy="0"/>
+          <a:chOff x="0" y="0"/>
+          <a:chExt cx="0" cy="0"/>
+        </a:xfrm>
+      </p:grpSpPr>
+      <p:sp>
+        <p:nvSpPr>
+          <p:cNvPr id="3" name="Content Placeholder 2"/>
+          <p:cNvSpPr>
+            <a:spLocks noGrp="1"/>
+          </p:cNvSpPr>
+          <p:nvPr>
+            <p:ph idx="1"/>
+          </p:nvPr>
+        </p:nvSpPr>
+        <p:spPr>
+          <a:xfrm>
+            <a:off x="457200" y="548680"/>
+            <a:ext cx="8229600" cy="6192688"/>
+          </a:xfrm>
+        </p:spPr>
+        <p:txBody>
+          <a:bodyPr>
+            <a:normAutofit lnSpcReduction="10000"/>
+          </a:bodyPr>
+          <a:lstStyle/>
+          <a:p>
+            <a:r>
+              <a:rPr lang="en-GB" dirty="0"/>
+              <a:t>Introduction to socket-based programming</a:t>
+            </a:r>
+          </a:p>
+          <a:p>
+            <a:pPr lvl="1"/>
+            <a:r>
+              <a:rPr lang="en-GB" dirty="0"/>
+              <a:t>IP Stack</a:t>
+            </a:r>
+          </a:p>
+          <a:p>
+            <a:pPr lvl="2"/>
+            <a:r>
+              <a:rPr lang="en-GB" dirty="0"/>
+              <a:t>Two flavours of IP stack we are interested in for games:</a:t>
+            </a:r>
+          </a:p>
+          <a:p>
+            <a:pPr lvl="3"/>
+            <a:endParaRPr lang="en-GB" dirty="0"/>
+          </a:p>
+          <a:p>
+            <a:pPr lvl="2"/>
+            <a:r>
+              <a:rPr lang="en-GB" dirty="0"/>
+              <a:t>TCP/IP</a:t>
+            </a:r>
+          </a:p>
+          <a:p>
+            <a:pPr lvl="3"/>
+            <a:r>
+              <a:rPr lang="en-GB" dirty="0"/>
+              <a:t>Guaranteed delivery &amp; guaranteed order of deliver</a:t>
+            </a:r>
+          </a:p>
+          <a:p>
+            <a:pPr lvl="3"/>
+            <a:r>
+              <a:rPr lang="en-GB" dirty="0"/>
+              <a:t>‘slow n steady’</a:t>
+            </a:r>
+          </a:p>
+          <a:p>
+            <a:pPr lvl="2"/>
+            <a:endParaRPr lang="en-GB" dirty="0"/>
+          </a:p>
+          <a:p>
+            <a:pPr lvl="2"/>
+            <a:r>
+              <a:rPr lang="en-GB" dirty="0"/>
+              <a:t>Datagram/IP</a:t>
+            </a:r>
+          </a:p>
+          <a:p>
+            <a:pPr lvl="3"/>
+            <a:r>
+              <a:rPr lang="en-GB" dirty="0"/>
+              <a:t>Nothing is guaranteed</a:t>
+            </a:r>
+          </a:p>
+          <a:p>
+            <a:pPr lvl="3"/>
+            <a:r>
+              <a:rPr lang="en-GB" dirty="0"/>
+              <a:t>‘fast n loose’</a:t>
+            </a:r>
+          </a:p>
+          <a:p>
+            <a:pPr lvl="3"/>
+            <a:endParaRPr lang="en-GB" dirty="0"/>
+          </a:p>
+          <a:p>
+            <a:pPr lvl="2"/>
+            <a:r>
+              <a:rPr lang="en-GB" dirty="0"/>
+              <a:t>Early network games (Quake et al) used datagrams as it allowed the most data to be sent and had no stalling (through retries)</a:t>
+            </a:r>
+          </a:p>
+          <a:p>
+            <a:pPr lvl="3"/>
+            <a:r>
+              <a:rPr lang="en-GB" dirty="0"/>
+              <a:t>Far more common to use TCP/IP nowadays</a:t>
+            </a:r>
+          </a:p>
+          <a:p>
+            <a:endParaRPr lang="en-GB" dirty="0"/>
+          </a:p>
+          <a:p>
+            <a:endParaRPr lang="en-GB" dirty="0"/>
+          </a:p>
+          <a:p>
+            <a:endParaRPr lang="en-GB" dirty="0"/>
+          </a:p>
+          <a:p>
+            <a:endParaRPr lang="en-GB" dirty="0"/>
+          </a:p>
+          <a:p>
+            <a:pPr lvl="3"/>
+            <a:endParaRPr lang="en-GB" dirty="0"/>
+          </a:p>
+        </p:txBody>
+      </p:sp>
+    </p:spTree>
+    <p:extLst>
+      <p:ext uri="{BB962C8B-B14F-4D97-AF65-F5344CB8AC3E}">
+        <p14:creationId xmlns:p14="http://schemas.microsoft.com/office/powerpoint/2010/main" val="2430352077"/>
+      </p:ext>
+    </p:extLst>
+  </p:cSld>
+  <p:clrMapOvr>
+    <a:masterClrMapping/>
+  </p:clrMapOvr>
+</p:sld>
+</file>
+
+<file path=ppt/slides/slide13.xml><?xml version="1.0" encoding="utf-8"?>
+<p:sld xmlns:a="http://schemas.openxmlformats.org/drawingml/2006/main" xmlns:r="http://schemas.openxmlformats.org/officeDocument/2006/relationships" xmlns:p="http://schemas.openxmlformats.org/presentationml/2006/main">
+  <p:cSld>
+    <p:spTree>
+      <p:nvGrpSpPr>
+        <p:cNvPr id="1" name=""/>
+        <p:cNvGrpSpPr/>
+        <p:nvPr/>
+      </p:nvGrpSpPr>
+      <p:grpSpPr>
+        <a:xfrm>
+          <a:off x="0" y="0"/>
+          <a:ext cx="0" cy="0"/>
+          <a:chOff x="0" y="0"/>
+          <a:chExt cx="0" cy="0"/>
+        </a:xfrm>
+      </p:grpSpPr>
+      <p:sp>
+        <p:nvSpPr>
+          <p:cNvPr id="3" name="Content Placeholder 2"/>
+          <p:cNvSpPr>
+            <a:spLocks noGrp="1"/>
+          </p:cNvSpPr>
+          <p:nvPr>
+            <p:ph idx="1"/>
+          </p:nvPr>
+        </p:nvSpPr>
+        <p:spPr>
+          <a:xfrm>
+            <a:off x="457200" y="548680"/>
+            <a:ext cx="8229600" cy="6192688"/>
+          </a:xfrm>
+        </p:spPr>
+        <p:txBody>
+          <a:bodyPr>
+            <a:normAutofit/>
+          </a:bodyPr>
+          <a:lstStyle/>
+          <a:p>
+            <a:r>
+              <a:rPr lang="en-GB" dirty="0"/>
+              <a:t>Introduction to socket-based programming</a:t>
+            </a:r>
+          </a:p>
+          <a:p>
+            <a:pPr lvl="1"/>
+            <a:r>
+              <a:rPr lang="en-GB" dirty="0"/>
+              <a:t>IP Sockets</a:t>
+            </a:r>
+          </a:p>
+          <a:p>
+            <a:pPr lvl="2"/>
+            <a:r>
+              <a:rPr lang="en-GB" dirty="0"/>
+              <a:t>Host-to-host communications are implemented through sockets &amp; socket libraries</a:t>
+            </a:r>
+          </a:p>
+          <a:p>
+            <a:pPr lvl="2"/>
+            <a:r>
+              <a:rPr lang="en-GB" dirty="0"/>
+              <a:t>Platform-independent</a:t>
+            </a:r>
+          </a:p>
+          <a:p>
+            <a:pPr lvl="3"/>
+            <a:r>
+              <a:rPr lang="en-GB" dirty="0"/>
+              <a:t>Sockets define a protocol (messages &amp; data formats) any user of sockets has to implement that protocol</a:t>
+            </a:r>
+          </a:p>
+          <a:p>
+            <a:pPr lvl="3"/>
+            <a:r>
+              <a:rPr lang="en-GB" dirty="0"/>
+              <a:t>System / language interoperability</a:t>
+            </a:r>
+          </a:p>
+          <a:p>
+            <a:pPr lvl="4"/>
+            <a:r>
+              <a:rPr lang="en-GB" dirty="0"/>
+              <a:t>Anything that uses sockets can communicate with anything else that uses sockets</a:t>
+            </a:r>
+          </a:p>
+          <a:p>
+            <a:pPr lvl="2"/>
+            <a:endParaRPr lang="en-GB" dirty="0"/>
+          </a:p>
+          <a:p>
+            <a:endParaRPr lang="en-GB" dirty="0"/>
+          </a:p>
+          <a:p>
+            <a:endParaRPr lang="en-GB" dirty="0"/>
+          </a:p>
+          <a:p>
+            <a:endParaRPr lang="en-GB" dirty="0"/>
+          </a:p>
+          <a:p>
+            <a:endParaRPr lang="en-GB" dirty="0"/>
+          </a:p>
+          <a:p>
+            <a:pPr lvl="3"/>
+            <a:endParaRPr lang="en-GB" dirty="0"/>
+          </a:p>
+        </p:txBody>
+      </p:sp>
+    </p:spTree>
+    <p:extLst>
+      <p:ext uri="{BB962C8B-B14F-4D97-AF65-F5344CB8AC3E}">
+        <p14:creationId xmlns:p14="http://schemas.microsoft.com/office/powerpoint/2010/main" val="1886189267"/>
+      </p:ext>
+    </p:extLst>
+  </p:cSld>
+  <p:clrMapOvr>
+    <a:masterClrMapping/>
+  </p:clrMapOvr>
+</p:sld>
+</file>
+
+<file path=ppt/slides/slide14.xml><?xml version="1.0" encoding="utf-8"?>
+<p:sld xmlns:a="http://schemas.openxmlformats.org/drawingml/2006/main" xmlns:r="http://schemas.openxmlformats.org/officeDocument/2006/relationships" xmlns:p="http://schemas.openxmlformats.org/presentationml/2006/main">
+  <p:cSld>
+    <p:spTree>
+      <p:nvGrpSpPr>
+        <p:cNvPr id="1" name=""/>
+        <p:cNvGrpSpPr/>
+        <p:nvPr/>
+      </p:nvGrpSpPr>
+      <p:grpSpPr>
+        <a:xfrm>
+          <a:off x="0" y="0"/>
+          <a:ext cx="0" cy="0"/>
+          <a:chOff x="0" y="0"/>
+          <a:chExt cx="0" cy="0"/>
+        </a:xfrm>
+      </p:grpSpPr>
+      <p:sp>
+        <p:nvSpPr>
+          <p:cNvPr id="3" name="Content Placeholder 2"/>
+          <p:cNvSpPr>
+            <a:spLocks noGrp="1"/>
+          </p:cNvSpPr>
+          <p:nvPr>
+            <p:ph idx="1"/>
+          </p:nvPr>
+        </p:nvSpPr>
+        <p:spPr>
+          <a:xfrm>
+            <a:off x="457200" y="548680"/>
+            <a:ext cx="8229600" cy="6192688"/>
+          </a:xfrm>
+        </p:spPr>
+        <p:txBody>
+          <a:bodyPr>
+            <a:normAutofit fontScale="92500" lnSpcReduction="20000"/>
+          </a:bodyPr>
+          <a:lstStyle/>
+          <a:p>
+            <a:r>
+              <a:rPr lang="en-GB" dirty="0"/>
+              <a:t>Introduction to socket-based programming</a:t>
+            </a:r>
+          </a:p>
+          <a:p>
+            <a:pPr lvl="1"/>
+            <a:r>
+              <a:rPr lang="en-GB" dirty="0"/>
+              <a:t>Anatomy of socket communications</a:t>
+            </a:r>
+          </a:p>
+          <a:p>
+            <a:pPr lvl="1"/>
+            <a:endParaRPr lang="en-GB" dirty="0"/>
+          </a:p>
+          <a:p>
+            <a:pPr lvl="1"/>
+            <a:endParaRPr lang="en-GB" dirty="0"/>
+          </a:p>
+          <a:p>
+            <a:pPr lvl="1"/>
+            <a:endParaRPr lang="en-GB" dirty="0"/>
+          </a:p>
+          <a:p>
+            <a:pPr lvl="1"/>
+            <a:endParaRPr lang="en-GB" dirty="0"/>
+          </a:p>
+          <a:p>
+            <a:pPr lvl="1"/>
+            <a:endParaRPr lang="en-GB" dirty="0"/>
+          </a:p>
+          <a:p>
+            <a:pPr lvl="1"/>
+            <a:endParaRPr lang="en-GB" dirty="0"/>
+          </a:p>
+          <a:p>
+            <a:pPr lvl="1"/>
+            <a:endParaRPr lang="en-GB" dirty="0"/>
+          </a:p>
+          <a:p>
+            <a:pPr lvl="1"/>
+            <a:endParaRPr lang="en-GB" dirty="0"/>
+          </a:p>
+          <a:p>
+            <a:pPr lvl="1"/>
+            <a:endParaRPr lang="en-GB" dirty="0"/>
+          </a:p>
+          <a:p>
+            <a:pPr lvl="1"/>
+            <a:r>
+              <a:rPr lang="en-GB" dirty="0"/>
+              <a:t>Server and client are roles, rather than bits of h/w</a:t>
+            </a:r>
+          </a:p>
+          <a:p>
+            <a:pPr lvl="2"/>
+            <a:r>
+              <a:rPr lang="en-GB" dirty="0"/>
+              <a:t>Server will serve up data for requests from clients</a:t>
+            </a:r>
+          </a:p>
+          <a:p>
+            <a:pPr lvl="2"/>
+            <a:r>
+              <a:rPr lang="en-GB" dirty="0"/>
+              <a:t>An app can be both a client and a server (to different servers and clients)</a:t>
+            </a:r>
+          </a:p>
+          <a:p>
+            <a:pPr lvl="2"/>
+            <a:endParaRPr lang="en-GB" dirty="0"/>
+          </a:p>
+          <a:p>
+            <a:endParaRPr lang="en-GB" dirty="0"/>
+          </a:p>
+          <a:p>
+            <a:endParaRPr lang="en-GB" dirty="0"/>
+          </a:p>
+          <a:p>
+            <a:endParaRPr lang="en-GB" dirty="0"/>
+          </a:p>
+          <a:p>
+            <a:endParaRPr lang="en-GB" dirty="0"/>
+          </a:p>
+          <a:p>
+            <a:pPr lvl="3"/>
+            <a:endParaRPr lang="en-GB" dirty="0"/>
+          </a:p>
+        </p:txBody>
+      </p:sp>
+      <p:graphicFrame>
+        <p:nvGraphicFramePr>
+          <p:cNvPr id="4" name="Table 3">
+            <a:extLst>
+              <a:ext uri="{FF2B5EF4-FFF2-40B4-BE49-F238E27FC236}">
+                <a16:creationId xmlns:a16="http://schemas.microsoft.com/office/drawing/2014/main" id="{EA7AFD11-01C5-0042-A8DC-089A5F85FCED}"/>
+              </a:ext>
+            </a:extLst>
+          </p:cNvPr>
+          <p:cNvGraphicFramePr>
+            <a:graphicFrameLocks noGrp="1"/>
+          </p:cNvGraphicFramePr>
+          <p:nvPr>
+            <p:extLst>
+              <p:ext uri="{D42A27DB-BD31-4B8C-83A1-F6EECF244321}">
+                <p14:modId xmlns:p14="http://schemas.microsoft.com/office/powerpoint/2010/main" val="66894689"/>
+              </p:ext>
+            </p:extLst>
+          </p:nvPr>
+        </p:nvGraphicFramePr>
+        <p:xfrm>
+          <a:off x="899592" y="1616184"/>
+          <a:ext cx="7296472" cy="3108960"/>
+        </p:xfrm>
+        <a:graphic>
+          <a:graphicData uri="http://schemas.openxmlformats.org/drawingml/2006/table">
+            <a:tbl>
+              <a:tblPr firstRow="1" bandRow="1">
+                <a:tableStyleId>{5C22544A-7EE6-4342-B048-85BDC9FD1C3A}</a:tableStyleId>
+              </a:tblPr>
+              <a:tblGrid>
+                <a:gridCol w="3600400">
+                  <a:extLst>
+                    <a:ext uri="{9D8B030D-6E8A-4147-A177-3AD203B41FA5}">
+                      <a16:colId xmlns:a16="http://schemas.microsoft.com/office/drawing/2014/main" val="2784623751"/>
+                    </a:ext>
+                  </a:extLst>
+                </a:gridCol>
+                <a:gridCol w="3696072">
+                  <a:extLst>
+                    <a:ext uri="{9D8B030D-6E8A-4147-A177-3AD203B41FA5}">
+                      <a16:colId xmlns:a16="http://schemas.microsoft.com/office/drawing/2014/main" val="238899795"/>
+                    </a:ext>
+                  </a:extLst>
+                </a:gridCol>
+              </a:tblGrid>
+              <a:tr h="370840">
+                <a:tc>
+                  <a:txBody>
+                    <a:bodyPr/>
+                    <a:lstStyle/>
+                    <a:p>
+                      <a:pPr algn="ctr"/>
+                      <a:r>
+                        <a:rPr lang="en-GB" sz="2400" dirty="0"/>
+                        <a:t>Server Use Case</a:t>
+                      </a:r>
+                    </a:p>
+                  </a:txBody>
+                  <a:tcPr/>
+                </a:tc>
+                <a:tc>
+                  <a:txBody>
+                    <a:bodyPr/>
+                    <a:lstStyle/>
+                    <a:p>
+                      <a:pPr algn="ctr"/>
+                      <a:r>
+                        <a:rPr lang="en-GB" sz="2400" dirty="0"/>
+                        <a:t>Client Use Case</a:t>
+                      </a:r>
+                    </a:p>
+                  </a:txBody>
+                  <a:tcPr/>
+                </a:tc>
+                <a:extLst>
+                  <a:ext uri="{0D108BD9-81ED-4DB2-BD59-A6C34878D82A}">
+                    <a16:rowId xmlns:a16="http://schemas.microsoft.com/office/drawing/2014/main" val="1689547047"/>
+                  </a:ext>
+                </a:extLst>
+              </a:tr>
+              <a:tr h="370840">
+                <a:tc>
+                  <a:txBody>
+                    <a:bodyPr/>
+                    <a:lstStyle/>
+                    <a:p>
+                      <a:pPr marL="285750" lvl="0" indent="-285750">
+                        <a:buFont typeface="Arial" panose="020B0604020202020204" pitchFamily="34" charset="0"/>
+                        <a:buChar char="•"/>
+                      </a:pPr>
+                      <a:r>
+                        <a:rPr lang="en-GB" sz="2400" dirty="0">
+                          <a:solidFill>
+                            <a:schemeClr val="tx1"/>
+                          </a:solidFill>
+                        </a:rPr>
+                        <a:t>Create a socket</a:t>
+                      </a:r>
+                    </a:p>
+                    <a:p>
+                      <a:pPr marL="285750" lvl="0" indent="-285750">
+                        <a:buFont typeface="Arial" panose="020B0604020202020204" pitchFamily="34" charset="0"/>
+                        <a:buChar char="•"/>
+                      </a:pPr>
+                      <a:r>
+                        <a:rPr lang="en-GB" sz="2400" dirty="0">
+                          <a:solidFill>
+                            <a:schemeClr val="tx1"/>
+                          </a:solidFill>
+                        </a:rPr>
+                        <a:t>Listen for clients</a:t>
+                      </a:r>
+                    </a:p>
+                    <a:p>
+                      <a:pPr marL="285750" lvl="0" indent="-285750">
+                        <a:buFont typeface="Arial" panose="020B0604020202020204" pitchFamily="34" charset="0"/>
+                        <a:buChar char="•"/>
+                      </a:pPr>
+                      <a:r>
+                        <a:rPr lang="en-GB" sz="2400" dirty="0">
+                          <a:solidFill>
+                            <a:schemeClr val="tx1"/>
+                          </a:solidFill>
+                        </a:rPr>
+                        <a:t>Accept new connection(s)</a:t>
+                      </a:r>
+                    </a:p>
+                    <a:p>
+                      <a:pPr marL="285750" lvl="0" indent="-285750">
+                        <a:buFont typeface="Arial" panose="020B0604020202020204" pitchFamily="34" charset="0"/>
+                        <a:buChar char="•"/>
+                      </a:pPr>
+                      <a:r>
+                        <a:rPr lang="en-GB" sz="2400" dirty="0">
+                          <a:solidFill>
+                            <a:schemeClr val="tx1"/>
+                          </a:solidFill>
+                        </a:rPr>
+                        <a:t>Receive and send data</a:t>
+                      </a:r>
+                    </a:p>
+                    <a:p>
+                      <a:pPr marL="285750" lvl="0" indent="-285750">
+                        <a:buFont typeface="Arial" panose="020B0604020202020204" pitchFamily="34" charset="0"/>
+                        <a:buChar char="•"/>
+                      </a:pPr>
+                      <a:r>
+                        <a:rPr lang="en-GB" sz="2400" dirty="0">
+                          <a:solidFill>
+                            <a:schemeClr val="tx1"/>
+                          </a:solidFill>
+                        </a:rPr>
+                        <a:t>Close connections</a:t>
+                      </a:r>
+                    </a:p>
+                    <a:p>
+                      <a:endParaRPr lang="en-GB" sz="2400" dirty="0">
+                        <a:solidFill>
+                          <a:schemeClr val="tx1"/>
+                        </a:solidFill>
+                      </a:endParaRPr>
+                    </a:p>
+                  </a:txBody>
+                  <a:tcPr/>
+                </a:tc>
+                <a:tc>
+                  <a:txBody>
+                    <a:bodyPr/>
+                    <a:lstStyle/>
+                    <a:p>
+                      <a:pPr marL="285750" lvl="0" indent="-285750">
+                        <a:buFont typeface="Arial" panose="020B0604020202020204" pitchFamily="34" charset="0"/>
+                        <a:buChar char="•"/>
+                      </a:pPr>
+                      <a:r>
+                        <a:rPr lang="en-GB" sz="2400" dirty="0">
+                          <a:solidFill>
+                            <a:schemeClr val="tx1"/>
+                          </a:solidFill>
+                        </a:rPr>
+                        <a:t>Create a socket</a:t>
+                      </a:r>
+                    </a:p>
+                    <a:p>
+                      <a:pPr marL="285750" lvl="0" indent="-285750">
+                        <a:buFont typeface="Arial" panose="020B0604020202020204" pitchFamily="34" charset="0"/>
+                        <a:buChar char="•"/>
+                      </a:pPr>
+                      <a:r>
+                        <a:rPr lang="en-GB" sz="2400" dirty="0">
+                          <a:solidFill>
+                            <a:schemeClr val="tx1"/>
+                          </a:solidFill>
+                        </a:rPr>
+                        <a:t>Connect to server</a:t>
+                      </a:r>
+                    </a:p>
+                    <a:p>
+                      <a:pPr marL="285750" lvl="0" indent="-285750">
+                        <a:buFont typeface="Arial" panose="020B0604020202020204" pitchFamily="34" charset="0"/>
+                        <a:buChar char="•"/>
+                      </a:pPr>
+                      <a:r>
+                        <a:rPr lang="en-GB" sz="2400" dirty="0">
+                          <a:solidFill>
+                            <a:schemeClr val="tx1"/>
+                          </a:solidFill>
+                        </a:rPr>
+                        <a:t>Receive and send data</a:t>
+                      </a:r>
+                    </a:p>
+                    <a:p>
+                      <a:pPr marL="285750" lvl="0" indent="-285750">
+                        <a:buFont typeface="Arial" panose="020B0604020202020204" pitchFamily="34" charset="0"/>
+                        <a:buChar char="•"/>
+                      </a:pPr>
+                      <a:r>
+                        <a:rPr lang="en-GB" sz="2400" dirty="0">
+                          <a:solidFill>
+                            <a:schemeClr val="tx1"/>
+                          </a:solidFill>
+                        </a:rPr>
+                        <a:t>Close connections</a:t>
+                      </a:r>
+                    </a:p>
+                    <a:p>
+                      <a:endParaRPr lang="en-GB" sz="2400" dirty="0">
+                        <a:solidFill>
+                          <a:schemeClr val="tx1"/>
+                        </a:solidFill>
+                      </a:endParaRPr>
+                    </a:p>
+                  </a:txBody>
+                  <a:tcPr/>
+                </a:tc>
+                <a:extLst>
+                  <a:ext uri="{0D108BD9-81ED-4DB2-BD59-A6C34878D82A}">
+                    <a16:rowId xmlns:a16="http://schemas.microsoft.com/office/drawing/2014/main" val="2749354987"/>
+                  </a:ext>
+                </a:extLst>
+              </a:tr>
+            </a:tbl>
+          </a:graphicData>
+        </a:graphic>
+      </p:graphicFrame>
+    </p:spTree>
+    <p:extLst>
+      <p:ext uri="{BB962C8B-B14F-4D97-AF65-F5344CB8AC3E}">
+        <p14:creationId xmlns:p14="http://schemas.microsoft.com/office/powerpoint/2010/main" val="1271614898"/>
+      </p:ext>
+    </p:extLst>
+  </p:cSld>
+  <p:clrMapOvr>
+    <a:masterClrMapping/>
+  </p:clrMapOvr>
+</p:sld>
+</file>
+
+<file path=ppt/slides/slide15.xml><?xml version="1.0" encoding="utf-8"?>
+<p:sld xmlns:a="http://schemas.openxmlformats.org/drawingml/2006/main" xmlns:r="http://schemas.openxmlformats.org/officeDocument/2006/relationships" xmlns:p="http://schemas.openxmlformats.org/presentationml/2006/main">
+  <p:cSld>
+    <p:spTree>
+      <p:nvGrpSpPr>
+        <p:cNvPr id="1" name=""/>
+        <p:cNvGrpSpPr/>
+        <p:nvPr/>
+      </p:nvGrpSpPr>
+      <p:grpSpPr>
+        <a:xfrm>
+          <a:off x="0" y="0"/>
+          <a:ext cx="0" cy="0"/>
+          <a:chOff x="0" y="0"/>
+          <a:chExt cx="0" cy="0"/>
+        </a:xfrm>
+      </p:grpSpPr>
+      <p:sp>
+        <p:nvSpPr>
+          <p:cNvPr id="3" name="Content Placeholder 2"/>
+          <p:cNvSpPr>
+            <a:spLocks noGrp="1"/>
+          </p:cNvSpPr>
+          <p:nvPr>
+            <p:ph idx="1"/>
+          </p:nvPr>
+        </p:nvSpPr>
+        <p:spPr>
+          <a:xfrm>
+            <a:off x="457200" y="548680"/>
+            <a:ext cx="8229600" cy="6192688"/>
+          </a:xfrm>
+        </p:spPr>
+        <p:txBody>
+          <a:bodyPr>
+            <a:normAutofit/>
+          </a:bodyPr>
+          <a:lstStyle/>
+          <a:p>
+            <a:r>
+              <a:rPr lang="en-GB" dirty="0"/>
+              <a:t>Introduction to socket-based programming</a:t>
+            </a:r>
+          </a:p>
+          <a:p>
+            <a:pPr lvl="1"/>
+            <a:r>
+              <a:rPr lang="en-GB" dirty="0"/>
+              <a:t>Anatomy of socket communications</a:t>
+            </a:r>
+          </a:p>
+          <a:p>
+            <a:pPr lvl="1"/>
+            <a:endParaRPr lang="en-GB" dirty="0"/>
+          </a:p>
+          <a:p>
+            <a:pPr lvl="1"/>
+            <a:endParaRPr lang="en-GB" dirty="0"/>
+          </a:p>
+          <a:p>
+            <a:pPr lvl="1"/>
+            <a:endParaRPr lang="en-GB" dirty="0"/>
+          </a:p>
+          <a:p>
+            <a:pPr lvl="1"/>
+            <a:endParaRPr lang="en-GB" dirty="0"/>
+          </a:p>
+          <a:p>
+            <a:pPr lvl="1"/>
+            <a:endParaRPr lang="en-GB" dirty="0"/>
+          </a:p>
+          <a:p>
+            <a:pPr lvl="1"/>
+            <a:endParaRPr lang="en-GB" dirty="0"/>
+          </a:p>
+          <a:p>
+            <a:pPr lvl="1"/>
+            <a:endParaRPr lang="en-GB" dirty="0"/>
+          </a:p>
+          <a:p>
+            <a:pPr lvl="1"/>
+            <a:endParaRPr lang="en-GB" dirty="0"/>
+          </a:p>
+          <a:p>
+            <a:pPr lvl="1"/>
+            <a:endParaRPr lang="en-GB" dirty="0"/>
+          </a:p>
+          <a:p>
+            <a:pPr lvl="2"/>
+            <a:endParaRPr lang="en-GB" dirty="0"/>
+          </a:p>
+          <a:p>
+            <a:endParaRPr lang="en-GB" dirty="0"/>
+          </a:p>
+          <a:p>
+            <a:endParaRPr lang="en-GB" dirty="0"/>
+          </a:p>
+          <a:p>
+            <a:endParaRPr lang="en-GB" dirty="0"/>
+          </a:p>
+          <a:p>
+            <a:endParaRPr lang="en-GB" dirty="0"/>
+          </a:p>
+          <a:p>
+            <a:pPr lvl="3"/>
+            <a:endParaRPr lang="en-GB" dirty="0"/>
+          </a:p>
+        </p:txBody>
+      </p:sp>
+      <p:grpSp>
+        <p:nvGrpSpPr>
+          <p:cNvPr id="38" name="Group 37">
+            <a:extLst>
+              <a:ext uri="{FF2B5EF4-FFF2-40B4-BE49-F238E27FC236}">
+                <a16:creationId xmlns:a16="http://schemas.microsoft.com/office/drawing/2014/main" id="{551CB00C-F327-F747-B655-E81F4BF4307F}"/>
+              </a:ext>
+            </a:extLst>
+          </p:cNvPr>
+          <p:cNvGrpSpPr/>
+          <p:nvPr/>
+        </p:nvGrpSpPr>
+        <p:grpSpPr>
+          <a:xfrm>
+            <a:off x="611560" y="1700808"/>
+            <a:ext cx="7776864" cy="4392488"/>
+            <a:chOff x="611560" y="2060848"/>
+            <a:chExt cx="7776864" cy="4392488"/>
+          </a:xfrm>
+        </p:grpSpPr>
+        <p:grpSp>
+          <p:nvGrpSpPr>
+            <p:cNvPr id="6" name="Group 5">
+              <a:extLst>
+                <a:ext uri="{FF2B5EF4-FFF2-40B4-BE49-F238E27FC236}">
+                  <a16:creationId xmlns:a16="http://schemas.microsoft.com/office/drawing/2014/main" id="{B586F2B3-94C4-664E-A8A1-668F1168D2A1}"/>
+                </a:ext>
+              </a:extLst>
+            </p:cNvPr>
+            <p:cNvGrpSpPr/>
+            <p:nvPr/>
+          </p:nvGrpSpPr>
+          <p:grpSpPr>
+            <a:xfrm>
+              <a:off x="826997" y="2276872"/>
+              <a:ext cx="7345403" cy="3960440"/>
+              <a:chOff x="683568" y="1268760"/>
+              <a:chExt cx="7345403" cy="3960440"/>
+            </a:xfrm>
+          </p:grpSpPr>
+          <p:sp>
+            <p:nvSpPr>
+              <p:cNvPr id="7" name="Rectangle 6">
+                <a:extLst>
+                  <a:ext uri="{FF2B5EF4-FFF2-40B4-BE49-F238E27FC236}">
+                    <a16:creationId xmlns:a16="http://schemas.microsoft.com/office/drawing/2014/main" id="{A8C54B11-50A1-D543-8030-64B598140255}"/>
+                  </a:ext>
+                </a:extLst>
+              </p:cNvPr>
+              <p:cNvSpPr/>
+              <p:nvPr/>
+            </p:nvSpPr>
+            <p:spPr>
+              <a:xfrm>
+                <a:off x="6660819" y="1556792"/>
+                <a:ext cx="69975" cy="3539430"/>
+              </a:xfrm>
+              <a:prstGeom prst="rect">
+                <a:avLst/>
+              </a:prstGeom>
+              <a:solidFill>
+                <a:schemeClr val="bg1"/>
+              </a:solidFill>
+              <a:ln w="19050">
+                <a:solidFill>
+                  <a:schemeClr val="bg1"/>
+                </a:solidFill>
+              </a:ln>
+            </p:spPr>
+            <p:txBody>
+              <a:bodyPr wrap="square">
+                <a:spAutoFit/>
+              </a:bodyPr>
+              <a:lstStyle/>
+              <a:p>
+                <a:pPr algn="ctr"/>
+                <a:endParaRPr lang="en-GB" sz="1600" dirty="0"/>
+              </a:p>
+              <a:p>
+                <a:pPr algn="ctr"/>
+                <a:endParaRPr lang="en-GB" sz="1600" dirty="0"/>
+              </a:p>
+              <a:p>
+                <a:pPr algn="ctr"/>
+                <a:endParaRPr lang="en-GB" sz="1600" dirty="0"/>
+              </a:p>
+              <a:p>
+                <a:pPr algn="ctr"/>
+                <a:endParaRPr lang="en-GB" sz="1600" dirty="0"/>
+              </a:p>
+              <a:p>
+                <a:pPr algn="ctr"/>
+                <a:endParaRPr lang="en-GB" sz="1600" dirty="0"/>
+              </a:p>
+              <a:p>
+                <a:pPr algn="ctr"/>
+                <a:endParaRPr lang="en-GB" sz="1600" dirty="0"/>
+              </a:p>
+              <a:p>
+                <a:pPr algn="ctr"/>
+                <a:endParaRPr lang="en-GB" sz="1600" dirty="0"/>
+              </a:p>
+              <a:p>
+                <a:pPr algn="ctr"/>
+                <a:endParaRPr lang="en-GB" sz="1600" dirty="0"/>
+              </a:p>
+              <a:p>
+                <a:pPr algn="ctr"/>
+                <a:endParaRPr lang="en-GB" sz="1600" dirty="0"/>
+              </a:p>
+              <a:p>
+                <a:pPr algn="ctr"/>
+                <a:endParaRPr lang="en-GB" sz="1600" dirty="0"/>
+              </a:p>
+              <a:p>
+                <a:pPr algn="ctr"/>
+                <a:endParaRPr lang="en-GB" sz="1600" dirty="0"/>
+              </a:p>
+              <a:p>
+                <a:pPr algn="ctr"/>
+                <a:endParaRPr lang="en-GB" sz="1600" dirty="0"/>
+              </a:p>
+              <a:p>
+                <a:pPr algn="ctr"/>
+                <a:endParaRPr lang="en-GB" sz="1600" dirty="0"/>
+              </a:p>
+              <a:p>
+                <a:pPr algn="ctr"/>
+                <a:endParaRPr lang="en-GB" sz="1600" dirty="0"/>
+              </a:p>
+            </p:txBody>
+          </p:sp>
+          <p:sp>
+            <p:nvSpPr>
+              <p:cNvPr id="8" name="Rectangle 7">
+                <a:extLst>
+                  <a:ext uri="{FF2B5EF4-FFF2-40B4-BE49-F238E27FC236}">
+                    <a16:creationId xmlns:a16="http://schemas.microsoft.com/office/drawing/2014/main" id="{1E6C8EB4-CA3B-794E-8CC4-A01A2B11CD5C}"/>
+                  </a:ext>
+                </a:extLst>
+              </p:cNvPr>
+              <p:cNvSpPr/>
+              <p:nvPr/>
+            </p:nvSpPr>
+            <p:spPr>
+              <a:xfrm>
+                <a:off x="1910324" y="1556792"/>
+                <a:ext cx="69975" cy="3539430"/>
+              </a:xfrm>
+              <a:prstGeom prst="rect">
+                <a:avLst/>
+              </a:prstGeom>
+              <a:solidFill>
+                <a:schemeClr val="bg1"/>
+              </a:solidFill>
+              <a:ln w="19050">
+                <a:solidFill>
+                  <a:schemeClr val="bg1"/>
+                </a:solidFill>
+              </a:ln>
+            </p:spPr>
+            <p:txBody>
+              <a:bodyPr wrap="square">
+                <a:spAutoFit/>
+              </a:bodyPr>
+              <a:lstStyle/>
+              <a:p>
+                <a:pPr algn="ctr"/>
+                <a:endParaRPr lang="en-GB" sz="1600" dirty="0"/>
+              </a:p>
+              <a:p>
+                <a:pPr algn="ctr"/>
+                <a:endParaRPr lang="en-GB" sz="1600" dirty="0"/>
+              </a:p>
+              <a:p>
+                <a:pPr algn="ctr"/>
+                <a:endParaRPr lang="en-GB" sz="1600" dirty="0"/>
+              </a:p>
+              <a:p>
+                <a:pPr algn="ctr"/>
+                <a:endParaRPr lang="en-GB" sz="1600" dirty="0"/>
+              </a:p>
+              <a:p>
+                <a:pPr algn="ctr"/>
+                <a:endParaRPr lang="en-GB" sz="1600" dirty="0"/>
+              </a:p>
+              <a:p>
+                <a:pPr algn="ctr"/>
+                <a:endParaRPr lang="en-GB" sz="1600" dirty="0"/>
+              </a:p>
+              <a:p>
+                <a:pPr algn="ctr"/>
+                <a:endParaRPr lang="en-GB" sz="1600" dirty="0"/>
+              </a:p>
+              <a:p>
+                <a:pPr algn="ctr"/>
+                <a:endParaRPr lang="en-GB" sz="1600" dirty="0"/>
+              </a:p>
+              <a:p>
+                <a:pPr algn="ctr"/>
+                <a:endParaRPr lang="en-GB" sz="1600" dirty="0"/>
+              </a:p>
+              <a:p>
+                <a:pPr algn="ctr"/>
+                <a:endParaRPr lang="en-GB" sz="1600" dirty="0"/>
+              </a:p>
+              <a:p>
+                <a:pPr algn="ctr"/>
+                <a:endParaRPr lang="en-GB" sz="1600" dirty="0"/>
+              </a:p>
+              <a:p>
+                <a:pPr algn="ctr"/>
+                <a:endParaRPr lang="en-GB" sz="1600" dirty="0"/>
+              </a:p>
+              <a:p>
+                <a:pPr algn="ctr"/>
+                <a:endParaRPr lang="en-GB" sz="1600" dirty="0"/>
+              </a:p>
+              <a:p>
+                <a:pPr algn="ctr"/>
+                <a:endParaRPr lang="en-GB" sz="1600" dirty="0"/>
+              </a:p>
+            </p:txBody>
+          </p:sp>
+          <p:sp>
+            <p:nvSpPr>
+              <p:cNvPr id="9" name="Rectangle 8">
+                <a:extLst>
+                  <a:ext uri="{FF2B5EF4-FFF2-40B4-BE49-F238E27FC236}">
+                    <a16:creationId xmlns:a16="http://schemas.microsoft.com/office/drawing/2014/main" id="{F1554397-2ACB-6649-8CCD-5407EC428DD6}"/>
+                  </a:ext>
+                </a:extLst>
+              </p:cNvPr>
+              <p:cNvSpPr/>
+              <p:nvPr/>
+            </p:nvSpPr>
+            <p:spPr>
+              <a:xfrm>
+                <a:off x="683568" y="1268760"/>
+                <a:ext cx="2520867" cy="338553"/>
+              </a:xfrm>
+              <a:prstGeom prst="rect">
+                <a:avLst/>
+              </a:prstGeom>
+              <a:solidFill>
+                <a:schemeClr val="bg1"/>
+              </a:solidFill>
+              <a:ln w="19050">
+                <a:solidFill>
+                  <a:schemeClr val="bg1"/>
+                </a:solidFill>
+              </a:ln>
+            </p:spPr>
+            <p:txBody>
+              <a:bodyPr wrap="square">
+                <a:spAutoFit/>
+              </a:bodyPr>
+              <a:lstStyle/>
+              <a:p>
+                <a:pPr algn="ctr"/>
+                <a:r>
+                  <a:rPr lang="en-GB" sz="1600" dirty="0"/>
+                  <a:t>Client</a:t>
+                </a:r>
+              </a:p>
+            </p:txBody>
+          </p:sp>
+          <p:sp>
+            <p:nvSpPr>
+              <p:cNvPr id="10" name="Rectangle 9">
+                <a:extLst>
+                  <a:ext uri="{FF2B5EF4-FFF2-40B4-BE49-F238E27FC236}">
+                    <a16:creationId xmlns:a16="http://schemas.microsoft.com/office/drawing/2014/main" id="{1B2C1786-5304-904F-A3EA-8125C02319FE}"/>
+                  </a:ext>
+                </a:extLst>
+              </p:cNvPr>
+              <p:cNvSpPr/>
+              <p:nvPr/>
+            </p:nvSpPr>
+            <p:spPr>
+              <a:xfrm>
+                <a:off x="5288630" y="1268760"/>
+                <a:ext cx="2735717" cy="338554"/>
+              </a:xfrm>
+              <a:prstGeom prst="rect">
+                <a:avLst/>
+              </a:prstGeom>
+              <a:solidFill>
+                <a:schemeClr val="bg1"/>
+              </a:solidFill>
+              <a:ln w="19050">
+                <a:solidFill>
+                  <a:schemeClr val="bg1"/>
+                </a:solidFill>
+              </a:ln>
+            </p:spPr>
+            <p:txBody>
+              <a:bodyPr wrap="square">
+                <a:spAutoFit/>
+              </a:bodyPr>
+              <a:lstStyle/>
+              <a:p>
+                <a:pPr algn="ctr"/>
+                <a:r>
+                  <a:rPr lang="en-GB" sz="1600" dirty="0"/>
+                  <a:t>Server</a:t>
+                </a:r>
+              </a:p>
+            </p:txBody>
+          </p:sp>
+          <p:sp>
+            <p:nvSpPr>
+              <p:cNvPr id="11" name="Rectangle 10">
+                <a:extLst>
+                  <a:ext uri="{FF2B5EF4-FFF2-40B4-BE49-F238E27FC236}">
+                    <a16:creationId xmlns:a16="http://schemas.microsoft.com/office/drawing/2014/main" id="{D43CF001-AE45-1B48-9085-57A159CD0089}"/>
+                  </a:ext>
+                </a:extLst>
+              </p:cNvPr>
+              <p:cNvSpPr/>
+              <p:nvPr/>
+            </p:nvSpPr>
+            <p:spPr>
+              <a:xfrm>
+                <a:off x="5292667" y="3121223"/>
+                <a:ext cx="2735717" cy="307777"/>
+              </a:xfrm>
+              <a:prstGeom prst="rect">
+                <a:avLst/>
+              </a:prstGeom>
+              <a:solidFill>
+                <a:schemeClr val="bg1"/>
+              </a:solidFill>
+              <a:ln w="19050">
+                <a:solidFill>
+                  <a:schemeClr val="bg1"/>
+                </a:solidFill>
+              </a:ln>
+            </p:spPr>
+            <p:txBody>
+              <a:bodyPr wrap="square">
+                <a:spAutoFit/>
+              </a:bodyPr>
+              <a:lstStyle/>
+              <a:p>
+                <a:pPr algn="ctr"/>
+                <a:r>
+                  <a:rPr lang="en-GB" sz="1400" dirty="0"/>
+                  <a:t>Accept connect request</a:t>
+                </a:r>
+              </a:p>
+            </p:txBody>
+          </p:sp>
+          <p:cxnSp>
+            <p:nvCxnSpPr>
+              <p:cNvPr id="12" name="Straight Arrow Connector 11">
+                <a:extLst>
+                  <a:ext uri="{FF2B5EF4-FFF2-40B4-BE49-F238E27FC236}">
+                    <a16:creationId xmlns:a16="http://schemas.microsoft.com/office/drawing/2014/main" id="{A65C2639-28E3-3444-AE19-BB2F16A3AACE}"/>
+                  </a:ext>
+                </a:extLst>
+              </p:cNvPr>
+              <p:cNvCxnSpPr>
+                <a:cxnSpLocks/>
+                <a:stCxn id="18" idx="3"/>
+                <a:endCxn id="11" idx="1"/>
+              </p:cNvCxnSpPr>
+              <p:nvPr/>
+            </p:nvCxnSpPr>
+            <p:spPr>
+              <a:xfrm flipV="1">
+                <a:off x="3204435" y="3275112"/>
+                <a:ext cx="2088232" cy="19745"/>
+              </a:xfrm>
+              <a:prstGeom prst="straightConnector1">
+                <a:avLst/>
+              </a:prstGeom>
+              <a:ln w="38100">
+                <a:solidFill>
+                  <a:schemeClr val="bg1"/>
+                </a:solidFill>
+                <a:tailEnd type="arrow"/>
+              </a:ln>
+            </p:spPr>
+            <p:style>
+              <a:lnRef idx="1">
+                <a:schemeClr val="accent1"/>
+              </a:lnRef>
+              <a:fillRef idx="0">
+                <a:schemeClr val="accent1"/>
+              </a:fillRef>
+              <a:effectRef idx="0">
+                <a:schemeClr val="accent1"/>
+              </a:effectRef>
+              <a:fontRef idx="minor">
+                <a:schemeClr val="tx1"/>
+              </a:fontRef>
+            </p:style>
+          </p:cxnSp>
+          <p:grpSp>
+            <p:nvGrpSpPr>
+              <p:cNvPr id="13" name="Group 12">
+                <a:extLst>
+                  <a:ext uri="{FF2B5EF4-FFF2-40B4-BE49-F238E27FC236}">
+                    <a16:creationId xmlns:a16="http://schemas.microsoft.com/office/drawing/2014/main" id="{87A33927-AC9F-FA4B-9901-3CD97F0A5505}"/>
+                  </a:ext>
+                </a:extLst>
+              </p:cNvPr>
+              <p:cNvGrpSpPr/>
+              <p:nvPr/>
+            </p:nvGrpSpPr>
+            <p:grpSpPr>
+              <a:xfrm>
+                <a:off x="683568" y="3560414"/>
+                <a:ext cx="7344816" cy="492443"/>
+                <a:chOff x="683568" y="4902001"/>
+                <a:chExt cx="7344816" cy="492443"/>
+              </a:xfrm>
+            </p:grpSpPr>
+            <p:sp>
+              <p:nvSpPr>
+                <p:cNvPr id="27" name="Rectangle 26">
+                  <a:extLst>
+                    <a:ext uri="{FF2B5EF4-FFF2-40B4-BE49-F238E27FC236}">
+                      <a16:creationId xmlns:a16="http://schemas.microsoft.com/office/drawing/2014/main" id="{314A6AB0-E710-E945-828E-BDEB9218D427}"/>
+                    </a:ext>
+                  </a:extLst>
+                </p:cNvPr>
+                <p:cNvSpPr/>
+                <p:nvPr/>
+              </p:nvSpPr>
+              <p:spPr>
+                <a:xfrm>
+                  <a:off x="683568" y="4902001"/>
+                  <a:ext cx="2520867" cy="492443"/>
+                </a:xfrm>
+                <a:prstGeom prst="rect">
+                  <a:avLst/>
+                </a:prstGeom>
+                <a:solidFill>
+                  <a:schemeClr val="bg1"/>
+                </a:solidFill>
+                <a:ln w="19050">
+                  <a:solidFill>
+                    <a:schemeClr val="bg1"/>
+                  </a:solidFill>
+                </a:ln>
+              </p:spPr>
+              <p:txBody>
+                <a:bodyPr wrap="square">
+                  <a:spAutoFit/>
+                </a:bodyPr>
+                <a:lstStyle/>
+                <a:p>
+                  <a:pPr algn="ctr"/>
+                  <a:r>
+                    <a:rPr lang="en-GB" sz="1400" dirty="0"/>
+                    <a:t>Receive message</a:t>
+                  </a:r>
+                </a:p>
+                <a:p>
+                  <a:pPr algn="ctr"/>
+                  <a:r>
+                    <a:rPr lang="en-GB" sz="1200" dirty="0" err="1">
+                      <a:latin typeface="Courier New" panose="02070309020205020404" pitchFamily="49" charset="0"/>
+                      <a:cs typeface="Courier New" panose="02070309020205020404" pitchFamily="49" charset="0"/>
+                    </a:rPr>
+                    <a:t>socket.recv</a:t>
+                  </a:r>
+                  <a:r>
+                    <a:rPr lang="en-GB" sz="1200" dirty="0">
+                      <a:latin typeface="Courier New" panose="02070309020205020404" pitchFamily="49" charset="0"/>
+                      <a:cs typeface="Courier New" panose="02070309020205020404" pitchFamily="49" charset="0"/>
+                    </a:rPr>
+                    <a:t>()</a:t>
+                  </a:r>
+                </a:p>
+              </p:txBody>
+            </p:sp>
+            <p:sp>
+              <p:nvSpPr>
+                <p:cNvPr id="28" name="Rectangle 27">
+                  <a:extLst>
+                    <a:ext uri="{FF2B5EF4-FFF2-40B4-BE49-F238E27FC236}">
+                      <a16:creationId xmlns:a16="http://schemas.microsoft.com/office/drawing/2014/main" id="{CBD023FB-A656-964D-82A5-C37B65A25C6C}"/>
+                    </a:ext>
+                  </a:extLst>
+                </p:cNvPr>
+                <p:cNvSpPr/>
+                <p:nvPr/>
+              </p:nvSpPr>
+              <p:spPr>
+                <a:xfrm>
+                  <a:off x="5292667" y="4902001"/>
+                  <a:ext cx="2735717" cy="492443"/>
+                </a:xfrm>
+                <a:prstGeom prst="rect">
+                  <a:avLst/>
+                </a:prstGeom>
+                <a:solidFill>
+                  <a:schemeClr val="bg1"/>
+                </a:solidFill>
+                <a:ln w="19050">
+                  <a:solidFill>
+                    <a:schemeClr val="bg1"/>
+                  </a:solidFill>
+                </a:ln>
+              </p:spPr>
+              <p:txBody>
+                <a:bodyPr wrap="square">
+                  <a:spAutoFit/>
+                </a:bodyPr>
+                <a:lstStyle/>
+                <a:p>
+                  <a:pPr algn="ctr"/>
+                  <a:r>
+                    <a:rPr lang="en-GB" sz="1400" dirty="0"/>
+                    <a:t>Send message</a:t>
+                  </a:r>
+                </a:p>
+                <a:p>
+                  <a:pPr algn="ctr"/>
+                  <a:r>
+                    <a:rPr lang="en-GB" sz="1200" dirty="0" err="1">
+                      <a:latin typeface="Courier New" panose="02070309020205020404" pitchFamily="49" charset="0"/>
+                      <a:cs typeface="Courier New" panose="02070309020205020404" pitchFamily="49" charset="0"/>
+                    </a:rPr>
+                    <a:t>socket.send</a:t>
+                  </a:r>
+                  <a:r>
+                    <a:rPr lang="en-GB" sz="1200" dirty="0">
+                      <a:latin typeface="Courier New" panose="02070309020205020404" pitchFamily="49" charset="0"/>
+                      <a:cs typeface="Courier New" panose="02070309020205020404" pitchFamily="49" charset="0"/>
+                    </a:rPr>
+                    <a:t>()</a:t>
+                  </a:r>
+                </a:p>
+              </p:txBody>
+            </p:sp>
+            <p:cxnSp>
+              <p:nvCxnSpPr>
+                <p:cNvPr id="29" name="Straight Arrow Connector 28">
+                  <a:extLst>
+                    <a:ext uri="{FF2B5EF4-FFF2-40B4-BE49-F238E27FC236}">
+                      <a16:creationId xmlns:a16="http://schemas.microsoft.com/office/drawing/2014/main" id="{B07F96D8-7C73-4944-BA2F-DFF14E3A1F9D}"/>
+                    </a:ext>
+                  </a:extLst>
+                </p:cNvPr>
+                <p:cNvCxnSpPr>
+                  <a:cxnSpLocks/>
+                  <a:stCxn id="28" idx="1"/>
+                  <a:endCxn id="27" idx="3"/>
+                </p:cNvCxnSpPr>
+                <p:nvPr/>
+              </p:nvCxnSpPr>
+              <p:spPr>
+                <a:xfrm flipH="1">
+                  <a:off x="3204435" y="5148223"/>
+                  <a:ext cx="2088232" cy="0"/>
+                </a:xfrm>
+                <a:prstGeom prst="straightConnector1">
+                  <a:avLst/>
+                </a:prstGeom>
+                <a:ln w="38100">
+                  <a:solidFill>
+                    <a:schemeClr val="bg1"/>
+                  </a:solidFill>
+                  <a:tailEnd type="arrow"/>
+                </a:ln>
+              </p:spPr>
+              <p:style>
+                <a:lnRef idx="1">
+                  <a:schemeClr val="accent1"/>
+                </a:lnRef>
+                <a:fillRef idx="0">
+                  <a:schemeClr val="accent1"/>
+                </a:fillRef>
+                <a:effectRef idx="0">
+                  <a:schemeClr val="accent1"/>
+                </a:effectRef>
+                <a:fontRef idx="minor">
+                  <a:schemeClr val="tx1"/>
+                </a:fontRef>
+              </p:style>
+            </p:cxnSp>
+          </p:grpSp>
+          <p:sp>
+            <p:nvSpPr>
+              <p:cNvPr id="14" name="Rectangle 13">
+                <a:extLst>
+                  <a:ext uri="{FF2B5EF4-FFF2-40B4-BE49-F238E27FC236}">
+                    <a16:creationId xmlns:a16="http://schemas.microsoft.com/office/drawing/2014/main" id="{1944C332-988A-3C4A-8286-1F39A4E257B7}"/>
+                  </a:ext>
+                </a:extLst>
+              </p:cNvPr>
+              <p:cNvSpPr/>
+              <p:nvPr/>
+            </p:nvSpPr>
+            <p:spPr>
+              <a:xfrm>
+                <a:off x="683568" y="1825079"/>
+                <a:ext cx="2520867" cy="523220"/>
+              </a:xfrm>
+              <a:prstGeom prst="rect">
+                <a:avLst/>
+              </a:prstGeom>
+              <a:solidFill>
+                <a:schemeClr val="bg1"/>
+              </a:solidFill>
+              <a:ln w="19050">
+                <a:solidFill>
+                  <a:schemeClr val="bg1"/>
+                </a:solidFill>
+              </a:ln>
+            </p:spPr>
+            <p:txBody>
+              <a:bodyPr wrap="square">
+                <a:spAutoFit/>
+              </a:bodyPr>
+              <a:lstStyle/>
+              <a:p>
+                <a:pPr algn="ctr"/>
+                <a:r>
+                  <a:rPr lang="en-GB" sz="1400" dirty="0"/>
+                  <a:t>Create a Socket</a:t>
+                </a:r>
+              </a:p>
+              <a:p>
+                <a:pPr algn="ctr"/>
+                <a:r>
+                  <a:rPr lang="en-GB" sz="1400" dirty="0">
+                    <a:latin typeface="Courier New" panose="02070309020205020404" pitchFamily="49" charset="0"/>
+                    <a:cs typeface="Courier New" panose="02070309020205020404" pitchFamily="49" charset="0"/>
+                  </a:rPr>
+                  <a:t>Socket = Socket()</a:t>
+                </a:r>
+              </a:p>
+            </p:txBody>
+          </p:sp>
+          <p:sp>
+            <p:nvSpPr>
+              <p:cNvPr id="15" name="Rectangle 14">
+                <a:extLst>
+                  <a:ext uri="{FF2B5EF4-FFF2-40B4-BE49-F238E27FC236}">
+                    <a16:creationId xmlns:a16="http://schemas.microsoft.com/office/drawing/2014/main" id="{D7DA6555-1669-2C44-9775-E4DCA0A7589C}"/>
+                  </a:ext>
+                </a:extLst>
+              </p:cNvPr>
+              <p:cNvSpPr/>
+              <p:nvPr/>
+            </p:nvSpPr>
+            <p:spPr>
+              <a:xfrm>
+                <a:off x="5292667" y="1825079"/>
+                <a:ext cx="2735717" cy="307777"/>
+              </a:xfrm>
+              <a:prstGeom prst="rect">
+                <a:avLst/>
+              </a:prstGeom>
+              <a:solidFill>
+                <a:schemeClr val="bg1"/>
+              </a:solidFill>
+              <a:ln w="19050">
+                <a:solidFill>
+                  <a:schemeClr val="bg1"/>
+                </a:solidFill>
+              </a:ln>
+            </p:spPr>
+            <p:txBody>
+              <a:bodyPr wrap="square">
+                <a:spAutoFit/>
+              </a:bodyPr>
+              <a:lstStyle/>
+              <a:p>
+                <a:pPr algn="ctr"/>
+                <a:r>
+                  <a:rPr lang="en-GB" sz="1400" dirty="0"/>
+                  <a:t>Create a Socket</a:t>
+                </a:r>
+              </a:p>
+            </p:txBody>
+          </p:sp>
+          <p:sp>
+            <p:nvSpPr>
+              <p:cNvPr id="16" name="Rectangle 15">
+                <a:extLst>
+                  <a:ext uri="{FF2B5EF4-FFF2-40B4-BE49-F238E27FC236}">
+                    <a16:creationId xmlns:a16="http://schemas.microsoft.com/office/drawing/2014/main" id="{8E96D217-FDB5-8B4D-BB8D-D416599F1319}"/>
+                  </a:ext>
+                </a:extLst>
+              </p:cNvPr>
+              <p:cNvSpPr/>
+              <p:nvPr/>
+            </p:nvSpPr>
+            <p:spPr>
+              <a:xfrm>
+                <a:off x="5288630" y="2257127"/>
+                <a:ext cx="2735717" cy="307777"/>
+              </a:xfrm>
+              <a:prstGeom prst="rect">
+                <a:avLst/>
+              </a:prstGeom>
+              <a:solidFill>
+                <a:schemeClr val="bg1"/>
+              </a:solidFill>
+              <a:ln w="19050">
+                <a:solidFill>
+                  <a:schemeClr val="bg1"/>
+                </a:solidFill>
+              </a:ln>
+            </p:spPr>
+            <p:txBody>
+              <a:bodyPr wrap="square">
+                <a:spAutoFit/>
+              </a:bodyPr>
+              <a:lstStyle/>
+              <a:p>
+                <a:pPr algn="ctr"/>
+                <a:r>
+                  <a:rPr lang="en-GB" sz="1400" dirty="0"/>
+                  <a:t>Bind to IP &amp; port</a:t>
+                </a:r>
+              </a:p>
+            </p:txBody>
+          </p:sp>
+          <p:sp>
+            <p:nvSpPr>
+              <p:cNvPr id="17" name="Rectangle 16">
+                <a:extLst>
+                  <a:ext uri="{FF2B5EF4-FFF2-40B4-BE49-F238E27FC236}">
+                    <a16:creationId xmlns:a16="http://schemas.microsoft.com/office/drawing/2014/main" id="{7A81C2D3-9A76-1B46-94DC-C36B6A669CD0}"/>
+                  </a:ext>
+                </a:extLst>
+              </p:cNvPr>
+              <p:cNvSpPr/>
+              <p:nvPr/>
+            </p:nvSpPr>
+            <p:spPr>
+              <a:xfrm>
+                <a:off x="5288630" y="2689175"/>
+                <a:ext cx="2735717" cy="307777"/>
+              </a:xfrm>
+              <a:prstGeom prst="rect">
+                <a:avLst/>
+              </a:prstGeom>
+              <a:solidFill>
+                <a:schemeClr val="bg1"/>
+              </a:solidFill>
+              <a:ln w="19050">
+                <a:solidFill>
+                  <a:schemeClr val="bg1"/>
+                </a:solidFill>
+              </a:ln>
+            </p:spPr>
+            <p:txBody>
+              <a:bodyPr wrap="square">
+                <a:spAutoFit/>
+              </a:bodyPr>
+              <a:lstStyle/>
+              <a:p>
+                <a:pPr algn="ctr"/>
+                <a:r>
+                  <a:rPr lang="en-GB" sz="1400" dirty="0"/>
+                  <a:t>Set listen count</a:t>
+                </a:r>
+              </a:p>
+            </p:txBody>
+          </p:sp>
+          <p:sp>
+            <p:nvSpPr>
+              <p:cNvPr id="18" name="Rectangle 17">
+                <a:extLst>
+                  <a:ext uri="{FF2B5EF4-FFF2-40B4-BE49-F238E27FC236}">
+                    <a16:creationId xmlns:a16="http://schemas.microsoft.com/office/drawing/2014/main" id="{98F0174F-FBC8-C048-B327-04FADB1A4A0F}"/>
+                  </a:ext>
+                </a:extLst>
+              </p:cNvPr>
+              <p:cNvSpPr/>
+              <p:nvPr/>
+            </p:nvSpPr>
+            <p:spPr>
+              <a:xfrm>
+                <a:off x="683568" y="3140968"/>
+                <a:ext cx="2520867" cy="307777"/>
+              </a:xfrm>
+              <a:prstGeom prst="rect">
+                <a:avLst/>
+              </a:prstGeom>
+              <a:solidFill>
+                <a:schemeClr val="bg1"/>
+              </a:solidFill>
+              <a:ln w="19050">
+                <a:solidFill>
+                  <a:schemeClr val="bg1"/>
+                </a:solidFill>
+              </a:ln>
+            </p:spPr>
+            <p:txBody>
+              <a:bodyPr wrap="square">
+                <a:spAutoFit/>
+              </a:bodyPr>
+              <a:lstStyle/>
+              <a:p>
+                <a:pPr algn="ctr"/>
+                <a:r>
+                  <a:rPr lang="en-GB" sz="1400" dirty="0"/>
+                  <a:t>Connect to IP &amp; port</a:t>
+                </a:r>
+              </a:p>
+            </p:txBody>
+          </p:sp>
+          <p:grpSp>
+            <p:nvGrpSpPr>
+              <p:cNvPr id="19" name="Group 18">
+                <a:extLst>
+                  <a:ext uri="{FF2B5EF4-FFF2-40B4-BE49-F238E27FC236}">
+                    <a16:creationId xmlns:a16="http://schemas.microsoft.com/office/drawing/2014/main" id="{624DB54F-0B68-704E-8908-6DCC1DA84015}"/>
+                  </a:ext>
+                </a:extLst>
+              </p:cNvPr>
+              <p:cNvGrpSpPr/>
+              <p:nvPr/>
+            </p:nvGrpSpPr>
+            <p:grpSpPr>
+              <a:xfrm>
+                <a:off x="687605" y="4136478"/>
+                <a:ext cx="7341366" cy="516658"/>
+                <a:chOff x="719478" y="4841491"/>
+                <a:chExt cx="7341366" cy="516658"/>
+              </a:xfrm>
+            </p:grpSpPr>
+            <p:sp>
+              <p:nvSpPr>
+                <p:cNvPr id="24" name="Rectangle 23">
+                  <a:extLst>
+                    <a:ext uri="{FF2B5EF4-FFF2-40B4-BE49-F238E27FC236}">
+                      <a16:creationId xmlns:a16="http://schemas.microsoft.com/office/drawing/2014/main" id="{3798DF8E-B6E3-3740-9B13-59839D686495}"/>
+                    </a:ext>
+                  </a:extLst>
+                </p:cNvPr>
+                <p:cNvSpPr/>
+                <p:nvPr/>
+              </p:nvSpPr>
+              <p:spPr>
+                <a:xfrm>
+                  <a:off x="5325127" y="4841491"/>
+                  <a:ext cx="2735717" cy="492443"/>
+                </a:xfrm>
+                <a:prstGeom prst="rect">
+                  <a:avLst/>
+                </a:prstGeom>
+                <a:solidFill>
+                  <a:schemeClr val="bg1"/>
+                </a:solidFill>
+                <a:ln w="19050">
+                  <a:solidFill>
+                    <a:schemeClr val="bg1"/>
+                  </a:solidFill>
+                </a:ln>
+              </p:spPr>
+              <p:txBody>
+                <a:bodyPr wrap="square">
+                  <a:spAutoFit/>
+                </a:bodyPr>
+                <a:lstStyle/>
+                <a:p>
+                  <a:pPr algn="ctr"/>
+                  <a:r>
+                    <a:rPr lang="en-GB" sz="1400" dirty="0"/>
+                    <a:t>Receive message</a:t>
+                  </a:r>
+                </a:p>
+                <a:p>
+                  <a:pPr algn="ctr"/>
+                  <a:r>
+                    <a:rPr lang="en-GB" sz="1200" dirty="0" err="1">
+                      <a:latin typeface="Courier New" panose="02070309020205020404" pitchFamily="49" charset="0"/>
+                      <a:cs typeface="Courier New" panose="02070309020205020404" pitchFamily="49" charset="0"/>
+                    </a:rPr>
+                    <a:t>socket.recv</a:t>
+                  </a:r>
+                  <a:r>
+                    <a:rPr lang="en-GB" sz="1200" dirty="0">
+                      <a:latin typeface="Courier New" panose="02070309020205020404" pitchFamily="49" charset="0"/>
+                      <a:cs typeface="Courier New" panose="02070309020205020404" pitchFamily="49" charset="0"/>
+                    </a:rPr>
+                    <a:t>()</a:t>
+                  </a:r>
+                </a:p>
+              </p:txBody>
+            </p:sp>
+            <p:sp>
+              <p:nvSpPr>
+                <p:cNvPr id="25" name="Rectangle 24">
+                  <a:extLst>
+                    <a:ext uri="{FF2B5EF4-FFF2-40B4-BE49-F238E27FC236}">
+                      <a16:creationId xmlns:a16="http://schemas.microsoft.com/office/drawing/2014/main" id="{043DD411-6362-D345-AF8F-8FB4A1694F89}"/>
+                    </a:ext>
+                  </a:extLst>
+                </p:cNvPr>
+                <p:cNvSpPr/>
+                <p:nvPr/>
+              </p:nvSpPr>
+              <p:spPr>
+                <a:xfrm>
+                  <a:off x="719478" y="4865706"/>
+                  <a:ext cx="2520867" cy="492443"/>
+                </a:xfrm>
+                <a:prstGeom prst="rect">
+                  <a:avLst/>
+                </a:prstGeom>
+                <a:solidFill>
+                  <a:schemeClr val="bg1"/>
+                </a:solidFill>
+                <a:ln w="19050">
+                  <a:solidFill>
+                    <a:schemeClr val="bg1"/>
+                  </a:solidFill>
+                </a:ln>
+              </p:spPr>
+              <p:txBody>
+                <a:bodyPr wrap="square">
+                  <a:spAutoFit/>
+                </a:bodyPr>
+                <a:lstStyle/>
+                <a:p>
+                  <a:pPr algn="ctr"/>
+                  <a:r>
+                    <a:rPr lang="en-GB" sz="1400" dirty="0"/>
+                    <a:t>Send message</a:t>
+                  </a:r>
+                </a:p>
+                <a:p>
+                  <a:pPr algn="ctr"/>
+                  <a:r>
+                    <a:rPr lang="en-GB" sz="1200" dirty="0" err="1">
+                      <a:latin typeface="Courier New" panose="02070309020205020404" pitchFamily="49" charset="0"/>
+                      <a:cs typeface="Courier New" panose="02070309020205020404" pitchFamily="49" charset="0"/>
+                    </a:rPr>
+                    <a:t>socket.send</a:t>
+                  </a:r>
+                  <a:r>
+                    <a:rPr lang="en-GB" sz="1200" dirty="0">
+                      <a:latin typeface="Courier New" panose="02070309020205020404" pitchFamily="49" charset="0"/>
+                      <a:cs typeface="Courier New" panose="02070309020205020404" pitchFamily="49" charset="0"/>
+                    </a:rPr>
+                    <a:t>()</a:t>
+                  </a:r>
+                </a:p>
+              </p:txBody>
+            </p:sp>
+            <p:cxnSp>
+              <p:nvCxnSpPr>
+                <p:cNvPr id="26" name="Straight Arrow Connector 25">
+                  <a:extLst>
+                    <a:ext uri="{FF2B5EF4-FFF2-40B4-BE49-F238E27FC236}">
+                      <a16:creationId xmlns:a16="http://schemas.microsoft.com/office/drawing/2014/main" id="{D1747768-CA45-334C-B66E-CE08DC3DCA73}"/>
+                    </a:ext>
+                  </a:extLst>
+                </p:cNvPr>
+                <p:cNvCxnSpPr>
+                  <a:cxnSpLocks/>
+                  <a:stCxn id="25" idx="3"/>
+                  <a:endCxn id="24" idx="1"/>
+                </p:cNvCxnSpPr>
+                <p:nvPr/>
+              </p:nvCxnSpPr>
+              <p:spPr>
+                <a:xfrm flipV="1">
+                  <a:off x="3240345" y="5087713"/>
+                  <a:ext cx="2084782" cy="24215"/>
+                </a:xfrm>
+                <a:prstGeom prst="straightConnector1">
+                  <a:avLst/>
+                </a:prstGeom>
+                <a:ln w="38100">
+                  <a:solidFill>
+                    <a:schemeClr val="bg1"/>
+                  </a:solidFill>
+                  <a:tailEnd type="arrow"/>
+                </a:ln>
+              </p:spPr>
+              <p:style>
+                <a:lnRef idx="1">
+                  <a:schemeClr val="accent1"/>
+                </a:lnRef>
+                <a:fillRef idx="0">
+                  <a:schemeClr val="accent1"/>
+                </a:fillRef>
+                <a:effectRef idx="0">
+                  <a:schemeClr val="accent1"/>
+                </a:effectRef>
+                <a:fontRef idx="minor">
+                  <a:schemeClr val="tx1"/>
+                </a:fontRef>
+              </p:style>
+            </p:cxnSp>
+          </p:grpSp>
+          <p:grpSp>
+            <p:nvGrpSpPr>
+              <p:cNvPr id="20" name="Group 19">
+                <a:extLst>
+                  <a:ext uri="{FF2B5EF4-FFF2-40B4-BE49-F238E27FC236}">
+                    <a16:creationId xmlns:a16="http://schemas.microsoft.com/office/drawing/2014/main" id="{E8E3EDC4-153E-8D41-8B10-35519789B291}"/>
+                  </a:ext>
+                </a:extLst>
+              </p:cNvPr>
+              <p:cNvGrpSpPr/>
+              <p:nvPr/>
+            </p:nvGrpSpPr>
+            <p:grpSpPr>
+              <a:xfrm>
+                <a:off x="683568" y="4712542"/>
+                <a:ext cx="7341366" cy="516658"/>
+                <a:chOff x="719478" y="4841491"/>
+                <a:chExt cx="7341366" cy="516658"/>
+              </a:xfrm>
+            </p:grpSpPr>
+            <p:sp>
+              <p:nvSpPr>
+                <p:cNvPr id="21" name="Rectangle 20">
+                  <a:extLst>
+                    <a:ext uri="{FF2B5EF4-FFF2-40B4-BE49-F238E27FC236}">
+                      <a16:creationId xmlns:a16="http://schemas.microsoft.com/office/drawing/2014/main" id="{7FB4C78B-ABDC-6440-9478-C964B40B11FB}"/>
+                    </a:ext>
+                  </a:extLst>
+                </p:cNvPr>
+                <p:cNvSpPr/>
+                <p:nvPr/>
+              </p:nvSpPr>
+              <p:spPr>
+                <a:xfrm>
+                  <a:off x="5325127" y="4841491"/>
+                  <a:ext cx="2735717" cy="492443"/>
+                </a:xfrm>
+                <a:prstGeom prst="rect">
+                  <a:avLst/>
+                </a:prstGeom>
+                <a:solidFill>
+                  <a:schemeClr val="bg1"/>
+                </a:solidFill>
+                <a:ln w="19050">
+                  <a:solidFill>
+                    <a:schemeClr val="bg1"/>
+                  </a:solidFill>
+                </a:ln>
+              </p:spPr>
+              <p:txBody>
+                <a:bodyPr wrap="square">
+                  <a:spAutoFit/>
+                </a:bodyPr>
+                <a:lstStyle/>
+                <a:p>
+                  <a:pPr algn="ctr"/>
+                  <a:r>
+                    <a:rPr lang="en-GB" sz="1400" dirty="0"/>
+                    <a:t>End</a:t>
+                  </a:r>
+                </a:p>
+                <a:p>
+                  <a:pPr algn="ctr"/>
+                  <a:r>
+                    <a:rPr lang="en-GB" sz="1200" dirty="0" err="1">
+                      <a:latin typeface="Courier New" panose="02070309020205020404" pitchFamily="49" charset="0"/>
+                      <a:cs typeface="Courier New" panose="02070309020205020404" pitchFamily="49" charset="0"/>
+                    </a:rPr>
+                    <a:t>socket.close</a:t>
+                  </a:r>
+                  <a:r>
+                    <a:rPr lang="en-GB" sz="1200" dirty="0">
+                      <a:latin typeface="Courier New" panose="02070309020205020404" pitchFamily="49" charset="0"/>
+                      <a:cs typeface="Courier New" panose="02070309020205020404" pitchFamily="49" charset="0"/>
+                    </a:rPr>
+                    <a:t>()</a:t>
+                  </a:r>
+                </a:p>
+              </p:txBody>
+            </p:sp>
+            <p:sp>
+              <p:nvSpPr>
+                <p:cNvPr id="22" name="Rectangle 21">
+                  <a:extLst>
+                    <a:ext uri="{FF2B5EF4-FFF2-40B4-BE49-F238E27FC236}">
+                      <a16:creationId xmlns:a16="http://schemas.microsoft.com/office/drawing/2014/main" id="{520A29C9-F8DF-7A41-BD83-AC3D92F413A9}"/>
+                    </a:ext>
+                  </a:extLst>
+                </p:cNvPr>
+                <p:cNvSpPr/>
+                <p:nvPr/>
+              </p:nvSpPr>
+              <p:spPr>
+                <a:xfrm>
+                  <a:off x="719478" y="4865706"/>
+                  <a:ext cx="2520867" cy="492443"/>
+                </a:xfrm>
+                <a:prstGeom prst="rect">
+                  <a:avLst/>
+                </a:prstGeom>
+                <a:solidFill>
+                  <a:schemeClr val="bg1"/>
+                </a:solidFill>
+                <a:ln w="19050">
+                  <a:solidFill>
+                    <a:schemeClr val="bg1"/>
+                  </a:solidFill>
+                </a:ln>
+              </p:spPr>
+              <p:txBody>
+                <a:bodyPr wrap="square">
+                  <a:spAutoFit/>
+                </a:bodyPr>
+                <a:lstStyle/>
+                <a:p>
+                  <a:pPr algn="ctr"/>
+                  <a:r>
+                    <a:rPr lang="en-GB" sz="1400" dirty="0"/>
+                    <a:t>End</a:t>
+                  </a:r>
+                </a:p>
+                <a:p>
+                  <a:pPr algn="ctr"/>
+                  <a:r>
+                    <a:rPr lang="en-GB" sz="1200" dirty="0" err="1">
+                      <a:latin typeface="Courier New" panose="02070309020205020404" pitchFamily="49" charset="0"/>
+                      <a:cs typeface="Courier New" panose="02070309020205020404" pitchFamily="49" charset="0"/>
+                    </a:rPr>
+                    <a:t>socket.close</a:t>
+                  </a:r>
+                  <a:r>
+                    <a:rPr lang="en-GB" sz="1200" dirty="0">
+                      <a:latin typeface="Courier New" panose="02070309020205020404" pitchFamily="49" charset="0"/>
+                      <a:cs typeface="Courier New" panose="02070309020205020404" pitchFamily="49" charset="0"/>
+                    </a:rPr>
+                    <a:t>()</a:t>
+                  </a:r>
+                </a:p>
+              </p:txBody>
+            </p:sp>
+            <p:cxnSp>
+              <p:nvCxnSpPr>
+                <p:cNvPr id="23" name="Straight Arrow Connector 22">
+                  <a:extLst>
+                    <a:ext uri="{FF2B5EF4-FFF2-40B4-BE49-F238E27FC236}">
+                      <a16:creationId xmlns:a16="http://schemas.microsoft.com/office/drawing/2014/main" id="{EFDB6B66-1631-DA45-85A1-FAFB0FBFF0F2}"/>
+                    </a:ext>
+                  </a:extLst>
+                </p:cNvPr>
+                <p:cNvCxnSpPr>
+                  <a:cxnSpLocks/>
+                  <a:stCxn id="22" idx="3"/>
+                  <a:endCxn id="21" idx="1"/>
+                </p:cNvCxnSpPr>
+                <p:nvPr/>
+              </p:nvCxnSpPr>
+              <p:spPr>
+                <a:xfrm flipV="1">
+                  <a:off x="3240345" y="5087713"/>
+                  <a:ext cx="2084782" cy="24215"/>
+                </a:xfrm>
+                <a:prstGeom prst="straightConnector1">
+                  <a:avLst/>
+                </a:prstGeom>
+                <a:ln w="38100">
+                  <a:solidFill>
+                    <a:schemeClr val="bg1"/>
+                  </a:solidFill>
+                  <a:tailEnd type="arrow"/>
+                </a:ln>
+              </p:spPr>
+              <p:style>
+                <a:lnRef idx="1">
+                  <a:schemeClr val="accent1"/>
+                </a:lnRef>
+                <a:fillRef idx="0">
+                  <a:schemeClr val="accent1"/>
+                </a:fillRef>
+                <a:effectRef idx="0">
+                  <a:schemeClr val="accent1"/>
+                </a:effectRef>
+                <a:fontRef idx="minor">
+                  <a:schemeClr val="tx1"/>
+                </a:fontRef>
+              </p:style>
+            </p:cxnSp>
+          </p:grpSp>
+        </p:grpSp>
+        <p:sp>
+          <p:nvSpPr>
+            <p:cNvPr id="30" name="Rectangle 29">
+              <a:extLst>
+                <a:ext uri="{FF2B5EF4-FFF2-40B4-BE49-F238E27FC236}">
+                  <a16:creationId xmlns:a16="http://schemas.microsoft.com/office/drawing/2014/main" id="{7A4710F3-952F-5B42-B299-8587C721A497}"/>
+                </a:ext>
+              </a:extLst>
+            </p:cNvPr>
+            <p:cNvSpPr/>
+            <p:nvPr/>
+          </p:nvSpPr>
+          <p:spPr>
+            <a:xfrm>
+              <a:off x="611560" y="2060848"/>
+              <a:ext cx="7776864" cy="4392488"/>
+            </a:xfrm>
+            <a:prstGeom prst="rect">
+              <a:avLst/>
+            </a:prstGeom>
+            <a:noFill/>
+            <a:ln>
+              <a:solidFill>
+                <a:schemeClr val="bg1"/>
+              </a:solidFill>
+            </a:ln>
+          </p:spPr>
+          <p:style>
+            <a:lnRef idx="2">
+              <a:schemeClr val="accent1">
+                <a:shade val="50000"/>
+              </a:schemeClr>
+            </a:lnRef>
+            <a:fillRef idx="1">
+              <a:schemeClr val="accent1"/>
+            </a:fillRef>
+            <a:effectRef idx="0">
+              <a:schemeClr val="accent1"/>
+            </a:effectRef>
+            <a:fontRef idx="minor">
+              <a:schemeClr val="lt1"/>
+            </a:fontRef>
+          </p:style>
+          <p:txBody>
+            <a:bodyPr rtlCol="0" anchor="ctr"/>
+            <a:lstStyle/>
+            <a:p>
+              <a:pPr algn="ctr"/>
+              <a:endParaRPr lang="en-GB"/>
+            </a:p>
+          </p:txBody>
+        </p:sp>
+      </p:grpSp>
+    </p:spTree>
+    <p:extLst>
+      <p:ext uri="{BB962C8B-B14F-4D97-AF65-F5344CB8AC3E}">
+        <p14:creationId xmlns:p14="http://schemas.microsoft.com/office/powerpoint/2010/main" val="1315727569"/>
+      </p:ext>
+    </p:extLst>
+  </p:cSld>
+  <p:clrMapOvr>
+    <a:masterClrMapping/>
+  </p:clrMapOvr>
+</p:sld>
+</file>
+
+<file path=ppt/slides/slide16.xml><?xml version="1.0" encoding="utf-8"?>
+<p:sld xmlns:a="http://schemas.openxmlformats.org/drawingml/2006/main" xmlns:r="http://schemas.openxmlformats.org/officeDocument/2006/relationships" xmlns:p="http://schemas.openxmlformats.org/presentationml/2006/main">
+  <p:cSld>
+    <p:spTree>
+      <p:nvGrpSpPr>
+        <p:cNvPr id="1" name=""/>
+        <p:cNvGrpSpPr/>
+        <p:nvPr/>
+      </p:nvGrpSpPr>
+      <p:grpSpPr>
+        <a:xfrm>
+          <a:off x="0" y="0"/>
+          <a:ext cx="0" cy="0"/>
+          <a:chOff x="0" y="0"/>
+          <a:chExt cx="0" cy="0"/>
+        </a:xfrm>
+      </p:grpSpPr>
+      <p:sp>
+        <p:nvSpPr>
+          <p:cNvPr id="3" name="Content Placeholder 2"/>
+          <p:cNvSpPr>
+            <a:spLocks noGrp="1"/>
+          </p:cNvSpPr>
+          <p:nvPr>
+            <p:ph idx="1"/>
+          </p:nvPr>
+        </p:nvSpPr>
+        <p:spPr/>
+        <p:txBody>
+          <a:bodyPr>
+            <a:normAutofit/>
+          </a:bodyPr>
+          <a:lstStyle/>
+          <a:p>
+            <a:r>
+              <a:rPr lang="en-GB" dirty="0"/>
+              <a:t>Introduction to socket-based programming</a:t>
+            </a:r>
+          </a:p>
+          <a:p>
+            <a:pPr lvl="1"/>
+            <a:r>
+              <a:rPr lang="en-GB" dirty="0"/>
+              <a:t>In Python</a:t>
+            </a:r>
+          </a:p>
+        </p:txBody>
+      </p:sp>
+      <p:grpSp>
+        <p:nvGrpSpPr>
+          <p:cNvPr id="12" name="Group 11">
+            <a:extLst>
+              <a:ext uri="{FF2B5EF4-FFF2-40B4-BE49-F238E27FC236}">
+                <a16:creationId xmlns:a16="http://schemas.microsoft.com/office/drawing/2014/main" id="{DBFE985C-0399-4434-9394-08AC001BDE91}"/>
+              </a:ext>
+            </a:extLst>
+          </p:cNvPr>
+          <p:cNvGrpSpPr/>
+          <p:nvPr/>
+        </p:nvGrpSpPr>
+        <p:grpSpPr>
+          <a:xfrm>
+            <a:off x="395536" y="1412776"/>
+            <a:ext cx="8733656" cy="5217443"/>
+            <a:chOff x="395536" y="1700808"/>
+            <a:chExt cx="8733656" cy="5217443"/>
+          </a:xfrm>
+        </p:grpSpPr>
+        <p:sp>
+          <p:nvSpPr>
+            <p:cNvPr id="6" name="Content Placeholder 2"/>
+            <p:cNvSpPr txBox="1">
+              <a:spLocks/>
+            </p:cNvSpPr>
+            <p:nvPr/>
+          </p:nvSpPr>
+          <p:spPr>
+            <a:xfrm>
+              <a:off x="4644008" y="1700808"/>
+              <a:ext cx="4485184" cy="5217443"/>
+            </a:xfrm>
+            <a:prstGeom prst="rect">
+              <a:avLst/>
+            </a:prstGeom>
+          </p:spPr>
+          <p:txBody>
+            <a:bodyPr vert="horz" lIns="91440" tIns="45720" rIns="91440" bIns="45720" rtlCol="0">
+              <a:normAutofit/>
+            </a:bodyPr>
+            <a:lstStyle/>
+            <a:p>
+              <a:pPr marL="1143000" marR="0" lvl="2" indent="-228600" algn="l" defTabSz="914400" rtl="0" eaLnBrk="1" fontAlgn="auto" latinLnBrk="0" hangingPunct="1">
+                <a:lnSpc>
+                  <a:spcPct val="100000"/>
+                </a:lnSpc>
+                <a:spcBef>
+                  <a:spcPct val="20000"/>
+                </a:spcBef>
+                <a:spcAft>
+                  <a:spcPts val="0"/>
+                </a:spcAft>
+                <a:buClrTx/>
+                <a:buSzTx/>
+                <a:buFont typeface="Arial" pitchFamily="34" charset="0"/>
+                <a:buChar char="•"/>
+                <a:tabLst/>
+                <a:defRPr/>
+              </a:pPr>
+              <a:endParaRPr kumimoji="0" lang="en-GB" sz="2000" b="0" i="0" u="none" strike="noStrike" kern="1200" cap="none" spc="0" normalizeH="0" baseline="0" noProof="0" dirty="0">
+                <a:ln>
+                  <a:noFill/>
+                </a:ln>
+                <a:solidFill>
+                  <a:schemeClr val="bg1"/>
+                </a:solidFill>
+                <a:effectLst/>
+                <a:uLnTx/>
+                <a:uFillTx/>
+                <a:latin typeface="+mn-lt"/>
+                <a:ea typeface="+mn-ea"/>
+                <a:cs typeface="+mn-cs"/>
+              </a:endParaRPr>
+            </a:p>
+          </p:txBody>
+        </p:sp>
+        <p:grpSp>
+          <p:nvGrpSpPr>
+            <p:cNvPr id="8" name="Group 7">
+              <a:extLst>
+                <a:ext uri="{FF2B5EF4-FFF2-40B4-BE49-F238E27FC236}">
+                  <a16:creationId xmlns:a16="http://schemas.microsoft.com/office/drawing/2014/main" id="{B00EA4C6-926D-435F-9BCC-2D949395D2DF}"/>
+                </a:ext>
+              </a:extLst>
+            </p:cNvPr>
+            <p:cNvGrpSpPr/>
+            <p:nvPr/>
+          </p:nvGrpSpPr>
+          <p:grpSpPr>
+            <a:xfrm>
+              <a:off x="395536" y="2420888"/>
+              <a:ext cx="8424936" cy="3744416"/>
+              <a:chOff x="35496" y="1844824"/>
+              <a:chExt cx="9186572" cy="4048690"/>
+            </a:xfrm>
+          </p:grpSpPr>
+          <p:pic>
+            <p:nvPicPr>
+              <p:cNvPr id="4" name="Picture 3">
+                <a:extLst>
+                  <a:ext uri="{FF2B5EF4-FFF2-40B4-BE49-F238E27FC236}">
+                    <a16:creationId xmlns:a16="http://schemas.microsoft.com/office/drawing/2014/main" id="{7C17D6A9-82A3-4E06-81CE-3B065C2606EC}"/>
+                  </a:ext>
+                </a:extLst>
+              </p:cNvPr>
+              <p:cNvPicPr>
+                <a:picLocks noChangeAspect="1"/>
+              </p:cNvPicPr>
+              <p:nvPr/>
+            </p:nvPicPr>
+            <p:blipFill>
+              <a:blip r:embed="rId2"/>
+              <a:stretch>
+                <a:fillRect/>
+              </a:stretch>
+            </p:blipFill>
+            <p:spPr>
+              <a:xfrm>
+                <a:off x="4820904" y="1844824"/>
+                <a:ext cx="4401164" cy="4048690"/>
+              </a:xfrm>
+              <a:prstGeom prst="rect">
+                <a:avLst/>
+              </a:prstGeom>
+            </p:spPr>
+          </p:pic>
+          <p:pic>
+            <p:nvPicPr>
+              <p:cNvPr id="5" name="Picture 4">
+                <a:extLst>
+                  <a:ext uri="{FF2B5EF4-FFF2-40B4-BE49-F238E27FC236}">
+                    <a16:creationId xmlns:a16="http://schemas.microsoft.com/office/drawing/2014/main" id="{EEEAE0AA-C99A-4418-9991-3F802A6905EF}"/>
+                  </a:ext>
+                </a:extLst>
+              </p:cNvPr>
+              <p:cNvPicPr>
+                <a:picLocks noChangeAspect="1"/>
+              </p:cNvPicPr>
+              <p:nvPr/>
+            </p:nvPicPr>
+            <p:blipFill>
+              <a:blip r:embed="rId3"/>
+              <a:stretch>
+                <a:fillRect/>
+              </a:stretch>
+            </p:blipFill>
+            <p:spPr>
+              <a:xfrm>
+                <a:off x="35496" y="1844824"/>
+                <a:ext cx="4353533" cy="2362530"/>
+              </a:xfrm>
+              <a:prstGeom prst="rect">
+                <a:avLst/>
+              </a:prstGeom>
+            </p:spPr>
+          </p:pic>
+        </p:grpSp>
+        <p:sp>
+          <p:nvSpPr>
+            <p:cNvPr id="9" name="Rectangle 8">
+              <a:extLst>
+                <a:ext uri="{FF2B5EF4-FFF2-40B4-BE49-F238E27FC236}">
+                  <a16:creationId xmlns:a16="http://schemas.microsoft.com/office/drawing/2014/main" id="{CB0A61AB-3F2E-4A33-83A7-D213600890C7}"/>
+                </a:ext>
+              </a:extLst>
+            </p:cNvPr>
+            <p:cNvSpPr/>
+            <p:nvPr/>
+          </p:nvSpPr>
+          <p:spPr>
+            <a:xfrm>
+              <a:off x="1907704" y="1916832"/>
+              <a:ext cx="1022909" cy="523220"/>
+            </a:xfrm>
+            <a:prstGeom prst="rect">
+              <a:avLst/>
+            </a:prstGeom>
+          </p:spPr>
+          <p:txBody>
+            <a:bodyPr wrap="none">
+              <a:spAutoFit/>
+            </a:bodyPr>
+            <a:lstStyle/>
+            <a:p>
+              <a:r>
+                <a:rPr lang="en-GB" sz="2800" dirty="0">
+                  <a:solidFill>
+                    <a:schemeClr val="bg1"/>
+                  </a:solidFill>
+                </a:rPr>
+                <a:t>Client</a:t>
+              </a:r>
+            </a:p>
+          </p:txBody>
+        </p:sp>
+        <p:sp>
+          <p:nvSpPr>
+            <p:cNvPr id="36" name="Rectangle 35">
+              <a:extLst>
+                <a:ext uri="{FF2B5EF4-FFF2-40B4-BE49-F238E27FC236}">
+                  <a16:creationId xmlns:a16="http://schemas.microsoft.com/office/drawing/2014/main" id="{A1D3886F-3B61-4170-AAB5-3502E65D595C}"/>
+                </a:ext>
+              </a:extLst>
+            </p:cNvPr>
+            <p:cNvSpPr/>
+            <p:nvPr/>
+          </p:nvSpPr>
+          <p:spPr>
+            <a:xfrm>
+              <a:off x="6501419" y="1916832"/>
+              <a:ext cx="1117422" cy="523220"/>
+            </a:xfrm>
+            <a:prstGeom prst="rect">
+              <a:avLst/>
+            </a:prstGeom>
+          </p:spPr>
+          <p:txBody>
+            <a:bodyPr wrap="none">
+              <a:spAutoFit/>
+            </a:bodyPr>
+            <a:lstStyle/>
+            <a:p>
+              <a:r>
+                <a:rPr lang="en-GB" sz="2800" dirty="0">
+                  <a:solidFill>
+                    <a:schemeClr val="bg1"/>
+                  </a:solidFill>
+                </a:rPr>
+                <a:t>Server</a:t>
+              </a:r>
+            </a:p>
+          </p:txBody>
+        </p:sp>
+      </p:grpSp>
+    </p:spTree>
+    <p:extLst>
+      <p:ext uri="{BB962C8B-B14F-4D97-AF65-F5344CB8AC3E}">
+        <p14:creationId xmlns:p14="http://schemas.microsoft.com/office/powerpoint/2010/main" val="2971662050"/>
+      </p:ext>
+    </p:extLst>
+  </p:cSld>
+  <p:clrMapOvr>
+    <a:masterClrMapping/>
+  </p:clrMapOvr>
+</p:sld>
+</file>
+
+<file path=ppt/slides/slide17.xml><?xml version="1.0" encoding="utf-8"?>
+<p:sld xmlns:a="http://schemas.openxmlformats.org/drawingml/2006/main" xmlns:r="http://schemas.openxmlformats.org/officeDocument/2006/relationships" xmlns:p="http://schemas.openxmlformats.org/presentationml/2006/main">
+  <p:cSld>
+    <p:spTree>
+      <p:nvGrpSpPr>
+        <p:cNvPr id="1" name=""/>
+        <p:cNvGrpSpPr/>
+        <p:nvPr/>
+      </p:nvGrpSpPr>
+      <p:grpSpPr>
+        <a:xfrm>
+          <a:off x="0" y="0"/>
+          <a:ext cx="0" cy="0"/>
+          <a:chOff x="0" y="0"/>
+          <a:chExt cx="0" cy="0"/>
+        </a:xfrm>
+      </p:grpSpPr>
+      <p:sp>
+        <p:nvSpPr>
+          <p:cNvPr id="3" name="Content Placeholder 2"/>
+          <p:cNvSpPr>
+            <a:spLocks noGrp="1"/>
+          </p:cNvSpPr>
+          <p:nvPr>
+            <p:ph idx="1"/>
+          </p:nvPr>
+        </p:nvSpPr>
+        <p:spPr/>
+        <p:txBody>
+          <a:bodyPr>
+            <a:normAutofit/>
+          </a:bodyPr>
+          <a:lstStyle/>
+          <a:p>
+            <a:r>
+              <a:rPr lang="en-GB" dirty="0"/>
+              <a:t>Introduction to socket-based programming</a:t>
+            </a:r>
+          </a:p>
+          <a:p>
+            <a:pPr lvl="1"/>
+            <a:r>
+              <a:rPr lang="en-GB" dirty="0"/>
+              <a:t>In C#</a:t>
+            </a:r>
+          </a:p>
+        </p:txBody>
+      </p:sp>
+      <p:grpSp>
+        <p:nvGrpSpPr>
+          <p:cNvPr id="4" name="Group 3">
+            <a:extLst>
+              <a:ext uri="{FF2B5EF4-FFF2-40B4-BE49-F238E27FC236}">
+                <a16:creationId xmlns:a16="http://schemas.microsoft.com/office/drawing/2014/main" id="{A70E35BD-9359-4C49-9AE3-3CBD1F9F1666}"/>
+              </a:ext>
+            </a:extLst>
+          </p:cNvPr>
+          <p:cNvGrpSpPr/>
+          <p:nvPr/>
+        </p:nvGrpSpPr>
+        <p:grpSpPr>
+          <a:xfrm>
+            <a:off x="1770425" y="1628800"/>
+            <a:ext cx="5753903" cy="4390798"/>
+            <a:chOff x="323528" y="1628800"/>
+            <a:chExt cx="5753903" cy="4390798"/>
+          </a:xfrm>
+        </p:grpSpPr>
+        <p:sp>
+          <p:nvSpPr>
+            <p:cNvPr id="9" name="Rectangle 8">
+              <a:extLst>
+                <a:ext uri="{FF2B5EF4-FFF2-40B4-BE49-F238E27FC236}">
+                  <a16:creationId xmlns:a16="http://schemas.microsoft.com/office/drawing/2014/main" id="{CB0A61AB-3F2E-4A33-83A7-D213600890C7}"/>
+                </a:ext>
+              </a:extLst>
+            </p:cNvPr>
+            <p:cNvSpPr/>
+            <p:nvPr/>
+          </p:nvSpPr>
+          <p:spPr>
+            <a:xfrm>
+              <a:off x="2612987" y="1628800"/>
+              <a:ext cx="1022909" cy="523220"/>
+            </a:xfrm>
+            <a:prstGeom prst="rect">
+              <a:avLst/>
+            </a:prstGeom>
+          </p:spPr>
+          <p:txBody>
+            <a:bodyPr wrap="none">
+              <a:spAutoFit/>
+            </a:bodyPr>
+            <a:lstStyle/>
+            <a:p>
+              <a:r>
+                <a:rPr lang="en-GB" sz="2800" dirty="0">
+                  <a:solidFill>
+                    <a:schemeClr val="bg1"/>
+                  </a:solidFill>
+                </a:rPr>
+                <a:t>Client</a:t>
+              </a:r>
+            </a:p>
+          </p:txBody>
+        </p:sp>
+        <p:pic>
+          <p:nvPicPr>
+            <p:cNvPr id="2" name="Picture 1">
+              <a:extLst>
+                <a:ext uri="{FF2B5EF4-FFF2-40B4-BE49-F238E27FC236}">
+                  <a16:creationId xmlns:a16="http://schemas.microsoft.com/office/drawing/2014/main" id="{0D7AD943-08D3-473A-8A60-7654D2107529}"/>
+                </a:ext>
+              </a:extLst>
+            </p:cNvPr>
+            <p:cNvPicPr>
+              <a:picLocks noChangeAspect="1"/>
+            </p:cNvPicPr>
+            <p:nvPr/>
+          </p:nvPicPr>
+          <p:blipFill>
+            <a:blip r:embed="rId2"/>
+            <a:stretch>
+              <a:fillRect/>
+            </a:stretch>
+          </p:blipFill>
+          <p:spPr>
+            <a:xfrm>
+              <a:off x="323528" y="2132856"/>
+              <a:ext cx="5753903" cy="3886742"/>
+            </a:xfrm>
+            <a:prstGeom prst="rect">
+              <a:avLst/>
+            </a:prstGeom>
+          </p:spPr>
+        </p:pic>
+      </p:grpSp>
+    </p:spTree>
+    <p:extLst>
+      <p:ext uri="{BB962C8B-B14F-4D97-AF65-F5344CB8AC3E}">
+        <p14:creationId xmlns:p14="http://schemas.microsoft.com/office/powerpoint/2010/main" val="3836180031"/>
+      </p:ext>
+    </p:extLst>
+  </p:cSld>
+  <p:clrMapOvr>
+    <a:masterClrMapping/>
+  </p:clrMapOvr>
+</p:sld>
+</file>
+
+<file path=ppt/slides/slide18.xml><?xml version="1.0" encoding="utf-8"?>
+<p:sld xmlns:a="http://schemas.openxmlformats.org/drawingml/2006/main" xmlns:r="http://schemas.openxmlformats.org/officeDocument/2006/relationships" xmlns:p="http://schemas.openxmlformats.org/presentationml/2006/main">
+  <p:cSld>
+    <p:spTree>
+      <p:nvGrpSpPr>
+        <p:cNvPr id="1" name=""/>
+        <p:cNvGrpSpPr/>
+        <p:nvPr/>
+      </p:nvGrpSpPr>
+      <p:grpSpPr>
+        <a:xfrm>
+          <a:off x="0" y="0"/>
+          <a:ext cx="0" cy="0"/>
+          <a:chOff x="0" y="0"/>
+          <a:chExt cx="0" cy="0"/>
+        </a:xfrm>
+      </p:grpSpPr>
+      <p:sp>
+        <p:nvSpPr>
+          <p:cNvPr id="3" name="Content Placeholder 2"/>
+          <p:cNvSpPr>
+            <a:spLocks noGrp="1"/>
+          </p:cNvSpPr>
+          <p:nvPr>
+            <p:ph idx="1"/>
+          </p:nvPr>
+        </p:nvSpPr>
+        <p:spPr/>
+        <p:txBody>
+          <a:bodyPr>
+            <a:normAutofit/>
+          </a:bodyPr>
+          <a:lstStyle/>
+          <a:p>
+            <a:r>
+              <a:rPr lang="en-GB" dirty="0"/>
+              <a:t>Introduction to socket-based programming</a:t>
+            </a:r>
+          </a:p>
+          <a:p>
+            <a:pPr lvl="1"/>
+            <a:r>
+              <a:rPr lang="en-GB" dirty="0"/>
+              <a:t>In C#</a:t>
+            </a:r>
+          </a:p>
+        </p:txBody>
+      </p:sp>
+      <p:sp>
+        <p:nvSpPr>
+          <p:cNvPr id="9" name="Rectangle 8">
+            <a:extLst>
+              <a:ext uri="{FF2B5EF4-FFF2-40B4-BE49-F238E27FC236}">
+                <a16:creationId xmlns:a16="http://schemas.microsoft.com/office/drawing/2014/main" id="{CB0A61AB-3F2E-4A33-83A7-D213600890C7}"/>
+              </a:ext>
+            </a:extLst>
+          </p:cNvPr>
+          <p:cNvSpPr/>
+          <p:nvPr/>
+        </p:nvSpPr>
+        <p:spPr>
+          <a:xfrm>
+            <a:off x="4059884" y="1628800"/>
+            <a:ext cx="1117422" cy="523220"/>
+          </a:xfrm>
+          <a:prstGeom prst="rect">
+            <a:avLst/>
+          </a:prstGeom>
+        </p:spPr>
+        <p:txBody>
+          <a:bodyPr wrap="none">
+            <a:spAutoFit/>
+          </a:bodyPr>
+          <a:lstStyle/>
+          <a:p>
+            <a:r>
+              <a:rPr lang="en-GB" sz="2800" dirty="0">
+                <a:solidFill>
+                  <a:schemeClr val="bg1"/>
+                </a:solidFill>
+              </a:rPr>
+              <a:t>Server</a:t>
+            </a:r>
+          </a:p>
+        </p:txBody>
+      </p:sp>
+      <p:pic>
+        <p:nvPicPr>
+          <p:cNvPr id="5" name="Picture 4">
+            <a:extLst>
+              <a:ext uri="{FF2B5EF4-FFF2-40B4-BE49-F238E27FC236}">
+                <a16:creationId xmlns:a16="http://schemas.microsoft.com/office/drawing/2014/main" id="{E1FC1EC2-9035-4B45-BFC1-AF3FB72A5EA8}"/>
+              </a:ext>
+            </a:extLst>
+          </p:cNvPr>
+          <p:cNvPicPr>
+            <a:picLocks noChangeAspect="1"/>
+          </p:cNvPicPr>
+          <p:nvPr/>
+        </p:nvPicPr>
+        <p:blipFill>
+          <a:blip r:embed="rId2"/>
+          <a:stretch>
+            <a:fillRect/>
+          </a:stretch>
+        </p:blipFill>
+        <p:spPr>
+          <a:xfrm>
+            <a:off x="1763688" y="2204864"/>
+            <a:ext cx="5947516" cy="4308136"/>
+          </a:xfrm>
+          <a:prstGeom prst="rect">
+            <a:avLst/>
+          </a:prstGeom>
+        </p:spPr>
+      </p:pic>
+    </p:spTree>
+    <p:extLst>
+      <p:ext uri="{BB962C8B-B14F-4D97-AF65-F5344CB8AC3E}">
+        <p14:creationId xmlns:p14="http://schemas.microsoft.com/office/powerpoint/2010/main" val="777389429"/>
+      </p:ext>
+    </p:extLst>
+  </p:cSld>
+  <p:clrMapOvr>
+    <a:masterClrMapping/>
+  </p:clrMapOvr>
+</p:sld>
+</file>
+
+<file path=ppt/slides/slide19.xml><?xml version="1.0" encoding="utf-8"?>
+<p:sld xmlns:a="http://schemas.openxmlformats.org/drawingml/2006/main" xmlns:r="http://schemas.openxmlformats.org/officeDocument/2006/relationships" xmlns:p="http://schemas.openxmlformats.org/presentationml/2006/main">
+  <p:cSld>
+    <p:spTree>
+      <p:nvGrpSpPr>
+        <p:cNvPr id="1" name=""/>
+        <p:cNvGrpSpPr/>
+        <p:nvPr/>
+      </p:nvGrpSpPr>
+      <p:grpSpPr>
+        <a:xfrm>
+          <a:off x="0" y="0"/>
+          <a:ext cx="0" cy="0"/>
+          <a:chOff x="0" y="0"/>
+          <a:chExt cx="0" cy="0"/>
+        </a:xfrm>
+      </p:grpSpPr>
+      <p:sp>
+        <p:nvSpPr>
+          <p:cNvPr id="3" name="Content Placeholder 2"/>
+          <p:cNvSpPr>
+            <a:spLocks noGrp="1"/>
+          </p:cNvSpPr>
+          <p:nvPr>
+            <p:ph idx="1"/>
+          </p:nvPr>
+        </p:nvSpPr>
+        <p:spPr>
+          <a:xfrm>
+            <a:off x="457200" y="548680"/>
+            <a:ext cx="8229600" cy="6309320"/>
+          </a:xfrm>
+        </p:spPr>
+        <p:txBody>
+          <a:bodyPr>
+            <a:normAutofit fontScale="92500" lnSpcReduction="20000"/>
+          </a:bodyPr>
+          <a:lstStyle/>
+          <a:p>
+            <a:r>
+              <a:rPr lang="en-GB" dirty="0"/>
+              <a:t>Introduction to socket-based programming</a:t>
+            </a:r>
+          </a:p>
+          <a:p>
+            <a:endParaRPr lang="en-GB" dirty="0"/>
+          </a:p>
+          <a:p>
+            <a:pPr lvl="1"/>
+            <a:r>
+              <a:rPr lang="en-GB" dirty="0"/>
+              <a:t>Regardless of programming language</a:t>
+            </a:r>
+          </a:p>
+          <a:p>
+            <a:pPr lvl="2"/>
+            <a:r>
+              <a:rPr lang="en-GB" dirty="0"/>
+              <a:t>Sockets work in the same way </a:t>
+            </a:r>
+          </a:p>
+          <a:p>
+            <a:pPr lvl="3"/>
+            <a:r>
+              <a:rPr lang="en-GB" dirty="0"/>
+              <a:t>Create, bind, listen, connect, accept, send receive, close</a:t>
+            </a:r>
+          </a:p>
+          <a:p>
+            <a:pPr lvl="3"/>
+            <a:r>
+              <a:rPr lang="en-GB" dirty="0"/>
+              <a:t>‘Broadly’ equivalent to working with files (open, read, write, close)</a:t>
+            </a:r>
+          </a:p>
+          <a:p>
+            <a:pPr lvl="4"/>
+            <a:r>
+              <a:rPr lang="en-GB" dirty="0"/>
+              <a:t>Think of a socket as a file you can read &amp; write to</a:t>
+            </a:r>
+          </a:p>
+          <a:p>
+            <a:pPr lvl="3"/>
+            <a:endParaRPr lang="en-GB" dirty="0"/>
+          </a:p>
+          <a:p>
+            <a:pPr lvl="2"/>
+            <a:r>
+              <a:rPr lang="en-GB" dirty="0"/>
+              <a:t>Data is sent as a stream of bytes (just like HTTP)</a:t>
+            </a:r>
+          </a:p>
+          <a:p>
+            <a:pPr lvl="3"/>
+            <a:r>
+              <a:rPr lang="en-GB" dirty="0"/>
+              <a:t>Convert data to bytes (serialise)</a:t>
+            </a:r>
+          </a:p>
+          <a:p>
+            <a:pPr lvl="3"/>
+            <a:r>
+              <a:rPr lang="en-GB" dirty="0"/>
+              <a:t>Send it as bytes</a:t>
+            </a:r>
+          </a:p>
+          <a:p>
+            <a:pPr lvl="3"/>
+            <a:r>
+              <a:rPr lang="en-GB" dirty="0"/>
+              <a:t>Receive it as bytes</a:t>
+            </a:r>
+          </a:p>
+          <a:p>
+            <a:pPr lvl="3"/>
+            <a:r>
+              <a:rPr lang="en-GB" dirty="0"/>
+              <a:t>Convert bytes to data (de-serialise)</a:t>
+            </a:r>
+          </a:p>
+          <a:p>
+            <a:pPr lvl="3"/>
+            <a:endParaRPr lang="en-GB" dirty="0"/>
+          </a:p>
+          <a:p>
+            <a:pPr lvl="1"/>
+            <a:r>
+              <a:rPr lang="en-GB" dirty="0"/>
+              <a:t>This makes it ‘easy’ to communicate between applications, machines and operating systems</a:t>
+            </a:r>
+          </a:p>
+          <a:p>
+            <a:pPr lvl="2"/>
+            <a:r>
+              <a:rPr lang="en-GB" dirty="0"/>
+              <a:t>Sockets are relatively platform agnostic</a:t>
+            </a:r>
+          </a:p>
+          <a:p>
+            <a:pPr lvl="2"/>
+            <a:r>
+              <a:rPr lang="en-GB" dirty="0"/>
+              <a:t>Be aware of string formats (ASCII encoding, utf-8 etc)</a:t>
+            </a:r>
+          </a:p>
+        </p:txBody>
+      </p:sp>
+    </p:spTree>
+    <p:extLst>
+      <p:ext uri="{BB962C8B-B14F-4D97-AF65-F5344CB8AC3E}">
+        <p14:creationId xmlns:p14="http://schemas.microsoft.com/office/powerpoint/2010/main" val="1986509954"/>
+      </p:ext>
+    </p:extLst>
+  </p:cSld>
+  <p:clrMapOvr>
+    <a:masterClrMapping/>
+  </p:clrMapOvr>
+</p:sld>
+</file>
+
+<file path=ppt/slides/slide2.xml><?xml version="1.0" encoding="utf-8"?>
+<p:sld xmlns:a="http://schemas.openxmlformats.org/drawingml/2006/main" xmlns:r="http://schemas.openxmlformats.org/officeDocument/2006/relationships" xmlns:p="http://schemas.openxmlformats.org/presentationml/2006/main">
+  <p:cSld>
+    <p:spTree>
+      <p:nvGrpSpPr>
+        <p:cNvPr id="1" name=""/>
+        <p:cNvGrpSpPr/>
+        <p:nvPr/>
+      </p:nvGrpSpPr>
+      <p:grpSpPr>
+        <a:xfrm>
+          <a:off x="0" y="0"/>
+          <a:ext cx="0" cy="0"/>
+          <a:chOff x="0" y="0"/>
+          <a:chExt cx="0" cy="0"/>
+        </a:xfrm>
+      </p:grpSpPr>
+      <p:sp>
+        <p:nvSpPr>
+          <p:cNvPr id="3" name="Content Placeholder 2"/>
+          <p:cNvSpPr>
+            <a:spLocks noGrp="1"/>
+          </p:cNvSpPr>
+          <p:nvPr>
+            <p:ph idx="1"/>
+          </p:nvPr>
+        </p:nvSpPr>
+        <p:spPr/>
+        <p:txBody>
+          <a:bodyPr>
+            <a:normAutofit/>
+          </a:bodyPr>
+          <a:lstStyle/>
+          <a:p>
+            <a:r>
+              <a:rPr lang="en-GB" dirty="0"/>
+              <a:t>Today’s session:</a:t>
+            </a:r>
+          </a:p>
+          <a:p>
+            <a:pPr lvl="1"/>
+            <a:r>
+              <a:rPr lang="en-GB" dirty="0"/>
+              <a:t>Introduction to the module &amp; assignments</a:t>
+            </a:r>
+          </a:p>
+          <a:p>
+            <a:pPr lvl="1"/>
+            <a:r>
+              <a:rPr lang="en-GB" dirty="0"/>
+              <a:t>Introduction to socket-based programming</a:t>
+            </a:r>
+          </a:p>
+          <a:p>
+            <a:pPr lvl="1"/>
+            <a:endParaRPr lang="en-GB" dirty="0"/>
+          </a:p>
+          <a:p>
+            <a:pPr marL="457200" lvl="1" indent="0">
+              <a:buNone/>
+            </a:pPr>
+            <a:endParaRPr lang="en-GB" dirty="0"/>
+          </a:p>
+        </p:txBody>
+      </p:sp>
+    </p:spTree>
+    <p:extLst>
+      <p:ext uri="{BB962C8B-B14F-4D97-AF65-F5344CB8AC3E}">
+        <p14:creationId xmlns:p14="http://schemas.microsoft.com/office/powerpoint/2010/main" val="4181882547"/>
+      </p:ext>
+    </p:extLst>
+  </p:cSld>
+  <p:clrMapOvr>
+    <a:masterClrMapping/>
+  </p:clrMapOvr>
+</p:sld>
+</file>
+
+<file path=ppt/slides/slide20.xml><?xml version="1.0" encoding="utf-8"?>
+<p:sld xmlns:a="http://schemas.openxmlformats.org/drawingml/2006/main" xmlns:r="http://schemas.openxmlformats.org/officeDocument/2006/relationships" xmlns:p="http://schemas.openxmlformats.org/presentationml/2006/main">
+  <p:cSld>
+    <p:spTree>
+      <p:nvGrpSpPr>
+        <p:cNvPr id="1" name=""/>
+        <p:cNvGrpSpPr/>
+        <p:nvPr/>
+      </p:nvGrpSpPr>
+      <p:grpSpPr>
+        <a:xfrm>
+          <a:off x="0" y="0"/>
+          <a:ext cx="0" cy="0"/>
+          <a:chOff x="0" y="0"/>
+          <a:chExt cx="0" cy="0"/>
+        </a:xfrm>
+      </p:grpSpPr>
+      <p:sp>
+        <p:nvSpPr>
+          <p:cNvPr id="3" name="Content Placeholder 2"/>
+          <p:cNvSpPr>
+            <a:spLocks noGrp="1"/>
+          </p:cNvSpPr>
+          <p:nvPr>
+            <p:ph idx="1"/>
+          </p:nvPr>
+        </p:nvSpPr>
+        <p:spPr>
+          <a:xfrm>
+            <a:off x="457200" y="548680"/>
+            <a:ext cx="8229600" cy="6192688"/>
+          </a:xfrm>
+        </p:spPr>
+        <p:txBody>
+          <a:bodyPr>
+            <a:normAutofit/>
+          </a:bodyPr>
+          <a:lstStyle/>
+          <a:p>
+            <a:endParaRPr lang="en-GB" dirty="0"/>
+          </a:p>
+          <a:p>
+            <a:endParaRPr lang="en-GB" dirty="0"/>
+          </a:p>
+          <a:p>
+            <a:endParaRPr lang="en-GB" dirty="0"/>
+          </a:p>
+          <a:p>
+            <a:endParaRPr lang="en-GB" dirty="0"/>
+          </a:p>
+          <a:p>
+            <a:r>
+              <a:rPr lang="en-GB" dirty="0"/>
+              <a:t>Questions</a:t>
+            </a:r>
+          </a:p>
+          <a:p>
+            <a:pPr lvl="1"/>
+            <a:endParaRPr lang="en-GB" dirty="0"/>
+          </a:p>
+          <a:p>
+            <a:pPr lvl="1"/>
+            <a:endParaRPr lang="en-GB" dirty="0"/>
+          </a:p>
+        </p:txBody>
+      </p:sp>
+    </p:spTree>
+  </p:cSld>
+  <p:clrMapOvr>
+    <a:masterClrMapping/>
+  </p:clrMapOvr>
+</p:sld>
+</file>
+
+<file path=ppt/slides/slide21.xml><?xml version="1.0" encoding="utf-8"?>
+<p:sld xmlns:a="http://schemas.openxmlformats.org/drawingml/2006/main" xmlns:r="http://schemas.openxmlformats.org/officeDocument/2006/relationships" xmlns:p="http://schemas.openxmlformats.org/presentationml/2006/main">
+  <p:cSld>
+    <p:spTree>
+      <p:nvGrpSpPr>
+        <p:cNvPr id="1" name=""/>
+        <p:cNvGrpSpPr/>
+        <p:nvPr/>
+      </p:nvGrpSpPr>
+      <p:grpSpPr>
+        <a:xfrm>
+          <a:off x="0" y="0"/>
+          <a:ext cx="0" cy="0"/>
+          <a:chOff x="0" y="0"/>
+          <a:chExt cx="0" cy="0"/>
+        </a:xfrm>
+      </p:grpSpPr>
+      <p:sp>
+        <p:nvSpPr>
+          <p:cNvPr id="3" name="Content Placeholder 2"/>
+          <p:cNvSpPr>
+            <a:spLocks noGrp="1"/>
+          </p:cNvSpPr>
+          <p:nvPr>
+            <p:ph idx="1"/>
+          </p:nvPr>
+        </p:nvSpPr>
+        <p:spPr>
+          <a:xfrm>
+            <a:off x="457200" y="548680"/>
+            <a:ext cx="8229600" cy="6309320"/>
+          </a:xfrm>
+        </p:spPr>
+        <p:txBody>
+          <a:bodyPr>
+            <a:normAutofit/>
+          </a:bodyPr>
+          <a:lstStyle/>
+          <a:p>
+            <a:r>
+              <a:rPr lang="en-GB" dirty="0"/>
+              <a:t>For Next Week</a:t>
+            </a:r>
+          </a:p>
+          <a:p>
+            <a:pPr lvl="1"/>
+            <a:r>
+              <a:rPr lang="en-GB" dirty="0"/>
+              <a:t>Experiment with the client/server code</a:t>
+            </a:r>
+          </a:p>
+          <a:p>
+            <a:pPr lvl="2"/>
+            <a:r>
+              <a:rPr lang="en-GB" dirty="0"/>
+              <a:t>Particularly mix &amp; match Python and C# applications</a:t>
+            </a:r>
+          </a:p>
+          <a:p>
+            <a:pPr lvl="2"/>
+            <a:endParaRPr lang="en-GB" dirty="0"/>
+          </a:p>
+          <a:p>
+            <a:pPr lvl="1"/>
+            <a:r>
+              <a:rPr lang="en-GB" dirty="0"/>
+              <a:t>Proposal Reviews on Tuesday</a:t>
+            </a:r>
+          </a:p>
+          <a:p>
+            <a:pPr lvl="2"/>
+            <a:r>
+              <a:rPr lang="en-GB" dirty="0"/>
+              <a:t>What do want to </a:t>
+            </a:r>
+            <a:r>
+              <a:rPr lang="en-GB"/>
+              <a:t>build with Al?</a:t>
+            </a:r>
+            <a:endParaRPr lang="en-GB" dirty="0"/>
+          </a:p>
+        </p:txBody>
+      </p:sp>
+    </p:spTree>
+    <p:extLst>
+      <p:ext uri="{BB962C8B-B14F-4D97-AF65-F5344CB8AC3E}">
+        <p14:creationId xmlns:p14="http://schemas.microsoft.com/office/powerpoint/2010/main" val="1395113022"/>
       </p:ext>
     </p:extLst>
   </p:cSld>
@@ -4949,13 +8356,10 @@
           </a:p>
           <a:p>
             <a:pPr lvl="1"/>
-            <a:r>
-              <a:rPr lang="en-GB" dirty="0"/>
-              <a:t>Assignment 2: Technical Report</a:t>
-            </a:r>
-          </a:p>
-          <a:p>
-            <a:pPr lvl="3"/>
+            <a:endParaRPr lang="en-GB" dirty="0"/>
+          </a:p>
+          <a:p>
+            <a:pPr lvl="1"/>
             <a:endParaRPr lang="en-GB" dirty="0"/>
           </a:p>
         </p:txBody>
@@ -4963,7 +8367,7 @@
     </p:spTree>
     <p:extLst>
       <p:ext uri="{BB962C8B-B14F-4D97-AF65-F5344CB8AC3E}">
-        <p14:creationId xmlns:p14="http://schemas.microsoft.com/office/powerpoint/2010/main" val="3207409805"/>
+        <p14:creationId xmlns:p14="http://schemas.microsoft.com/office/powerpoint/2010/main" val="1023382229"/>
       </p:ext>
     </p:extLst>
   </p:cSld>
@@ -4974,6 +8378,140 @@
 </file>
 
 <file path=ppt/slides/slide4.xml><?xml version="1.0" encoding="utf-8"?>
+<p:sld xmlns:a="http://schemas.openxmlformats.org/drawingml/2006/main" xmlns:r="http://schemas.openxmlformats.org/officeDocument/2006/relationships" xmlns:p="http://schemas.openxmlformats.org/presentationml/2006/main">
+  <p:cSld>
+    <p:spTree>
+      <p:nvGrpSpPr>
+        <p:cNvPr id="1" name=""/>
+        <p:cNvGrpSpPr/>
+        <p:nvPr/>
+      </p:nvGrpSpPr>
+      <p:grpSpPr>
+        <a:xfrm>
+          <a:off x="0" y="0"/>
+          <a:ext cx="0" cy="0"/>
+          <a:chOff x="0" y="0"/>
+          <a:chExt cx="0" cy="0"/>
+        </a:xfrm>
+      </p:grpSpPr>
+      <p:sp>
+        <p:nvSpPr>
+          <p:cNvPr id="3" name="Content Placeholder 2"/>
+          <p:cNvSpPr>
+            <a:spLocks noGrp="1"/>
+          </p:cNvSpPr>
+          <p:nvPr>
+            <p:ph idx="1"/>
+          </p:nvPr>
+        </p:nvSpPr>
+        <p:spPr>
+          <a:xfrm>
+            <a:off x="457200" y="548680"/>
+            <a:ext cx="8229600" cy="6192688"/>
+          </a:xfrm>
+        </p:spPr>
+        <p:txBody>
+          <a:bodyPr>
+            <a:normAutofit/>
+          </a:bodyPr>
+          <a:lstStyle/>
+          <a:p>
+            <a:r>
+              <a:rPr lang="en-GB" dirty="0"/>
+              <a:t>Introduction to the module</a:t>
+            </a:r>
+          </a:p>
+          <a:p>
+            <a:pPr lvl="1"/>
+            <a:r>
+              <a:rPr lang="en-GB" dirty="0"/>
+              <a:t>A 10 week module to introduce you to distributed processing (networking)</a:t>
+            </a:r>
+          </a:p>
+          <a:p>
+            <a:pPr lvl="1"/>
+            <a:r>
+              <a:rPr lang="en-GB" dirty="0"/>
+              <a:t>In two parts:</a:t>
+            </a:r>
+          </a:p>
+          <a:p>
+            <a:pPr lvl="2"/>
+            <a:r>
+              <a:rPr lang="en-GB" dirty="0"/>
+              <a:t>My part (turn-based networking)</a:t>
+            </a:r>
+          </a:p>
+          <a:p>
+            <a:pPr lvl="3"/>
+            <a:r>
+              <a:rPr lang="en-GB" dirty="0"/>
+              <a:t>Fundamental socket programming</a:t>
+            </a:r>
+          </a:p>
+          <a:p>
+            <a:pPr lvl="3"/>
+            <a:r>
+              <a:rPr lang="en-GB" dirty="0"/>
+              <a:t>Technical Architecture</a:t>
+            </a:r>
+          </a:p>
+          <a:p>
+            <a:pPr lvl="3"/>
+            <a:r>
+              <a:rPr lang="en-GB" dirty="0"/>
+              <a:t>Hosting services on remote servers</a:t>
+            </a:r>
+          </a:p>
+          <a:p>
+            <a:pPr lvl="3"/>
+            <a:endParaRPr lang="en-GB" dirty="0"/>
+          </a:p>
+          <a:p>
+            <a:pPr lvl="2"/>
+            <a:r>
+              <a:rPr lang="en-GB" dirty="0"/>
+              <a:t>Al’s part (real-time networking)</a:t>
+            </a:r>
+          </a:p>
+          <a:p>
+            <a:pPr lvl="3"/>
+            <a:r>
+              <a:rPr lang="en-GB" dirty="0"/>
+              <a:t>Real-time provision in Unity &amp; networking engines</a:t>
+            </a:r>
+          </a:p>
+          <a:p>
+            <a:pPr lvl="3"/>
+            <a:r>
+              <a:rPr lang="en-GB" dirty="0"/>
+              <a:t>Games that rely on object duplication &amp; synchronisation</a:t>
+            </a:r>
+          </a:p>
+          <a:p>
+            <a:pPr lvl="3"/>
+            <a:endParaRPr lang="en-GB" dirty="0"/>
+          </a:p>
+          <a:p>
+            <a:pPr lvl="1"/>
+            <a:endParaRPr lang="en-GB" dirty="0"/>
+          </a:p>
+        </p:txBody>
+      </p:sp>
+    </p:spTree>
+    <p:extLst>
+      <p:ext uri="{BB962C8B-B14F-4D97-AF65-F5344CB8AC3E}">
+        <p14:creationId xmlns:p14="http://schemas.microsoft.com/office/powerpoint/2010/main" val="160260702"/>
+      </p:ext>
+    </p:extLst>
+  </p:cSld>
+  <p:clrMapOvr>
+    <a:masterClrMapping/>
+  </p:clrMapOvr>
+</p:sld>
+</file>
+
+<file path=ppt/slides/slide5.xml><?xml version="1.0" encoding="utf-8"?>
 <p:sld xmlns:a="http://schemas.openxmlformats.org/drawingml/2006/main" xmlns:r="http://schemas.openxmlformats.org/officeDocument/2006/relationships" xmlns:p="http://schemas.openxmlformats.org/presentationml/2006/main">
   <p:cSld>
     <p:spTree>
@@ -7560,7 +11098,165 @@
 </p:sld>
 </file>
 
-<file path=ppt/slides/slide5.xml><?xml version="1.0" encoding="utf-8"?>
+<file path=ppt/slides/slide6.xml><?xml version="1.0" encoding="utf-8"?>
+<p:sld xmlns:a="http://schemas.openxmlformats.org/drawingml/2006/main" xmlns:r="http://schemas.openxmlformats.org/officeDocument/2006/relationships" xmlns:p="http://schemas.openxmlformats.org/presentationml/2006/main">
+  <p:cSld>
+    <p:spTree>
+      <p:nvGrpSpPr>
+        <p:cNvPr id="1" name=""/>
+        <p:cNvGrpSpPr/>
+        <p:nvPr/>
+      </p:nvGrpSpPr>
+      <p:grpSpPr>
+        <a:xfrm>
+          <a:off x="0" y="0"/>
+          <a:ext cx="0" cy="0"/>
+          <a:chOff x="0" y="0"/>
+          <a:chExt cx="0" cy="0"/>
+        </a:xfrm>
+      </p:grpSpPr>
+      <p:sp>
+        <p:nvSpPr>
+          <p:cNvPr id="3" name="Content Placeholder 2"/>
+          <p:cNvSpPr>
+            <a:spLocks noGrp="1"/>
+          </p:cNvSpPr>
+          <p:nvPr>
+            <p:ph idx="1"/>
+          </p:nvPr>
+        </p:nvSpPr>
+        <p:spPr>
+          <a:xfrm>
+            <a:off x="457200" y="548680"/>
+            <a:ext cx="8229600" cy="6192688"/>
+          </a:xfrm>
+        </p:spPr>
+        <p:txBody>
+          <a:bodyPr>
+            <a:normAutofit lnSpcReduction="10000"/>
+          </a:bodyPr>
+          <a:lstStyle/>
+          <a:p>
+            <a:r>
+              <a:rPr lang="en-GB" dirty="0"/>
+              <a:t>Introduction to the module</a:t>
+            </a:r>
+          </a:p>
+          <a:p>
+            <a:pPr lvl="1"/>
+            <a:r>
+              <a:rPr lang="en-GB" dirty="0"/>
+              <a:t>Assignments</a:t>
+            </a:r>
+          </a:p>
+          <a:p>
+            <a:pPr lvl="2"/>
+            <a:r>
+              <a:rPr lang="en-GB" dirty="0"/>
+              <a:t>Assignment 1: Computing Artefact</a:t>
+            </a:r>
+          </a:p>
+          <a:p>
+            <a:pPr lvl="3"/>
+            <a:r>
+              <a:rPr lang="en-GB" dirty="0"/>
+              <a:t>Two Parts</a:t>
+            </a:r>
+          </a:p>
+          <a:p>
+            <a:pPr lvl="4"/>
+            <a:r>
+              <a:rPr lang="en-GB" dirty="0"/>
+              <a:t>Create a turn-based game &amp; host on a remote server</a:t>
+            </a:r>
+          </a:p>
+          <a:p>
+            <a:pPr lvl="5"/>
+            <a:r>
+              <a:rPr lang="en-GB" dirty="0"/>
+              <a:t>Technical analysis</a:t>
+            </a:r>
+          </a:p>
+          <a:p>
+            <a:pPr lvl="5"/>
+            <a:r>
+              <a:rPr lang="en-GB" dirty="0"/>
+              <a:t>Technical design</a:t>
+            </a:r>
+          </a:p>
+          <a:p>
+            <a:pPr lvl="5"/>
+            <a:r>
+              <a:rPr lang="en-GB" dirty="0"/>
+              <a:t>Demo on remote server</a:t>
+            </a:r>
+          </a:p>
+          <a:p>
+            <a:pPr lvl="4"/>
+            <a:r>
+              <a:rPr lang="en-GB" dirty="0"/>
+              <a:t>Create a real-time networked game</a:t>
+            </a:r>
+          </a:p>
+          <a:p>
+            <a:pPr lvl="5"/>
+            <a:r>
+              <a:rPr lang="en-GB" dirty="0"/>
+              <a:t>Create a ‘simple’ game that multiple people can play together over a network</a:t>
+            </a:r>
+          </a:p>
+          <a:p>
+            <a:pPr lvl="6"/>
+            <a:r>
+              <a:rPr lang="en-GB" dirty="0"/>
+              <a:t>FPS Deathmatch</a:t>
+            </a:r>
+          </a:p>
+          <a:p>
+            <a:pPr lvl="6"/>
+            <a:r>
+              <a:rPr lang="en-GB" dirty="0"/>
+              <a:t>Multiplayer arcade game</a:t>
+            </a:r>
+          </a:p>
+          <a:p>
+            <a:pPr lvl="2"/>
+            <a:r>
+              <a:rPr lang="en-GB" dirty="0"/>
+              <a:t>Assignment 2: Technical Report</a:t>
+            </a:r>
+          </a:p>
+          <a:p>
+            <a:pPr lvl="3"/>
+            <a:r>
+              <a:rPr lang="en-GB" dirty="0"/>
+              <a:t>This is shared across all individual specialist computing projects modules</a:t>
+            </a:r>
+          </a:p>
+          <a:p>
+            <a:pPr lvl="2"/>
+            <a:endParaRPr lang="en-GB" dirty="0"/>
+          </a:p>
+          <a:p>
+            <a:pPr lvl="3"/>
+            <a:endParaRPr lang="en-GB" dirty="0"/>
+          </a:p>
+        </p:txBody>
+      </p:sp>
+    </p:spTree>
+    <p:extLst>
+      <p:ext uri="{BB962C8B-B14F-4D97-AF65-F5344CB8AC3E}">
+        <p14:creationId xmlns:p14="http://schemas.microsoft.com/office/powerpoint/2010/main" val="3342109219"/>
+      </p:ext>
+    </p:extLst>
+  </p:cSld>
+  <p:clrMapOvr>
+    <a:masterClrMapping/>
+  </p:clrMapOvr>
+</p:sld>
+</file>
+
+<file path=ppt/slides/slide7.xml><?xml version="1.0" encoding="utf-8"?>
 <p:sld xmlns:a="http://schemas.openxmlformats.org/drawingml/2006/main" xmlns:r="http://schemas.openxmlformats.org/officeDocument/2006/relationships" xmlns:p="http://schemas.openxmlformats.org/presentationml/2006/main">
   <p:cSld>
     <p:spTree>
@@ -7599,6 +11295,12 @@
           </a:bodyPr>
           <a:lstStyle/>
           <a:p>
+            <a:r>
+              <a:rPr lang="en-GB" dirty="0"/>
+              <a:t>Introduction to the module</a:t>
+            </a:r>
+          </a:p>
+          <a:p>
             <a:endParaRPr lang="en-GB" dirty="0"/>
           </a:p>
           <a:p>
@@ -7613,20 +11315,195 @@
           <a:p>
             <a:r>
               <a:rPr lang="en-GB" dirty="0"/>
-              <a:t>Questions</a:t>
-            </a:r>
-          </a:p>
-          <a:p>
-            <a:pPr lvl="1"/>
-            <a:endParaRPr lang="en-GB" dirty="0"/>
-          </a:p>
-          <a:p>
-            <a:pPr lvl="1"/>
+              <a:t>Do you have any questions for me?</a:t>
+            </a:r>
+          </a:p>
+          <a:p>
+            <a:pPr lvl="3"/>
             <a:endParaRPr lang="en-GB" dirty="0"/>
           </a:p>
         </p:txBody>
       </p:sp>
     </p:spTree>
+    <p:extLst>
+      <p:ext uri="{BB962C8B-B14F-4D97-AF65-F5344CB8AC3E}">
+        <p14:creationId xmlns:p14="http://schemas.microsoft.com/office/powerpoint/2010/main" val="1971856505"/>
+      </p:ext>
+    </p:extLst>
+  </p:cSld>
+  <p:clrMapOvr>
+    <a:masterClrMapping/>
+  </p:clrMapOvr>
+</p:sld>
+</file>
+
+<file path=ppt/slides/slide8.xml><?xml version="1.0" encoding="utf-8"?>
+<p:sld xmlns:a="http://schemas.openxmlformats.org/drawingml/2006/main" xmlns:r="http://schemas.openxmlformats.org/officeDocument/2006/relationships" xmlns:p="http://schemas.openxmlformats.org/presentationml/2006/main">
+  <p:cSld>
+    <p:spTree>
+      <p:nvGrpSpPr>
+        <p:cNvPr id="1" name=""/>
+        <p:cNvGrpSpPr/>
+        <p:nvPr/>
+      </p:nvGrpSpPr>
+      <p:grpSpPr>
+        <a:xfrm>
+          <a:off x="0" y="0"/>
+          <a:ext cx="0" cy="0"/>
+          <a:chOff x="0" y="0"/>
+          <a:chExt cx="0" cy="0"/>
+        </a:xfrm>
+      </p:grpSpPr>
+      <p:sp>
+        <p:nvSpPr>
+          <p:cNvPr id="3" name="Content Placeholder 2"/>
+          <p:cNvSpPr>
+            <a:spLocks noGrp="1"/>
+          </p:cNvSpPr>
+          <p:nvPr>
+            <p:ph idx="1"/>
+          </p:nvPr>
+        </p:nvSpPr>
+        <p:spPr>
+          <a:xfrm>
+            <a:off x="457200" y="548680"/>
+            <a:ext cx="8229600" cy="6192688"/>
+          </a:xfrm>
+        </p:spPr>
+        <p:txBody>
+          <a:bodyPr>
+            <a:normAutofit/>
+          </a:bodyPr>
+          <a:lstStyle/>
+          <a:p>
+            <a:r>
+              <a:rPr lang="en-GB" dirty="0"/>
+              <a:t>Introduction to socket-based programming</a:t>
+            </a:r>
+          </a:p>
+          <a:p>
+            <a:endParaRPr lang="en-GB" dirty="0"/>
+          </a:p>
+          <a:p>
+            <a:endParaRPr lang="en-GB" dirty="0"/>
+          </a:p>
+          <a:p>
+            <a:endParaRPr lang="en-GB" dirty="0"/>
+          </a:p>
+          <a:p>
+            <a:endParaRPr lang="en-GB" dirty="0"/>
+          </a:p>
+          <a:p>
+            <a:pPr lvl="3"/>
+            <a:endParaRPr lang="en-GB" dirty="0"/>
+          </a:p>
+        </p:txBody>
+      </p:sp>
+    </p:spTree>
+    <p:extLst>
+      <p:ext uri="{BB962C8B-B14F-4D97-AF65-F5344CB8AC3E}">
+        <p14:creationId xmlns:p14="http://schemas.microsoft.com/office/powerpoint/2010/main" val="2198036235"/>
+      </p:ext>
+    </p:extLst>
+  </p:cSld>
+  <p:clrMapOvr>
+    <a:masterClrMapping/>
+  </p:clrMapOvr>
+</p:sld>
+</file>
+
+<file path=ppt/slides/slide9.xml><?xml version="1.0" encoding="utf-8"?>
+<p:sld xmlns:a="http://schemas.openxmlformats.org/drawingml/2006/main" xmlns:r="http://schemas.openxmlformats.org/officeDocument/2006/relationships" xmlns:p="http://schemas.openxmlformats.org/presentationml/2006/main">
+  <p:cSld>
+    <p:spTree>
+      <p:nvGrpSpPr>
+        <p:cNvPr id="1" name=""/>
+        <p:cNvGrpSpPr/>
+        <p:nvPr/>
+      </p:nvGrpSpPr>
+      <p:grpSpPr>
+        <a:xfrm>
+          <a:off x="0" y="0"/>
+          <a:ext cx="0" cy="0"/>
+          <a:chOff x="0" y="0"/>
+          <a:chExt cx="0" cy="0"/>
+        </a:xfrm>
+      </p:grpSpPr>
+      <p:sp>
+        <p:nvSpPr>
+          <p:cNvPr id="3" name="Content Placeholder 2"/>
+          <p:cNvSpPr>
+            <a:spLocks noGrp="1"/>
+          </p:cNvSpPr>
+          <p:nvPr>
+            <p:ph idx="1"/>
+          </p:nvPr>
+        </p:nvSpPr>
+        <p:spPr>
+          <a:xfrm>
+            <a:off x="457200" y="548680"/>
+            <a:ext cx="8229600" cy="6192688"/>
+          </a:xfrm>
+        </p:spPr>
+        <p:txBody>
+          <a:bodyPr>
+            <a:normAutofit/>
+          </a:bodyPr>
+          <a:lstStyle/>
+          <a:p>
+            <a:r>
+              <a:rPr lang="en-GB" dirty="0"/>
+              <a:t>Introduction to socket-based programming</a:t>
+            </a:r>
+          </a:p>
+          <a:p>
+            <a:endParaRPr lang="en-GB" dirty="0"/>
+          </a:p>
+          <a:p>
+            <a:pPr lvl="1"/>
+            <a:r>
+              <a:rPr lang="en-GB" dirty="0"/>
+              <a:t>In COMP280, we looked at HTTP as a network protocol</a:t>
+            </a:r>
+          </a:p>
+          <a:p>
+            <a:pPr lvl="2"/>
+            <a:r>
+              <a:rPr lang="en-GB" dirty="0"/>
+              <a:t>POST &amp; GET provide client-controlled communications</a:t>
+            </a:r>
+          </a:p>
+          <a:p>
+            <a:pPr lvl="2"/>
+            <a:r>
+              <a:rPr lang="en-GB" dirty="0"/>
+              <a:t>Network gaming requires server to initiate communication with client, so HTTP is no use</a:t>
+            </a:r>
+          </a:p>
+          <a:p>
+            <a:endParaRPr lang="en-GB" dirty="0"/>
+          </a:p>
+          <a:p>
+            <a:endParaRPr lang="en-GB" dirty="0"/>
+          </a:p>
+          <a:p>
+            <a:endParaRPr lang="en-GB" dirty="0"/>
+          </a:p>
+          <a:p>
+            <a:endParaRPr lang="en-GB" dirty="0"/>
+          </a:p>
+          <a:p>
+            <a:pPr lvl="3"/>
+            <a:endParaRPr lang="en-GB" dirty="0"/>
+          </a:p>
+        </p:txBody>
+      </p:sp>
+    </p:spTree>
+    <p:extLst>
+      <p:ext uri="{BB962C8B-B14F-4D97-AF65-F5344CB8AC3E}">
+        <p14:creationId xmlns:p14="http://schemas.microsoft.com/office/powerpoint/2010/main" val="3713051751"/>
+      </p:ext>
+    </p:extLst>
   </p:cSld>
   <p:clrMapOvr>
     <a:masterClrMapping/>
